--- a/docs/diagrams/SetCategoriesSequenceDiagram.pptx
+++ b/docs/diagrams/SetCategoriesSequenceDiagram.pptx
@@ -63,13 +63,13 @@
         </a:solidFill>
         <a:effectLst/>
         <a:uFillTx/>
-        <a:latin typeface="+mj-lt"/>
-        <a:ea typeface="+mj-ea"/>
-        <a:cs typeface="+mj-cs"/>
-        <a:sym typeface="Calibri"/>
+        <a:latin typeface="+mn-lt"/>
+        <a:ea typeface="+mn-ea"/>
+        <a:cs typeface="+mn-cs"/>
+        <a:sym typeface="Helvetica"/>
       </a:defRPr>
     </a:lvl1pPr>
-    <a:lvl2pPr marL="0" marR="0" indent="457200" algn="l" defTabSz="1828800" rtl="0" fontAlgn="auto" latinLnBrk="0" hangingPunct="0">
+    <a:lvl2pPr marL="0" marR="0" indent="0" algn="l" defTabSz="1828800" rtl="0" fontAlgn="auto" latinLnBrk="0" hangingPunct="0">
       <a:lnSpc>
         <a:spcPct val="100000"/>
       </a:lnSpc>
@@ -93,13 +93,13 @@
         </a:solidFill>
         <a:effectLst/>
         <a:uFillTx/>
-        <a:latin typeface="+mj-lt"/>
-        <a:ea typeface="+mj-ea"/>
-        <a:cs typeface="+mj-cs"/>
-        <a:sym typeface="Calibri"/>
+        <a:latin typeface="+mn-lt"/>
+        <a:ea typeface="+mn-ea"/>
+        <a:cs typeface="+mn-cs"/>
+        <a:sym typeface="Helvetica"/>
       </a:defRPr>
     </a:lvl2pPr>
-    <a:lvl3pPr marL="0" marR="0" indent="914400" algn="l" defTabSz="1828800" rtl="0" fontAlgn="auto" latinLnBrk="0" hangingPunct="0">
+    <a:lvl3pPr marL="0" marR="0" indent="0" algn="l" defTabSz="1828800" rtl="0" fontAlgn="auto" latinLnBrk="0" hangingPunct="0">
       <a:lnSpc>
         <a:spcPct val="100000"/>
       </a:lnSpc>
@@ -123,13 +123,13 @@
         </a:solidFill>
         <a:effectLst/>
         <a:uFillTx/>
-        <a:latin typeface="+mj-lt"/>
-        <a:ea typeface="+mj-ea"/>
-        <a:cs typeface="+mj-cs"/>
-        <a:sym typeface="Calibri"/>
+        <a:latin typeface="+mn-lt"/>
+        <a:ea typeface="+mn-ea"/>
+        <a:cs typeface="+mn-cs"/>
+        <a:sym typeface="Helvetica"/>
       </a:defRPr>
     </a:lvl3pPr>
-    <a:lvl4pPr marL="0" marR="0" indent="1371600" algn="l" defTabSz="1828800" rtl="0" fontAlgn="auto" latinLnBrk="0" hangingPunct="0">
+    <a:lvl4pPr marL="0" marR="0" indent="0" algn="l" defTabSz="1828800" rtl="0" fontAlgn="auto" latinLnBrk="0" hangingPunct="0">
       <a:lnSpc>
         <a:spcPct val="100000"/>
       </a:lnSpc>
@@ -153,13 +153,13 @@
         </a:solidFill>
         <a:effectLst/>
         <a:uFillTx/>
-        <a:latin typeface="+mj-lt"/>
-        <a:ea typeface="+mj-ea"/>
-        <a:cs typeface="+mj-cs"/>
-        <a:sym typeface="Calibri"/>
+        <a:latin typeface="+mn-lt"/>
+        <a:ea typeface="+mn-ea"/>
+        <a:cs typeface="+mn-cs"/>
+        <a:sym typeface="Helvetica"/>
       </a:defRPr>
     </a:lvl4pPr>
-    <a:lvl5pPr marL="0" marR="0" indent="1828800" algn="l" defTabSz="1828800" rtl="0" fontAlgn="auto" latinLnBrk="0" hangingPunct="0">
+    <a:lvl5pPr marL="0" marR="0" indent="0" algn="l" defTabSz="1828800" rtl="0" fontAlgn="auto" latinLnBrk="0" hangingPunct="0">
       <a:lnSpc>
         <a:spcPct val="100000"/>
       </a:lnSpc>
@@ -183,13 +183,13 @@
         </a:solidFill>
         <a:effectLst/>
         <a:uFillTx/>
-        <a:latin typeface="+mj-lt"/>
-        <a:ea typeface="+mj-ea"/>
-        <a:cs typeface="+mj-cs"/>
-        <a:sym typeface="Calibri"/>
+        <a:latin typeface="+mn-lt"/>
+        <a:ea typeface="+mn-ea"/>
+        <a:cs typeface="+mn-cs"/>
+        <a:sym typeface="Helvetica"/>
       </a:defRPr>
     </a:lvl5pPr>
-    <a:lvl6pPr marL="0" marR="0" indent="2286000" algn="l" defTabSz="1828800" rtl="0" fontAlgn="auto" latinLnBrk="0" hangingPunct="0">
+    <a:lvl6pPr marL="0" marR="0" indent="0" algn="l" defTabSz="1828800" rtl="0" fontAlgn="auto" latinLnBrk="0" hangingPunct="0">
       <a:lnSpc>
         <a:spcPct val="100000"/>
       </a:lnSpc>
@@ -213,13 +213,13 @@
         </a:solidFill>
         <a:effectLst/>
         <a:uFillTx/>
-        <a:latin typeface="+mj-lt"/>
-        <a:ea typeface="+mj-ea"/>
-        <a:cs typeface="+mj-cs"/>
-        <a:sym typeface="Calibri"/>
+        <a:latin typeface="+mn-lt"/>
+        <a:ea typeface="+mn-ea"/>
+        <a:cs typeface="+mn-cs"/>
+        <a:sym typeface="Helvetica"/>
       </a:defRPr>
     </a:lvl6pPr>
-    <a:lvl7pPr marL="0" marR="0" indent="2743200" algn="l" defTabSz="1828800" rtl="0" fontAlgn="auto" latinLnBrk="0" hangingPunct="0">
+    <a:lvl7pPr marL="0" marR="0" indent="0" algn="l" defTabSz="1828800" rtl="0" fontAlgn="auto" latinLnBrk="0" hangingPunct="0">
       <a:lnSpc>
         <a:spcPct val="100000"/>
       </a:lnSpc>
@@ -243,13 +243,13 @@
         </a:solidFill>
         <a:effectLst/>
         <a:uFillTx/>
-        <a:latin typeface="+mj-lt"/>
-        <a:ea typeface="+mj-ea"/>
-        <a:cs typeface="+mj-cs"/>
-        <a:sym typeface="Calibri"/>
+        <a:latin typeface="+mn-lt"/>
+        <a:ea typeface="+mn-ea"/>
+        <a:cs typeface="+mn-cs"/>
+        <a:sym typeface="Helvetica"/>
       </a:defRPr>
     </a:lvl7pPr>
-    <a:lvl8pPr marL="0" marR="0" indent="3200400" algn="l" defTabSz="1828800" rtl="0" fontAlgn="auto" latinLnBrk="0" hangingPunct="0">
+    <a:lvl8pPr marL="0" marR="0" indent="0" algn="l" defTabSz="1828800" rtl="0" fontAlgn="auto" latinLnBrk="0" hangingPunct="0">
       <a:lnSpc>
         <a:spcPct val="100000"/>
       </a:lnSpc>
@@ -273,13 +273,13 @@
         </a:solidFill>
         <a:effectLst/>
         <a:uFillTx/>
-        <a:latin typeface="+mj-lt"/>
-        <a:ea typeface="+mj-ea"/>
-        <a:cs typeface="+mj-cs"/>
-        <a:sym typeface="Calibri"/>
+        <a:latin typeface="+mn-lt"/>
+        <a:ea typeface="+mn-ea"/>
+        <a:cs typeface="+mn-cs"/>
+        <a:sym typeface="Helvetica"/>
       </a:defRPr>
     </a:lvl8pPr>
-    <a:lvl9pPr marL="0" marR="0" indent="3657600" algn="l" defTabSz="1828800" rtl="0" fontAlgn="auto" latinLnBrk="0" hangingPunct="0">
+    <a:lvl9pPr marL="0" marR="0" indent="0" algn="l" defTabSz="1828800" rtl="0" fontAlgn="auto" latinLnBrk="0" hangingPunct="0">
       <a:lnSpc>
         <a:spcPct val="100000"/>
       </a:lnSpc>
@@ -303,10 +303,10 @@
         </a:solidFill>
         <a:effectLst/>
         <a:uFillTx/>
-        <a:latin typeface="+mj-lt"/>
-        <a:ea typeface="+mj-ea"/>
-        <a:cs typeface="+mj-cs"/>
-        <a:sym typeface="Calibri"/>
+        <a:latin typeface="+mn-lt"/>
+        <a:ea typeface="+mn-ea"/>
+        <a:cs typeface="+mn-cs"/>
+        <a:sym typeface="Helvetica"/>
       </a:defRPr>
     </a:lvl9pPr>
   </p:defaultTextStyle>
@@ -539,7 +539,7 @@
                 </a:solidFill>
               </a:defRPr>
             </a:lvl1pPr>
-            <a:lvl2pPr marL="0" indent="457200" algn="ctr">
+            <a:lvl2pPr marL="0" indent="0" algn="ctr">
               <a:buSzTx/>
               <a:buFontTx/>
               <a:buNone/>
@@ -549,7 +549,7 @@
                 </a:solidFill>
               </a:defRPr>
             </a:lvl2pPr>
-            <a:lvl3pPr marL="0" indent="914400" algn="ctr">
+            <a:lvl3pPr marL="0" indent="0" algn="ctr">
               <a:buSzTx/>
               <a:buFontTx/>
               <a:buNone/>
@@ -559,7 +559,7 @@
                 </a:solidFill>
               </a:defRPr>
             </a:lvl3pPr>
-            <a:lvl4pPr marL="0" indent="1371600" algn="ctr">
+            <a:lvl4pPr marL="0" indent="0" algn="ctr">
               <a:buSzTx/>
               <a:buFontTx/>
               <a:buNone/>
@@ -569,7 +569,7 @@
                 </a:solidFill>
               </a:defRPr>
             </a:lvl4pPr>
-            <a:lvl5pPr marL="0" indent="1828800" algn="ctr">
+            <a:lvl5pPr marL="0" indent="0" algn="ctr">
               <a:buSzTx/>
               <a:buFontTx/>
               <a:buNone/>
@@ -791,7 +791,7 @@
         <p:spPr>
           <a:xfrm>
             <a:off x="4492625" y="8813800"/>
-            <a:ext cx="15544801" cy="2724150"/>
+            <a:ext cx="15544802" cy="2724150"/>
           </a:xfrm>
           <a:prstGeom prst="rect">
             <a:avLst/>
@@ -823,7 +823,7 @@
         <p:spPr>
           <a:xfrm>
             <a:off x="4492625" y="5813426"/>
-            <a:ext cx="15544801" cy="3000375"/>
+            <a:ext cx="15544802" cy="3000376"/>
           </a:xfrm>
           <a:prstGeom prst="rect">
             <a:avLst/>
@@ -845,7 +845,7 @@
                 </a:solidFill>
               </a:defRPr>
             </a:lvl1pPr>
-            <a:lvl2pPr marL="0" indent="457200">
+            <a:lvl2pPr marL="0" indent="0">
               <a:spcBef>
                 <a:spcPts val="900"/>
               </a:spcBef>
@@ -858,7 +858,7 @@
                 </a:solidFill>
               </a:defRPr>
             </a:lvl2pPr>
-            <a:lvl3pPr marL="0" indent="914400">
+            <a:lvl3pPr marL="0" indent="0">
               <a:spcBef>
                 <a:spcPts val="900"/>
               </a:spcBef>
@@ -871,7 +871,7 @@
                 </a:solidFill>
               </a:defRPr>
             </a:lvl3pPr>
-            <a:lvl4pPr marL="0" indent="1371600">
+            <a:lvl4pPr marL="0" indent="0">
               <a:spcBef>
                 <a:spcPts val="900"/>
               </a:spcBef>
@@ -884,7 +884,7 @@
                 </a:solidFill>
               </a:defRPr>
             </a:lvl4pPr>
-            <a:lvl5pPr marL="0" indent="1828800">
+            <a:lvl5pPr marL="0" indent="0">
               <a:spcBef>
                 <a:spcPts val="900"/>
               </a:spcBef>
@@ -1034,7 +1034,7 @@
               </a:spcBef>
               <a:defRPr sz="5600"/>
             </a:lvl2pPr>
-            <a:lvl3pPr marL="1554479" indent="-640079">
+            <a:lvl3pPr marL="1554478" indent="-640078">
               <a:spcBef>
                 <a:spcPts val="1300"/>
               </a:spcBef>
@@ -1186,7 +1186,7 @@
               <a:buNone/>
               <a:defRPr b="1" sz="4800"/>
             </a:lvl1pPr>
-            <a:lvl2pPr marL="0" indent="457200">
+            <a:lvl2pPr marL="0" indent="0">
               <a:spcBef>
                 <a:spcPts val="1100"/>
               </a:spcBef>
@@ -1195,7 +1195,7 @@
               <a:buNone/>
               <a:defRPr b="1" sz="4800"/>
             </a:lvl2pPr>
-            <a:lvl3pPr marL="0" indent="914400">
+            <a:lvl3pPr marL="0" indent="0">
               <a:spcBef>
                 <a:spcPts val="1100"/>
               </a:spcBef>
@@ -1204,7 +1204,7 @@
               <a:buNone/>
               <a:defRPr b="1" sz="4800"/>
             </a:lvl3pPr>
-            <a:lvl4pPr marL="0" indent="1371600">
+            <a:lvl4pPr marL="0" indent="0">
               <a:spcBef>
                 <a:spcPts val="1100"/>
               </a:spcBef>
@@ -1213,7 +1213,7 @@
               <a:buNone/>
               <a:defRPr b="1" sz="4800"/>
             </a:lvl4pPr>
-            <a:lvl5pPr marL="0" indent="1828800">
+            <a:lvl5pPr marL="0" indent="0">
               <a:spcBef>
                 <a:spcPts val="1100"/>
               </a:spcBef>
@@ -1271,21 +1271,12 @@
           <a:prstGeom prst="rect">
             <a:avLst/>
           </a:prstGeom>
-          <a:ln w="12700"/>
         </p:spPr>
         <p:txBody>
           <a:bodyPr anchor="b"/>
           <a:lstStyle/>
           <a:p>
-            <a:pPr marL="0" indent="0">
-              <a:spcBef>
-                <a:spcPts val="1100"/>
-              </a:spcBef>
-              <a:buSzTx/>
-              <a:buFontTx/>
-              <a:buNone/>
-              <a:defRPr b="1" sz="4800"/>
-            </a:pPr>
+            <a:pPr/>
           </a:p>
         </p:txBody>
       </p:sp>
@@ -1551,27 +1542,18 @@
         </p:nvSpPr>
         <p:spPr>
           <a:xfrm>
-            <a:off x="3962399" y="2870200"/>
-            <a:ext cx="6016628" cy="9382126"/>
+            <a:off x="3962398" y="2870200"/>
+            <a:ext cx="6016629" cy="9382126"/>
           </a:xfrm>
           <a:prstGeom prst="rect">
             <a:avLst/>
           </a:prstGeom>
-          <a:ln w="12700"/>
         </p:spPr>
         <p:txBody>
           <a:bodyPr/>
           <a:lstStyle/>
           <a:p>
-            <a:pPr marL="0" indent="0">
-              <a:spcBef>
-                <a:spcPts val="600"/>
-              </a:spcBef>
-              <a:buSzTx/>
-              <a:buFontTx/>
-              <a:buNone/>
-              <a:defRPr sz="2800"/>
-            </a:pPr>
+            <a:pPr/>
           </a:p>
         </p:txBody>
       </p:sp>
@@ -1633,8 +1615,8 @@
         </p:nvSpPr>
         <p:spPr>
           <a:xfrm>
-            <a:off x="6632576" y="9601200"/>
-            <a:ext cx="10972801" cy="1133476"/>
+            <a:off x="6632575" y="9601200"/>
+            <a:ext cx="10972802" cy="1133476"/>
           </a:xfrm>
           <a:prstGeom prst="rect">
             <a:avLst/>
@@ -1665,16 +1647,15 @@
         </p:nvSpPr>
         <p:spPr>
           <a:xfrm>
-            <a:off x="6632576" y="1225550"/>
-            <a:ext cx="10972801" cy="8229600"/>
+            <a:off x="6632575" y="1225550"/>
+            <a:ext cx="10972802" cy="8229600"/>
           </a:xfrm>
           <a:prstGeom prst="rect">
             <a:avLst/>
           </a:prstGeom>
-          <a:ln w="12700"/>
         </p:spPr>
         <p:txBody>
-          <a:bodyPr tIns="45719" bIns="45719">
+          <a:bodyPr lIns="91439" tIns="45719" rIns="91439" bIns="45719">
             <a:noAutofit/>
           </a:bodyPr>
           <a:lstStyle/>
@@ -1693,8 +1674,8 @@
         </p:nvSpPr>
         <p:spPr>
           <a:xfrm>
-            <a:off x="6632576" y="10734675"/>
-            <a:ext cx="10972801" cy="1609725"/>
+            <a:off x="6632575" y="10734675"/>
+            <a:ext cx="10972802" cy="1609725"/>
           </a:xfrm>
           <a:prstGeom prst="rect">
             <a:avLst/>
@@ -1712,7 +1693,7 @@
               <a:buNone/>
               <a:defRPr sz="2800"/>
             </a:lvl1pPr>
-            <a:lvl2pPr marL="0" indent="457200">
+            <a:lvl2pPr marL="0" indent="0">
               <a:spcBef>
                 <a:spcPts val="600"/>
               </a:spcBef>
@@ -1721,7 +1702,7 @@
               <a:buNone/>
               <a:defRPr sz="2800"/>
             </a:lvl2pPr>
-            <a:lvl3pPr marL="0" indent="914400">
+            <a:lvl3pPr marL="0" indent="0">
               <a:spcBef>
                 <a:spcPts val="600"/>
               </a:spcBef>
@@ -1730,7 +1711,7 @@
               <a:buNone/>
               <a:defRPr sz="2800"/>
             </a:lvl3pPr>
-            <a:lvl4pPr marL="0" indent="1371600">
+            <a:lvl4pPr marL="0" indent="0">
               <a:spcBef>
                 <a:spcPts val="600"/>
               </a:spcBef>
@@ -1739,7 +1720,7 @@
               <a:buNone/>
               <a:defRPr sz="2800"/>
             </a:lvl4pPr>
-            <a:lvl5pPr marL="0" indent="1828800">
+            <a:lvl5pPr marL="0" indent="0">
               <a:spcBef>
                 <a:spcPts val="600"/>
               </a:spcBef>
@@ -1852,7 +1833,7 @@
           <a:prstGeom prst="rect">
             <a:avLst/>
           </a:prstGeom>
-          <a:ln w="25400">
+          <a:ln w="12700">
             <a:miter lim="400000"/>
           </a:ln>
           <a:extLst>
@@ -1862,7 +1843,7 @@
           </a:extLst>
         </p:spPr>
         <p:txBody>
-          <a:bodyPr tIns="91439" bIns="91439" anchor="ctr">
+          <a:bodyPr lIns="91438" tIns="91438" rIns="91438" bIns="91438" anchor="ctr">
             <a:normAutofit fontScale="100000" lnSpcReduction="0"/>
           </a:bodyPr>
           <a:lstStyle/>
@@ -1890,7 +1871,7 @@
           <a:prstGeom prst="rect">
             <a:avLst/>
           </a:prstGeom>
-          <a:ln w="25400">
+          <a:ln w="12700">
             <a:miter lim="400000"/>
           </a:ln>
           <a:extLst>
@@ -1900,7 +1881,7 @@
           </a:extLst>
         </p:spPr>
         <p:txBody>
-          <a:bodyPr tIns="91439" bIns="91439">
+          <a:bodyPr lIns="91438" tIns="91438" rIns="91438" bIns="91438">
             <a:normAutofit fontScale="100000" lnSpcReduction="0"/>
           </a:bodyPr>
           <a:lstStyle/>
@@ -1946,18 +1927,18 @@
         </p:nvSpPr>
         <p:spPr>
           <a:xfrm>
-            <a:off x="19906337" y="12808585"/>
-            <a:ext cx="515264" cy="538480"/>
+            <a:off x="19906340" y="12808585"/>
+            <a:ext cx="515261" cy="538479"/>
           </a:xfrm>
           <a:prstGeom prst="rect">
             <a:avLst/>
           </a:prstGeom>
-          <a:ln w="25400">
+          <a:ln w="12700">
             <a:miter lim="400000"/>
           </a:ln>
         </p:spPr>
         <p:txBody>
-          <a:bodyPr wrap="none" tIns="91439" bIns="91439" anchor="ctr">
+          <a:bodyPr wrap="none" lIns="91438" tIns="91438" rIns="91438" bIns="91438" anchor="ctr">
             <a:spAutoFit/>
           </a:bodyPr>
           <a:lstStyle>
@@ -1966,6 +1947,10 @@
                 <a:solidFill>
                   <a:srgbClr val="888888"/>
                 </a:solidFill>
+                <a:latin typeface="+mj-lt"/>
+                <a:ea typeface="+mj-ea"/>
+                <a:cs typeface="+mj-cs"/>
+                <a:sym typeface="Calibri"/>
               </a:defRPr>
             </a:lvl1pPr>
           </a:lstStyle>
@@ -2342,7 +2327,7 @@
           <a:sym typeface="Calibri"/>
         </a:defRPr>
       </a:lvl3pPr>
-      <a:lvl4pPr marL="2103120" marR="0" indent="-731520" algn="l" defTabSz="1828800" rtl="0" latinLnBrk="0">
+      <a:lvl4pPr marL="2103120" marR="0" indent="-731519" algn="l" defTabSz="1828800" rtl="0" latinLnBrk="0">
         <a:lnSpc>
           <a:spcPct val="100000"/>
         </a:lnSpc>
@@ -2547,7 +2532,7 @@
           <a:sym typeface="Calibri"/>
         </a:defRPr>
       </a:lvl1pPr>
-      <a:lvl2pPr marL="0" marR="0" indent="457200" algn="r" defTabSz="1828800" rtl="0" latinLnBrk="0">
+      <a:lvl2pPr marL="0" marR="0" indent="0" algn="r" defTabSz="1828800" rtl="0" latinLnBrk="0">
         <a:lnSpc>
           <a:spcPct val="100000"/>
         </a:lnSpc>
@@ -2576,7 +2561,7 @@
           <a:sym typeface="Calibri"/>
         </a:defRPr>
       </a:lvl2pPr>
-      <a:lvl3pPr marL="0" marR="0" indent="914400" algn="r" defTabSz="1828800" rtl="0" latinLnBrk="0">
+      <a:lvl3pPr marL="0" marR="0" indent="0" algn="r" defTabSz="1828800" rtl="0" latinLnBrk="0">
         <a:lnSpc>
           <a:spcPct val="100000"/>
         </a:lnSpc>
@@ -2605,7 +2590,7 @@
           <a:sym typeface="Calibri"/>
         </a:defRPr>
       </a:lvl3pPr>
-      <a:lvl4pPr marL="0" marR="0" indent="1371600" algn="r" defTabSz="1828800" rtl="0" latinLnBrk="0">
+      <a:lvl4pPr marL="0" marR="0" indent="0" algn="r" defTabSz="1828800" rtl="0" latinLnBrk="0">
         <a:lnSpc>
           <a:spcPct val="100000"/>
         </a:lnSpc>
@@ -2634,7 +2619,7 @@
           <a:sym typeface="Calibri"/>
         </a:defRPr>
       </a:lvl4pPr>
-      <a:lvl5pPr marL="0" marR="0" indent="1828800" algn="r" defTabSz="1828800" rtl="0" latinLnBrk="0">
+      <a:lvl5pPr marL="0" marR="0" indent="0" algn="r" defTabSz="1828800" rtl="0" latinLnBrk="0">
         <a:lnSpc>
           <a:spcPct val="100000"/>
         </a:lnSpc>
@@ -2663,7 +2648,7 @@
           <a:sym typeface="Calibri"/>
         </a:defRPr>
       </a:lvl5pPr>
-      <a:lvl6pPr marL="0" marR="0" indent="2286000" algn="r" defTabSz="1828800" rtl="0" latinLnBrk="0">
+      <a:lvl6pPr marL="0" marR="0" indent="0" algn="r" defTabSz="1828800" rtl="0" latinLnBrk="0">
         <a:lnSpc>
           <a:spcPct val="100000"/>
         </a:lnSpc>
@@ -2692,7 +2677,7 @@
           <a:sym typeface="Calibri"/>
         </a:defRPr>
       </a:lvl6pPr>
-      <a:lvl7pPr marL="0" marR="0" indent="2743200" algn="r" defTabSz="1828800" rtl="0" latinLnBrk="0">
+      <a:lvl7pPr marL="0" marR="0" indent="0" algn="r" defTabSz="1828800" rtl="0" latinLnBrk="0">
         <a:lnSpc>
           <a:spcPct val="100000"/>
         </a:lnSpc>
@@ -2721,7 +2706,7 @@
           <a:sym typeface="Calibri"/>
         </a:defRPr>
       </a:lvl7pPr>
-      <a:lvl8pPr marL="0" marR="0" indent="3200400" algn="r" defTabSz="1828800" rtl="0" latinLnBrk="0">
+      <a:lvl8pPr marL="0" marR="0" indent="0" algn="r" defTabSz="1828800" rtl="0" latinLnBrk="0">
         <a:lnSpc>
           <a:spcPct val="100000"/>
         </a:lnSpc>
@@ -2750,7 +2735,7 @@
           <a:sym typeface="Calibri"/>
         </a:defRPr>
       </a:lvl8pPr>
-      <a:lvl9pPr marL="0" marR="0" indent="3657600" algn="r" defTabSz="1828800" rtl="0" latinLnBrk="0">
+      <a:lvl9pPr marL="0" marR="0" indent="0" algn="r" defTabSz="1828800" rtl="0" latinLnBrk="0">
         <a:lnSpc>
           <a:spcPct val="100000"/>
         </a:lnSpc>
@@ -2801,2390 +2786,3297 @@
           <a:chExt cx="0" cy="0"/>
         </a:xfrm>
       </p:grpSpPr>
-      <p:sp>
-        <p:nvSpPr>
-          <p:cNvPr id="94" name="Rounded Rectangle"/>
-          <p:cNvSpPr/>
+      <p:grpSp>
+        <p:nvGrpSpPr>
+          <p:cNvPr id="172" name="Group"/>
+          <p:cNvGrpSpPr/>
           <p:nvPr/>
-        </p:nvSpPr>
-        <p:spPr>
+        </p:nvGrpSpPr>
+        <p:grpSpPr>
           <a:xfrm>
-            <a:off x="1447265" y="229288"/>
-            <a:ext cx="21513978" cy="13257424"/>
+            <a:off x="366254" y="229288"/>
+            <a:ext cx="23553718" cy="13257424"/>
+            <a:chOff x="0" y="0"/>
+            <a:chExt cx="23553717" cy="13257423"/>
           </a:xfrm>
-          <a:prstGeom prst="roundRect">
-            <a:avLst>
-              <a:gd name="adj" fmla="val 3484"/>
-            </a:avLst>
-          </a:prstGeom>
-          <a:solidFill>
-            <a:srgbClr val="DCE6F2"/>
-          </a:solidFill>
-          <a:ln w="12700">
-            <a:miter lim="400000"/>
-          </a:ln>
-        </p:spPr>
-        <p:txBody>
-          <a:bodyPr tIns="91439" bIns="91439"/>
-          <a:lstStyle/>
-          <a:p>
-            <a:pPr>
-              <a:defRPr b="1" sz="2400">
+        </p:grpSpPr>
+        <p:sp>
+          <p:nvSpPr>
+            <p:cNvPr id="94" name="Rounded Rectangle"/>
+            <p:cNvSpPr/>
+            <p:nvPr/>
+          </p:nvSpPr>
+          <p:spPr>
+            <a:xfrm>
+              <a:off x="0" y="0"/>
+              <a:ext cx="23553718" cy="13257424"/>
+            </a:xfrm>
+            <a:prstGeom prst="roundRect">
+              <a:avLst>
+                <a:gd name="adj" fmla="val 3484"/>
+              </a:avLst>
+            </a:prstGeom>
+            <a:solidFill>
+              <a:srgbClr val="DCE6F2"/>
+            </a:solidFill>
+            <a:ln w="12700" cap="flat">
+              <a:noFill/>
+              <a:miter lim="400000"/>
+            </a:ln>
+            <a:effectLst/>
+          </p:spPr>
+          <p:txBody>
+            <a:bodyPr wrap="square" lIns="91438" tIns="91438" rIns="91438" bIns="91438" numCol="1" anchor="t">
+              <a:noAutofit/>
+            </a:bodyPr>
+            <a:lstStyle/>
+            <a:p>
+              <a:pPr>
+                <a:defRPr b="1" sz="2300">
+                  <a:solidFill>
+                    <a:srgbClr val="0070C0"/>
+                  </a:solidFill>
+                  <a:latin typeface="+mj-lt"/>
+                  <a:ea typeface="+mj-ea"/>
+                  <a:cs typeface="+mj-cs"/>
+                  <a:sym typeface="Calibri"/>
+                </a:defRPr>
+              </a:pPr>
+            </a:p>
+          </p:txBody>
+        </p:sp>
+        <p:sp>
+          <p:nvSpPr>
+            <p:cNvPr id="95" name="Rectangle 20"/>
+            <p:cNvSpPr/>
+            <p:nvPr/>
+          </p:nvSpPr>
+          <p:spPr>
+            <a:xfrm>
+              <a:off x="22024624" y="8628930"/>
+              <a:ext cx="304802" cy="552008"/>
+            </a:xfrm>
+            <a:prstGeom prst="rect">
+              <a:avLst/>
+            </a:prstGeom>
+            <a:solidFill>
+              <a:srgbClr val="0070C0"/>
+            </a:solidFill>
+            <a:ln w="12700" cap="flat">
+              <a:solidFill>
+                <a:srgbClr val="0070C0"/>
+              </a:solidFill>
+              <a:prstDash val="solid"/>
+              <a:round/>
+            </a:ln>
+            <a:effectLst/>
+          </p:spPr>
+          <p:txBody>
+            <a:bodyPr wrap="square" lIns="91438" tIns="91438" rIns="91438" bIns="91438" numCol="1" anchor="ctr">
+              <a:noAutofit/>
+            </a:bodyPr>
+            <a:lstStyle/>
+            <a:p>
+              <a:pPr algn="ctr">
+                <a:defRPr sz="2800">
+                  <a:latin typeface="+mj-lt"/>
+                  <a:ea typeface="+mj-ea"/>
+                  <a:cs typeface="+mj-cs"/>
+                  <a:sym typeface="Calibri"/>
+                </a:defRPr>
+              </a:pPr>
+            </a:p>
+          </p:txBody>
+        </p:sp>
+        <p:sp>
+          <p:nvSpPr>
+            <p:cNvPr id="96" name="Logic"/>
+            <p:cNvSpPr txBox="1"/>
+            <p:nvPr/>
+          </p:nvSpPr>
+          <p:spPr>
+            <a:xfrm>
+              <a:off x="169204" y="133897"/>
+              <a:ext cx="16886912" cy="538479"/>
+            </a:xfrm>
+            <a:prstGeom prst="rect">
+              <a:avLst/>
+            </a:prstGeom>
+            <a:noFill/>
+            <a:ln w="12700" cap="flat">
+              <a:noFill/>
+              <a:miter lim="400000"/>
+            </a:ln>
+            <a:effectLst/>
+            <a:extLst>
+              <a:ext uri="{C572A759-6A51-4108-AA02-DFA0A04FC94B}">
+                <ma14:wrappingTextBoxFlag xmlns:ma14="http://schemas.microsoft.com/office/mac/drawingml/2011/main" val="1"/>
+              </a:ext>
+            </a:extLst>
+          </p:spPr>
+          <p:txBody>
+            <a:bodyPr wrap="square" lIns="91438" tIns="91438" rIns="91438" bIns="91438" numCol="1" anchor="t">
+              <a:spAutoFit/>
+            </a:bodyPr>
+            <a:lstStyle>
+              <a:lvl1pPr>
+                <a:defRPr b="1" sz="2400">
+                  <a:solidFill>
+                    <a:srgbClr val="0070C0"/>
+                  </a:solidFill>
+                  <a:latin typeface="+mj-lt"/>
+                  <a:ea typeface="+mj-ea"/>
+                  <a:cs typeface="+mj-cs"/>
+                  <a:sym typeface="Calibri"/>
+                </a:defRPr>
+              </a:lvl1pPr>
+            </a:lstStyle>
+            <a:p>
+              <a:pPr/>
+              <a:r>
+                <a:t>Logic</a:t>
+              </a:r>
+            </a:p>
+          </p:txBody>
+        </p:sp>
+        <p:sp>
+          <p:nvSpPr>
+            <p:cNvPr id="97" name="Straight Connector 16"/>
+            <p:cNvSpPr/>
+            <p:nvPr/>
+          </p:nvSpPr>
+          <p:spPr>
+            <a:xfrm flipH="1">
+              <a:off x="10231892" y="1426562"/>
+              <a:ext cx="1" cy="8270910"/>
+            </a:xfrm>
+            <a:prstGeom prst="line">
+              <a:avLst/>
+            </a:prstGeom>
+            <a:gradFill flip="none" rotWithShape="1">
+              <a:gsLst>
+                <a:gs pos="0">
+                  <a:schemeClr val="accent1">
+                    <a:hueOff val="357503"/>
+                    <a:satOff val="54545"/>
+                    <a:lumOff val="29273"/>
+                  </a:schemeClr>
+                </a:gs>
+                <a:gs pos="35000">
+                  <a:srgbClr val="BDD4FF"/>
+                </a:gs>
+                <a:gs pos="100000">
+                  <a:schemeClr val="accent1">
+                    <a:hueOff val="418253"/>
+                    <a:satOff val="54545"/>
+                    <a:lumOff val="42493"/>
+                  </a:schemeClr>
+                </a:gs>
+              </a:gsLst>
+              <a:lin ang="16200000" scaled="0"/>
+            </a:gradFill>
+            <a:ln w="38100" cap="flat">
+              <a:solidFill>
+                <a:srgbClr val="0070C0"/>
+              </a:solidFill>
+              <a:prstDash val="sysDash"/>
+              <a:round/>
+            </a:ln>
+            <a:effectLst/>
+          </p:spPr>
+          <p:txBody>
+            <a:bodyPr wrap="square" lIns="45718" tIns="45718" rIns="45718" bIns="45718" numCol="1" anchor="t">
+              <a:noAutofit/>
+            </a:bodyPr>
+            <a:lstStyle/>
+            <a:p>
+              <a:pPr/>
+            </a:p>
+          </p:txBody>
+        </p:sp>
+        <p:sp>
+          <p:nvSpPr>
+            <p:cNvPr id="98" name="Rectangle 17"/>
+            <p:cNvSpPr/>
+            <p:nvPr/>
+          </p:nvSpPr>
+          <p:spPr>
+            <a:xfrm>
+              <a:off x="10087875" y="2342948"/>
+              <a:ext cx="294467" cy="7112002"/>
+            </a:xfrm>
+            <a:prstGeom prst="rect">
+              <a:avLst/>
+            </a:prstGeom>
+            <a:solidFill>
+              <a:srgbClr val="0070C0"/>
+            </a:solidFill>
+            <a:ln w="12700" cap="flat">
+              <a:solidFill>
+                <a:srgbClr val="0070C0"/>
+              </a:solidFill>
+              <a:prstDash val="solid"/>
+              <a:round/>
+            </a:ln>
+            <a:effectLst/>
+          </p:spPr>
+          <p:txBody>
+            <a:bodyPr wrap="square" lIns="91438" tIns="91438" rIns="91438" bIns="91438" numCol="1" anchor="ctr">
+              <a:noAutofit/>
+            </a:bodyPr>
+            <a:lstStyle/>
+            <a:p>
+              <a:pPr algn="ctr">
+                <a:defRPr sz="2800">
+                  <a:latin typeface="+mj-lt"/>
+                  <a:ea typeface="+mj-ea"/>
+                  <a:cs typeface="+mj-cs"/>
+                  <a:sym typeface="Calibri"/>
+                </a:defRPr>
+              </a:pPr>
+            </a:p>
+          </p:txBody>
+        </p:sp>
+        <p:sp>
+          <p:nvSpPr>
+            <p:cNvPr id="99" name="Rectangle 20"/>
+            <p:cNvSpPr/>
+            <p:nvPr/>
+          </p:nvSpPr>
+          <p:spPr>
+            <a:xfrm>
+              <a:off x="15284861" y="2817752"/>
+              <a:ext cx="304802" cy="552008"/>
+            </a:xfrm>
+            <a:prstGeom prst="rect">
+              <a:avLst/>
+            </a:prstGeom>
+            <a:solidFill>
+              <a:srgbClr val="0070C0"/>
+            </a:solidFill>
+            <a:ln w="12700" cap="flat">
+              <a:solidFill>
+                <a:srgbClr val="0070C0"/>
+              </a:solidFill>
+              <a:prstDash val="solid"/>
+              <a:round/>
+            </a:ln>
+            <a:effectLst/>
+          </p:spPr>
+          <p:txBody>
+            <a:bodyPr wrap="square" lIns="91438" tIns="91438" rIns="91438" bIns="91438" numCol="1" anchor="ctr">
+              <a:noAutofit/>
+            </a:bodyPr>
+            <a:lstStyle/>
+            <a:p>
+              <a:pPr algn="ctr">
+                <a:defRPr sz="2800">
+                  <a:latin typeface="+mj-lt"/>
+                  <a:ea typeface="+mj-ea"/>
+                  <a:cs typeface="+mj-cs"/>
+                  <a:sym typeface="Calibri"/>
+                </a:defRPr>
+              </a:pPr>
+            </a:p>
+          </p:txBody>
+        </p:sp>
+        <p:sp>
+          <p:nvSpPr>
+            <p:cNvPr id="100" name="Straight Arrow Connector 27"/>
+            <p:cNvSpPr/>
+            <p:nvPr/>
+          </p:nvSpPr>
+          <p:spPr>
+            <a:xfrm>
+              <a:off x="10429269" y="2539690"/>
+              <a:ext cx="3783896" cy="1"/>
+            </a:xfrm>
+            <a:prstGeom prst="line">
+              <a:avLst/>
+            </a:prstGeom>
+            <a:noFill/>
+            <a:ln w="38100" cap="flat">
+              <a:solidFill>
+                <a:srgbClr val="0070C0"/>
+              </a:solidFill>
+              <a:prstDash val="solid"/>
+              <a:round/>
+              <a:tailEnd type="triangle" w="med" len="med"/>
+            </a:ln>
+            <a:effectLst/>
+          </p:spPr>
+          <p:txBody>
+            <a:bodyPr wrap="square" lIns="45718" tIns="45718" rIns="45718" bIns="45718" numCol="1" anchor="t">
+              <a:noAutofit/>
+            </a:bodyPr>
+            <a:lstStyle/>
+            <a:p>
+              <a:pPr/>
+            </a:p>
+          </p:txBody>
+        </p:sp>
+        <p:sp>
+          <p:nvSpPr>
+            <p:cNvPr id="101" name="Straight Arrow Connector 33"/>
+            <p:cNvSpPr/>
+            <p:nvPr/>
+          </p:nvSpPr>
+          <p:spPr>
+            <a:xfrm>
+              <a:off x="10419825" y="3367793"/>
+              <a:ext cx="4836142" cy="1"/>
+            </a:xfrm>
+            <a:prstGeom prst="line">
+              <a:avLst/>
+            </a:prstGeom>
+            <a:noFill/>
+            <a:ln w="38100" cap="flat">
+              <a:solidFill>
+                <a:srgbClr val="0070C0"/>
+              </a:solidFill>
+              <a:prstDash val="sysDash"/>
+              <a:round/>
+              <a:headEnd type="triangle" w="med" len="med"/>
+            </a:ln>
+            <a:effectLst/>
+          </p:spPr>
+          <p:txBody>
+            <a:bodyPr wrap="square" lIns="45718" tIns="45718" rIns="45718" bIns="45718" numCol="1" anchor="t">
+              <a:noAutofit/>
+            </a:bodyPr>
+            <a:lstStyle/>
+            <a:p>
+              <a:pPr/>
+            </a:p>
+          </p:txBody>
+        </p:sp>
+        <p:sp>
+          <p:nvSpPr>
+            <p:cNvPr id="102" name="Rectangle 64"/>
+            <p:cNvSpPr/>
+            <p:nvPr/>
+          </p:nvSpPr>
+          <p:spPr>
+            <a:xfrm>
+              <a:off x="15282579" y="3930848"/>
+              <a:ext cx="322646" cy="5395727"/>
+            </a:xfrm>
+            <a:prstGeom prst="rect">
+              <a:avLst/>
+            </a:prstGeom>
+            <a:solidFill>
+              <a:srgbClr val="0070C0"/>
+            </a:solidFill>
+            <a:ln w="12700" cap="flat">
+              <a:solidFill>
+                <a:srgbClr val="0070C0"/>
+              </a:solidFill>
+              <a:prstDash val="solid"/>
+              <a:round/>
+            </a:ln>
+            <a:effectLst/>
+          </p:spPr>
+          <p:txBody>
+            <a:bodyPr wrap="square" lIns="91438" tIns="91438" rIns="91438" bIns="91438" numCol="1" anchor="ctr">
+              <a:noAutofit/>
+            </a:bodyPr>
+            <a:lstStyle/>
+            <a:p>
+              <a:pPr algn="ctr">
+                <a:defRPr sz="2800">
+                  <a:latin typeface="+mj-lt"/>
+                  <a:ea typeface="+mj-ea"/>
+                  <a:cs typeface="+mj-cs"/>
+                  <a:sym typeface="Calibri"/>
+                </a:defRPr>
+              </a:pPr>
+            </a:p>
+          </p:txBody>
+        </p:sp>
+        <p:sp>
+          <p:nvSpPr>
+            <p:cNvPr id="103" name="TextBox 79"/>
+            <p:cNvSpPr txBox="1"/>
+            <p:nvPr/>
+          </p:nvSpPr>
+          <p:spPr>
+            <a:xfrm>
+              <a:off x="4824921" y="1692500"/>
+              <a:ext cx="5270886" cy="660401"/>
+            </a:xfrm>
+            <a:prstGeom prst="rect">
+              <a:avLst/>
+            </a:prstGeom>
+            <a:noFill/>
+            <a:ln w="12700" cap="flat">
+              <a:noFill/>
+              <a:miter lim="400000"/>
+            </a:ln>
+            <a:effectLst/>
+            <a:extLst>
+              <a:ext uri="{C572A759-6A51-4108-AA02-DFA0A04FC94B}">
+                <ma14:wrappingTextBoxFlag xmlns:ma14="http://schemas.microsoft.com/office/mac/drawingml/2011/main" val="1"/>
+              </a:ext>
+            </a:extLst>
+          </p:spPr>
+          <p:txBody>
+            <a:bodyPr wrap="square" lIns="0" tIns="0" rIns="0" bIns="0" numCol="1" anchor="t">
+              <a:spAutoFit/>
+            </a:bodyPr>
+            <a:lstStyle>
+              <a:lvl1pPr algn="r">
+                <a:defRPr sz="2200">
+                  <a:solidFill>
+                    <a:srgbClr val="0070C0"/>
+                  </a:solidFill>
+                  <a:latin typeface="+mj-lt"/>
+                  <a:ea typeface="+mj-ea"/>
+                  <a:cs typeface="+mj-cs"/>
+                  <a:sym typeface="Calibri"/>
+                </a:defRPr>
+              </a:lvl1pPr>
+            </a:lstStyle>
+            <a:p>
+              <a:pPr/>
+              <a:r>
+                <a:t>parseCommand(“setCategories 1 c/thai oc/premium pr/$”)</a:t>
+              </a:r>
+            </a:p>
+          </p:txBody>
+        </p:sp>
+        <p:sp>
+          <p:nvSpPr>
+            <p:cNvPr id="104" name="Straight Arrow Connector 66"/>
+            <p:cNvSpPr/>
+            <p:nvPr/>
+          </p:nvSpPr>
+          <p:spPr>
+            <a:xfrm>
+              <a:off x="4969932" y="2339167"/>
+              <a:ext cx="5090687" cy="1"/>
+            </a:xfrm>
+            <a:prstGeom prst="line">
+              <a:avLst/>
+            </a:prstGeom>
+            <a:noFill/>
+            <a:ln w="38100" cap="flat">
+              <a:solidFill>
+                <a:srgbClr val="0070C0"/>
+              </a:solidFill>
+              <a:prstDash val="solid"/>
+              <a:round/>
+              <a:tailEnd type="triangle" w="med" len="med"/>
+            </a:ln>
+            <a:effectLst/>
+          </p:spPr>
+          <p:txBody>
+            <a:bodyPr wrap="square" lIns="45718" tIns="45718" rIns="45718" bIns="45718" numCol="1" anchor="t">
+              <a:noAutofit/>
+            </a:bodyPr>
+            <a:lstStyle/>
+            <a:p>
+              <a:pPr/>
+            </a:p>
+          </p:txBody>
+        </p:sp>
+        <p:grpSp>
+          <p:nvGrpSpPr>
+            <p:cNvPr id="107" name=":FoodDiaryParser"/>
+            <p:cNvGrpSpPr/>
+            <p:nvPr/>
+          </p:nvGrpSpPr>
+          <p:grpSpPr>
+            <a:xfrm>
+              <a:off x="8959212" y="923375"/>
+              <a:ext cx="2545358" cy="520258"/>
+              <a:chOff x="0" y="0"/>
+              <a:chExt cx="2545357" cy="520257"/>
+            </a:xfrm>
+          </p:grpSpPr>
+          <p:sp>
+            <p:nvSpPr>
+              <p:cNvPr id="105" name="Rectangle"/>
+              <p:cNvSpPr/>
+              <p:nvPr/>
+            </p:nvSpPr>
+            <p:spPr>
+              <a:xfrm>
+                <a:off x="-1" y="-1"/>
+                <a:ext cx="2545359" cy="520259"/>
+              </a:xfrm>
+              <a:prstGeom prst="rect">
+                <a:avLst/>
+              </a:prstGeom>
+              <a:solidFill>
+                <a:srgbClr val="306EBA"/>
+              </a:solidFill>
+              <a:ln w="50800" cap="flat">
+                <a:solidFill>
+                  <a:srgbClr val="306EBA"/>
+                </a:solidFill>
+                <a:prstDash val="solid"/>
+                <a:round/>
+              </a:ln>
+              <a:effectLst/>
+            </p:spPr>
+            <p:txBody>
+              <a:bodyPr wrap="square" lIns="91438" tIns="91438" rIns="91438" bIns="91438" numCol="1" anchor="ctr">
+                <a:noAutofit/>
+              </a:bodyPr>
+              <a:lstStyle/>
+              <a:p>
+                <a:pPr algn="ctr">
+                  <a:defRPr sz="2200">
+                    <a:solidFill>
+                      <a:srgbClr val="FFFFFF"/>
+                    </a:solidFill>
+                    <a:latin typeface="Arial"/>
+                    <a:ea typeface="Arial"/>
+                    <a:cs typeface="Arial"/>
+                    <a:sym typeface="Arial"/>
+                  </a:defRPr>
+                </a:pPr>
+              </a:p>
+            </p:txBody>
+          </p:sp>
+          <p:sp>
+            <p:nvSpPr>
+              <p:cNvPr id="106" name=":FoodDiaryParser"/>
+              <p:cNvSpPr txBox="1"/>
+              <p:nvPr/>
+            </p:nvSpPr>
+            <p:spPr>
+              <a:xfrm>
+                <a:off x="-1" y="8159"/>
+                <a:ext cx="2545359" cy="503939"/>
+              </a:xfrm>
+              <a:prstGeom prst="rect">
+                <a:avLst/>
+              </a:prstGeom>
+              <a:noFill/>
+              <a:ln w="12700" cap="flat">
+                <a:noFill/>
+                <a:miter lim="400000"/>
+              </a:ln>
+              <a:effectLst/>
+              <a:extLst>
+                <a:ext uri="{C572A759-6A51-4108-AA02-DFA0A04FC94B}">
+                  <ma14:wrappingTextBoxFlag xmlns:ma14="http://schemas.microsoft.com/office/mac/drawingml/2011/main" val="1"/>
+                </a:ext>
+              </a:extLst>
+            </p:spPr>
+            <p:txBody>
+              <a:bodyPr wrap="square" lIns="91438" tIns="91438" rIns="91438" bIns="91438" numCol="1" anchor="ctr">
+                <a:spAutoFit/>
+              </a:bodyPr>
+              <a:lstStyle>
+                <a:lvl1pPr algn="ctr">
+                  <a:defRPr sz="2200">
+                    <a:solidFill>
+                      <a:srgbClr val="FFFFFF"/>
+                    </a:solidFill>
+                    <a:latin typeface="Arial"/>
+                    <a:ea typeface="Arial"/>
+                    <a:cs typeface="Arial"/>
+                    <a:sym typeface="Arial"/>
+                  </a:defRPr>
+                </a:lvl1pPr>
+              </a:lstStyle>
+              <a:p>
+                <a:pPr/>
+                <a:r>
+                  <a:t>:FoodDiaryParser</a:t>
+                </a:r>
+              </a:p>
+            </p:txBody>
+          </p:sp>
+        </p:grpSp>
+        <p:grpSp>
+          <p:nvGrpSpPr>
+            <p:cNvPr id="110" name=":SetCategories…"/>
+            <p:cNvGrpSpPr/>
+            <p:nvPr/>
+          </p:nvGrpSpPr>
+          <p:grpSpPr>
+            <a:xfrm>
+              <a:off x="14248822" y="2037295"/>
+              <a:ext cx="2369892" cy="891742"/>
+              <a:chOff x="0" y="0"/>
+              <a:chExt cx="2369891" cy="891741"/>
+            </a:xfrm>
+          </p:grpSpPr>
+          <p:sp>
+            <p:nvSpPr>
+              <p:cNvPr id="108" name="Rectangle"/>
+              <p:cNvSpPr/>
+              <p:nvPr/>
+            </p:nvSpPr>
+            <p:spPr>
+              <a:xfrm>
+                <a:off x="-1" y="-1"/>
+                <a:ext cx="2369893" cy="891743"/>
+              </a:xfrm>
+              <a:prstGeom prst="rect">
+                <a:avLst/>
+              </a:prstGeom>
+              <a:solidFill>
+                <a:srgbClr val="306EBA"/>
+              </a:solidFill>
+              <a:ln w="50800" cap="flat">
+                <a:solidFill>
+                  <a:srgbClr val="306EBA"/>
+                </a:solidFill>
+                <a:prstDash val="solid"/>
+                <a:round/>
+              </a:ln>
+              <a:effectLst/>
+            </p:spPr>
+            <p:txBody>
+              <a:bodyPr wrap="square" lIns="91438" tIns="91438" rIns="91438" bIns="91438" numCol="1" anchor="ctr">
+                <a:noAutofit/>
+              </a:bodyPr>
+              <a:lstStyle/>
+              <a:p>
+                <a:pPr algn="ctr">
+                  <a:defRPr sz="2200">
+                    <a:solidFill>
+                      <a:srgbClr val="FFFFFF"/>
+                    </a:solidFill>
+                    <a:latin typeface="Arial"/>
+                    <a:ea typeface="Arial"/>
+                    <a:cs typeface="Arial"/>
+                    <a:sym typeface="Arial"/>
+                  </a:defRPr>
+                </a:pPr>
+              </a:p>
+            </p:txBody>
+          </p:sp>
+          <p:sp>
+            <p:nvSpPr>
+              <p:cNvPr id="109" name=":SetCategories…"/>
+              <p:cNvSpPr txBox="1"/>
+              <p:nvPr/>
+            </p:nvSpPr>
+            <p:spPr>
+              <a:xfrm>
+                <a:off x="-1" y="28801"/>
+                <a:ext cx="2369893" cy="834139"/>
+              </a:xfrm>
+              <a:prstGeom prst="rect">
+                <a:avLst/>
+              </a:prstGeom>
+              <a:noFill/>
+              <a:ln w="12700" cap="flat">
+                <a:noFill/>
+                <a:miter lim="400000"/>
+              </a:ln>
+              <a:effectLst/>
+              <a:extLst>
+                <a:ext uri="{C572A759-6A51-4108-AA02-DFA0A04FC94B}">
+                  <ma14:wrappingTextBoxFlag xmlns:ma14="http://schemas.microsoft.com/office/mac/drawingml/2011/main" val="1"/>
+                </a:ext>
+              </a:extLst>
+            </p:spPr>
+            <p:txBody>
+              <a:bodyPr wrap="square" lIns="91438" tIns="91438" rIns="91438" bIns="91438" numCol="1" anchor="ctr">
+                <a:spAutoFit/>
+              </a:bodyPr>
+              <a:lstStyle/>
+              <a:p>
+                <a:pPr algn="ctr">
+                  <a:defRPr sz="2200">
+                    <a:solidFill>
+                      <a:srgbClr val="FFFFFF"/>
+                    </a:solidFill>
+                    <a:latin typeface="Arial"/>
+                    <a:ea typeface="Arial"/>
+                    <a:cs typeface="Arial"/>
+                    <a:sym typeface="Arial"/>
+                  </a:defRPr>
+                </a:pPr>
+                <a:r>
+                  <a:t>:SetCategories</a:t>
+                </a:r>
+              </a:p>
+              <a:p>
+                <a:pPr algn="ctr">
+                  <a:defRPr sz="2200">
+                    <a:solidFill>
+                      <a:srgbClr val="FFFFFF"/>
+                    </a:solidFill>
+                    <a:latin typeface="Arial"/>
+                    <a:ea typeface="Arial"/>
+                    <a:cs typeface="Arial"/>
+                    <a:sym typeface="Arial"/>
+                  </a:defRPr>
+                </a:pPr>
+                <a:r>
+                  <a:t>CommandParser</a:t>
+                </a:r>
+              </a:p>
+            </p:txBody>
+          </p:sp>
+        </p:grpSp>
+        <p:sp>
+          <p:nvSpPr>
+            <p:cNvPr id="111" name="Straight Arrow Connector 27"/>
+            <p:cNvSpPr/>
+            <p:nvPr/>
+          </p:nvSpPr>
+          <p:spPr>
+            <a:xfrm>
+              <a:off x="10426217" y="3926818"/>
+              <a:ext cx="4860884" cy="1"/>
+            </a:xfrm>
+            <a:prstGeom prst="line">
+              <a:avLst/>
+            </a:prstGeom>
+            <a:noFill/>
+            <a:ln w="38100" cap="flat">
+              <a:solidFill>
+                <a:srgbClr val="0070C0"/>
+              </a:solidFill>
+              <a:prstDash val="solid"/>
+              <a:round/>
+              <a:tailEnd type="triangle" w="med" len="med"/>
+            </a:ln>
+            <a:effectLst/>
+          </p:spPr>
+          <p:txBody>
+            <a:bodyPr wrap="square" lIns="45718" tIns="45718" rIns="45718" bIns="45718" numCol="1" anchor="t">
+              <a:noAutofit/>
+            </a:bodyPr>
+            <a:lstStyle/>
+            <a:p>
+              <a:pPr/>
+            </a:p>
+          </p:txBody>
+        </p:sp>
+        <p:sp>
+          <p:nvSpPr>
+            <p:cNvPr id="112" name="TextBox 79"/>
+            <p:cNvSpPr txBox="1"/>
+            <p:nvPr/>
+          </p:nvSpPr>
+          <p:spPr>
+            <a:xfrm>
+              <a:off x="10447809" y="3622018"/>
+              <a:ext cx="4484500" cy="330201"/>
+            </a:xfrm>
+            <a:prstGeom prst="rect">
+              <a:avLst/>
+            </a:prstGeom>
+            <a:noFill/>
+            <a:ln w="12700" cap="flat">
+              <a:noFill/>
+              <a:miter lim="400000"/>
+            </a:ln>
+            <a:effectLst/>
+            <a:extLst>
+              <a:ext uri="{C572A759-6A51-4108-AA02-DFA0A04FC94B}">
+                <ma14:wrappingTextBoxFlag xmlns:ma14="http://schemas.microsoft.com/office/mac/drawingml/2011/main" val="1"/>
+              </a:ext>
+            </a:extLst>
+          </p:spPr>
+          <p:txBody>
+            <a:bodyPr wrap="square" lIns="0" tIns="0" rIns="0" bIns="0" numCol="1" anchor="t">
+              <a:spAutoFit/>
+            </a:bodyPr>
+            <a:lstStyle>
+              <a:lvl1pPr algn="r">
+                <a:defRPr sz="2200">
+                  <a:solidFill>
+                    <a:srgbClr val="0070C0"/>
+                  </a:solidFill>
+                  <a:latin typeface="+mj-lt"/>
+                  <a:ea typeface="+mj-ea"/>
+                  <a:cs typeface="+mj-cs"/>
+                  <a:sym typeface="Calibri"/>
+                </a:defRPr>
+              </a:lvl1pPr>
+            </a:lstStyle>
+            <a:p>
+              <a:pPr/>
+              <a:r>
+                <a:t>parse(“1 c/thai oc/premium pr/$)</a:t>
+              </a:r>
+            </a:p>
+          </p:txBody>
+        </p:sp>
+        <p:grpSp>
+          <p:nvGrpSpPr>
+            <p:cNvPr id="118" name="Group"/>
+            <p:cNvGrpSpPr/>
+            <p:nvPr/>
+          </p:nvGrpSpPr>
+          <p:grpSpPr>
+            <a:xfrm>
+              <a:off x="19443598" y="2305673"/>
+              <a:ext cx="1752413" cy="4720079"/>
+              <a:chOff x="0" y="0"/>
+              <a:chExt cx="1752412" cy="4720078"/>
+            </a:xfrm>
+          </p:grpSpPr>
+          <p:grpSp>
+            <p:nvGrpSpPr>
+              <p:cNvPr id="115" name=":ParserUtil"/>
+              <p:cNvGrpSpPr/>
+              <p:nvPr/>
+            </p:nvGrpSpPr>
+            <p:grpSpPr>
+              <a:xfrm>
+                <a:off x="0" y="0"/>
+                <a:ext cx="1752413" cy="621532"/>
+                <a:chOff x="0" y="0"/>
+                <a:chExt cx="1752412" cy="621531"/>
+              </a:xfrm>
+            </p:grpSpPr>
+            <p:sp>
+              <p:nvSpPr>
+                <p:cNvPr id="113" name="Rectangle"/>
+                <p:cNvSpPr/>
+                <p:nvPr/>
+              </p:nvSpPr>
+              <p:spPr>
+                <a:xfrm>
+                  <a:off x="-1" y="-1"/>
+                  <a:ext cx="1752414" cy="621533"/>
+                </a:xfrm>
+                <a:prstGeom prst="rect">
+                  <a:avLst/>
+                </a:prstGeom>
+                <a:solidFill>
+                  <a:srgbClr val="306EBA"/>
+                </a:solidFill>
+                <a:ln w="50800" cap="flat">
+                  <a:solidFill>
+                    <a:srgbClr val="306EBA"/>
+                  </a:solidFill>
+                  <a:prstDash val="solid"/>
+                  <a:round/>
+                </a:ln>
+                <a:effectLst/>
+              </p:spPr>
+              <p:txBody>
+                <a:bodyPr wrap="square" lIns="91438" tIns="91438" rIns="91438" bIns="91438" numCol="1" anchor="ctr">
+                  <a:noAutofit/>
+                </a:bodyPr>
+                <a:lstStyle/>
+                <a:p>
+                  <a:pPr algn="ctr">
+                    <a:defRPr sz="2200">
+                      <a:solidFill>
+                        <a:srgbClr val="FFFFFF"/>
+                      </a:solidFill>
+                      <a:latin typeface="Arial"/>
+                      <a:ea typeface="Arial"/>
+                      <a:cs typeface="Arial"/>
+                      <a:sym typeface="Arial"/>
+                    </a:defRPr>
+                  </a:pPr>
+                </a:p>
+              </p:txBody>
+            </p:sp>
+            <p:sp>
+              <p:nvSpPr>
+                <p:cNvPr id="114" name=":ParserUtil"/>
+                <p:cNvSpPr txBox="1"/>
+                <p:nvPr/>
+              </p:nvSpPr>
+              <p:spPr>
+                <a:xfrm>
+                  <a:off x="-1" y="58796"/>
+                  <a:ext cx="1752414" cy="503939"/>
+                </a:xfrm>
+                <a:prstGeom prst="rect">
+                  <a:avLst/>
+                </a:prstGeom>
+                <a:noFill/>
+                <a:ln w="12700" cap="flat">
+                  <a:noFill/>
+                  <a:miter lim="400000"/>
+                </a:ln>
+                <a:effectLst/>
+                <a:extLst>
+                  <a:ext uri="{C572A759-6A51-4108-AA02-DFA0A04FC94B}">
+                    <ma14:wrappingTextBoxFlag xmlns:ma14="http://schemas.microsoft.com/office/mac/drawingml/2011/main" val="1"/>
+                  </a:ext>
+                </a:extLst>
+              </p:spPr>
+              <p:txBody>
+                <a:bodyPr wrap="square" lIns="91438" tIns="91438" rIns="91438" bIns="91438" numCol="1" anchor="ctr">
+                  <a:spAutoFit/>
+                </a:bodyPr>
+                <a:lstStyle>
+                  <a:lvl1pPr algn="ctr">
+                    <a:defRPr sz="2200">
+                      <a:solidFill>
+                        <a:srgbClr val="FFFFFF"/>
+                      </a:solidFill>
+                      <a:latin typeface="Arial"/>
+                      <a:ea typeface="Arial"/>
+                      <a:cs typeface="Arial"/>
+                      <a:sym typeface="Arial"/>
+                    </a:defRPr>
+                  </a:lvl1pPr>
+                </a:lstStyle>
+                <a:p>
+                  <a:pPr/>
+                  <a:r>
+                    <a:t>:ParserUtil</a:t>
+                  </a:r>
+                </a:p>
+              </p:txBody>
+            </p:sp>
+          </p:grpSp>
+          <p:sp>
+            <p:nvSpPr>
+              <p:cNvPr id="116" name="Rectangle 20"/>
+              <p:cNvSpPr/>
+              <p:nvPr/>
+            </p:nvSpPr>
+            <p:spPr>
+              <a:xfrm>
+                <a:off x="714883" y="1728605"/>
+                <a:ext cx="322646" cy="2747723"/>
+              </a:xfrm>
+              <a:prstGeom prst="rect">
+                <a:avLst/>
+              </a:prstGeom>
+              <a:solidFill>
+                <a:srgbClr val="0070C0"/>
+              </a:solidFill>
+              <a:ln w="12700" cap="flat">
                 <a:solidFill>
                   <a:srgbClr val="0070C0"/>
                 </a:solidFill>
-              </a:defRPr>
-            </a:pPr>
-          </a:p>
-        </p:txBody>
-      </p:sp>
-      <p:sp>
-        <p:nvSpPr>
-          <p:cNvPr id="95" name="Rectangle 20"/>
-          <p:cNvSpPr/>
-          <p:nvPr/>
-        </p:nvSpPr>
-        <p:spPr>
-          <a:xfrm>
-            <a:off x="20892279" y="8858219"/>
-            <a:ext cx="304801" cy="552007"/>
-          </a:xfrm>
-          <a:prstGeom prst="rect">
-            <a:avLst/>
-          </a:prstGeom>
-          <a:solidFill>
-            <a:srgbClr val="0070C0"/>
-          </a:solidFill>
-          <a:ln w="12700">
+                <a:prstDash val="solid"/>
+                <a:round/>
+              </a:ln>
+              <a:effectLst/>
+            </p:spPr>
+            <p:txBody>
+              <a:bodyPr wrap="square" lIns="91438" tIns="91438" rIns="91438" bIns="91438" numCol="1" anchor="ctr">
+                <a:noAutofit/>
+              </a:bodyPr>
+              <a:lstStyle/>
+              <a:p>
+                <a:pPr algn="ctr">
+                  <a:defRPr sz="2800">
+                    <a:latin typeface="+mj-lt"/>
+                    <a:ea typeface="+mj-ea"/>
+                    <a:cs typeface="+mj-cs"/>
+                    <a:sym typeface="Calibri"/>
+                  </a:defRPr>
+                </a:pPr>
+              </a:p>
+            </p:txBody>
+          </p:sp>
+          <p:sp>
+            <p:nvSpPr>
+              <p:cNvPr id="117" name="Straight Connector 16"/>
+              <p:cNvSpPr/>
+              <p:nvPr/>
+            </p:nvSpPr>
+            <p:spPr>
+              <a:xfrm flipH="1">
+                <a:off x="876204" y="449152"/>
+                <a:ext cx="1" cy="4270927"/>
+              </a:xfrm>
+              <a:prstGeom prst="line">
+                <a:avLst/>
+              </a:prstGeom>
+              <a:gradFill flip="none" rotWithShape="1">
+                <a:gsLst>
+                  <a:gs pos="0">
+                    <a:schemeClr val="accent1">
+                      <a:hueOff val="357503"/>
+                      <a:satOff val="54545"/>
+                      <a:lumOff val="29273"/>
+                    </a:schemeClr>
+                  </a:gs>
+                  <a:gs pos="35000">
+                    <a:srgbClr val="BDD4FF"/>
+                  </a:gs>
+                  <a:gs pos="100000">
+                    <a:schemeClr val="accent1">
+                      <a:hueOff val="418253"/>
+                      <a:satOff val="54545"/>
+                      <a:lumOff val="42493"/>
+                    </a:schemeClr>
+                  </a:gs>
+                </a:gsLst>
+                <a:lin ang="16200000" scaled="0"/>
+              </a:gradFill>
+              <a:ln w="38100" cap="flat">
+                <a:solidFill>
+                  <a:srgbClr val="0070C0"/>
+                </a:solidFill>
+                <a:prstDash val="sysDash"/>
+                <a:round/>
+              </a:ln>
+              <a:effectLst/>
+            </p:spPr>
+            <p:txBody>
+              <a:bodyPr wrap="square" lIns="45718" tIns="45718" rIns="45718" bIns="45718" numCol="1" anchor="t">
+                <a:noAutofit/>
+              </a:bodyPr>
+              <a:lstStyle/>
+              <a:p>
+                <a:pPr/>
+              </a:p>
+            </p:txBody>
+          </p:sp>
+        </p:grpSp>
+        <p:sp>
+          <p:nvSpPr>
+            <p:cNvPr id="119" name="Straight Arrow Connector 27"/>
+            <p:cNvSpPr/>
+            <p:nvPr/>
+          </p:nvSpPr>
+          <p:spPr>
+            <a:xfrm>
+              <a:off x="15596011" y="4031597"/>
+              <a:ext cx="4569476" cy="1"/>
+            </a:xfrm>
+            <a:prstGeom prst="line">
+              <a:avLst/>
+            </a:prstGeom>
+            <a:noFill/>
+            <a:ln w="38100" cap="flat">
+              <a:solidFill>
+                <a:srgbClr val="0070C0"/>
+              </a:solidFill>
+              <a:prstDash val="solid"/>
+              <a:round/>
+              <a:tailEnd type="triangle" w="med" len="med"/>
+            </a:ln>
+            <a:effectLst/>
+          </p:spPr>
+          <p:txBody>
+            <a:bodyPr wrap="square" lIns="45718" tIns="45718" rIns="45718" bIns="45718" numCol="1" anchor="t">
+              <a:noAutofit/>
+            </a:bodyPr>
+            <a:lstStyle/>
+            <a:p>
+              <a:pPr/>
+            </a:p>
+          </p:txBody>
+        </p:sp>
+        <p:sp>
+          <p:nvSpPr>
+            <p:cNvPr id="120" name="TextBox 79"/>
+            <p:cNvSpPr txBox="1"/>
+            <p:nvPr/>
+          </p:nvSpPr>
+          <p:spPr>
+            <a:xfrm>
+              <a:off x="16125751" y="3712803"/>
+              <a:ext cx="2598551" cy="330201"/>
+            </a:xfrm>
+            <a:prstGeom prst="rect">
+              <a:avLst/>
+            </a:prstGeom>
+            <a:noFill/>
+            <a:ln w="12700" cap="flat">
+              <a:noFill/>
+              <a:miter lim="400000"/>
+            </a:ln>
+            <a:effectLst/>
+            <a:extLst>
+              <a:ext uri="{C572A759-6A51-4108-AA02-DFA0A04FC94B}">
+                <ma14:wrappingTextBoxFlag xmlns:ma14="http://schemas.microsoft.com/office/mac/drawingml/2011/main" val="1"/>
+              </a:ext>
+            </a:extLst>
+          </p:spPr>
+          <p:txBody>
+            <a:bodyPr wrap="square" lIns="0" tIns="0" rIns="0" bIns="0" numCol="1" anchor="t">
+              <a:spAutoFit/>
+            </a:bodyPr>
+            <a:lstStyle>
+              <a:lvl1pPr algn="r">
+                <a:defRPr sz="2200">
+                  <a:solidFill>
+                    <a:srgbClr val="0070C0"/>
+                  </a:solidFill>
+                  <a:latin typeface="+mj-lt"/>
+                  <a:ea typeface="+mj-ea"/>
+                  <a:cs typeface="+mj-cs"/>
+                  <a:sym typeface="Calibri"/>
+                </a:defRPr>
+              </a:lvl1pPr>
+            </a:lstStyle>
+            <a:p>
+              <a:pPr/>
+              <a:r>
+                <a:t>parseIndex(“1”)</a:t>
+              </a:r>
+            </a:p>
+          </p:txBody>
+        </p:sp>
+        <p:sp>
+          <p:nvSpPr>
+            <p:cNvPr id="121" name="Straight Arrow Connector 27"/>
+            <p:cNvSpPr/>
+            <p:nvPr/>
+          </p:nvSpPr>
+          <p:spPr>
+            <a:xfrm>
+              <a:off x="15574374" y="4848617"/>
+              <a:ext cx="4596173" cy="1"/>
+            </a:xfrm>
+            <a:prstGeom prst="line">
+              <a:avLst/>
+            </a:prstGeom>
+            <a:noFill/>
+            <a:ln w="38100" cap="flat">
+              <a:solidFill>
+                <a:srgbClr val="0070C0"/>
+              </a:solidFill>
+              <a:prstDash val="solid"/>
+              <a:round/>
+              <a:tailEnd type="triangle" w="med" len="med"/>
+            </a:ln>
+            <a:effectLst/>
+          </p:spPr>
+          <p:txBody>
+            <a:bodyPr wrap="square" lIns="45718" tIns="45718" rIns="45718" bIns="45718" numCol="1" anchor="t">
+              <a:noAutofit/>
+            </a:bodyPr>
+            <a:lstStyle/>
+            <a:p>
+              <a:pPr/>
+            </a:p>
+          </p:txBody>
+        </p:sp>
+        <p:sp>
+          <p:nvSpPr>
+            <p:cNvPr id="122" name="TextBox 79"/>
+            <p:cNvSpPr txBox="1"/>
+            <p:nvPr/>
+          </p:nvSpPr>
+          <p:spPr>
+            <a:xfrm>
+              <a:off x="16446270" y="4518384"/>
+              <a:ext cx="2596158" cy="330201"/>
+            </a:xfrm>
+            <a:prstGeom prst="rect">
+              <a:avLst/>
+            </a:prstGeom>
+            <a:noFill/>
+            <a:ln w="12700" cap="flat">
+              <a:noFill/>
+              <a:miter lim="400000"/>
+            </a:ln>
+            <a:effectLst/>
+            <a:extLst>
+              <a:ext uri="{C572A759-6A51-4108-AA02-DFA0A04FC94B}">
+                <ma14:wrappingTextBoxFlag xmlns:ma14="http://schemas.microsoft.com/office/mac/drawingml/2011/main" val="1"/>
+              </a:ext>
+            </a:extLst>
+          </p:spPr>
+          <p:txBody>
+            <a:bodyPr wrap="square" lIns="0" tIns="0" rIns="0" bIns="0" numCol="1" anchor="t">
+              <a:spAutoFit/>
+            </a:bodyPr>
+            <a:lstStyle>
+              <a:lvl1pPr algn="r">
+                <a:defRPr sz="2200">
+                  <a:solidFill>
+                    <a:srgbClr val="0070C0"/>
+                  </a:solidFill>
+                  <a:latin typeface="+mj-lt"/>
+                  <a:ea typeface="+mj-ea"/>
+                  <a:cs typeface="+mj-cs"/>
+                  <a:sym typeface="Calibri"/>
+                </a:defRPr>
+              </a:lvl1pPr>
+            </a:lstStyle>
+            <a:p>
+              <a:pPr/>
+              <a:r>
+                <a:t>parseCuisine(“thai”)</a:t>
+              </a:r>
+            </a:p>
+          </p:txBody>
+        </p:sp>
+        <p:sp>
+          <p:nvSpPr>
+            <p:cNvPr id="123" name="Straight Arrow Connector 27"/>
+            <p:cNvSpPr/>
+            <p:nvPr/>
+          </p:nvSpPr>
+          <p:spPr>
+            <a:xfrm>
+              <a:off x="15621649" y="5562016"/>
+              <a:ext cx="4555750" cy="1"/>
+            </a:xfrm>
+            <a:prstGeom prst="line">
+              <a:avLst/>
+            </a:prstGeom>
+            <a:noFill/>
+            <a:ln w="38100" cap="flat">
+              <a:solidFill>
+                <a:srgbClr val="0070C0"/>
+              </a:solidFill>
+              <a:prstDash val="solid"/>
+              <a:round/>
+              <a:tailEnd type="triangle" w="med" len="med"/>
+            </a:ln>
+            <a:effectLst/>
+          </p:spPr>
+          <p:txBody>
+            <a:bodyPr wrap="square" lIns="45718" tIns="45718" rIns="45718" bIns="45718" numCol="1" anchor="t">
+              <a:noAutofit/>
+            </a:bodyPr>
+            <a:lstStyle/>
+            <a:p>
+              <a:pPr/>
+            </a:p>
+          </p:txBody>
+        </p:sp>
+        <p:sp>
+          <p:nvSpPr>
+            <p:cNvPr id="124" name="TextBox 79"/>
+            <p:cNvSpPr txBox="1"/>
+            <p:nvPr/>
+          </p:nvSpPr>
+          <p:spPr>
+            <a:xfrm>
+              <a:off x="16183799" y="5223956"/>
+              <a:ext cx="3396000" cy="330201"/>
+            </a:xfrm>
+            <a:prstGeom prst="rect">
+              <a:avLst/>
+            </a:prstGeom>
+            <a:noFill/>
+            <a:ln w="12700" cap="flat">
+              <a:noFill/>
+              <a:miter lim="400000"/>
+            </a:ln>
+            <a:effectLst/>
+            <a:extLst>
+              <a:ext uri="{C572A759-6A51-4108-AA02-DFA0A04FC94B}">
+                <ma14:wrappingTextBoxFlag xmlns:ma14="http://schemas.microsoft.com/office/mac/drawingml/2011/main" val="1"/>
+              </a:ext>
+            </a:extLst>
+          </p:spPr>
+          <p:txBody>
+            <a:bodyPr wrap="square" lIns="0" tIns="0" rIns="0" bIns="0" numCol="1" anchor="t">
+              <a:spAutoFit/>
+            </a:bodyPr>
+            <a:lstStyle>
+              <a:lvl1pPr algn="r">
+                <a:defRPr sz="2200">
+                  <a:solidFill>
+                    <a:srgbClr val="0070C0"/>
+                  </a:solidFill>
+                  <a:latin typeface="+mj-lt"/>
+                  <a:ea typeface="+mj-ea"/>
+                  <a:cs typeface="+mj-cs"/>
+                  <a:sym typeface="Calibri"/>
+                </a:defRPr>
+              </a:lvl1pPr>
+            </a:lstStyle>
+            <a:p>
+              <a:pPr/>
+              <a:r>
+                <a:t>parseOccasion(“premium”)</a:t>
+              </a:r>
+            </a:p>
+          </p:txBody>
+        </p:sp>
+        <p:sp>
+          <p:nvSpPr>
+            <p:cNvPr id="125" name="Straight Arrow Connector 27"/>
+            <p:cNvSpPr/>
+            <p:nvPr/>
+          </p:nvSpPr>
+          <p:spPr>
+            <a:xfrm>
+              <a:off x="15574858" y="6301893"/>
+              <a:ext cx="4628987" cy="1"/>
+            </a:xfrm>
+            <a:prstGeom prst="line">
+              <a:avLst/>
+            </a:prstGeom>
+            <a:noFill/>
+            <a:ln w="38100" cap="flat">
+              <a:solidFill>
+                <a:srgbClr val="0070C0"/>
+              </a:solidFill>
+              <a:prstDash val="solid"/>
+              <a:round/>
+              <a:tailEnd type="triangle" w="med" len="med"/>
+            </a:ln>
+            <a:effectLst/>
+          </p:spPr>
+          <p:txBody>
+            <a:bodyPr wrap="square" lIns="45718" tIns="45718" rIns="45718" bIns="45718" numCol="1" anchor="t">
+              <a:noAutofit/>
+            </a:bodyPr>
+            <a:lstStyle/>
+            <a:p>
+              <a:pPr/>
+            </a:p>
+          </p:txBody>
+        </p:sp>
+        <p:sp>
+          <p:nvSpPr>
+            <p:cNvPr id="126" name="TextBox 79"/>
+            <p:cNvSpPr txBox="1"/>
+            <p:nvPr/>
+          </p:nvSpPr>
+          <p:spPr>
+            <a:xfrm>
+              <a:off x="16435745" y="5959658"/>
+              <a:ext cx="2892107" cy="330201"/>
+            </a:xfrm>
+            <a:prstGeom prst="rect">
+              <a:avLst/>
+            </a:prstGeom>
+            <a:noFill/>
+            <a:ln w="12700" cap="flat">
+              <a:noFill/>
+              <a:miter lim="400000"/>
+            </a:ln>
+            <a:effectLst/>
+            <a:extLst>
+              <a:ext uri="{C572A759-6A51-4108-AA02-DFA0A04FC94B}">
+                <ma14:wrappingTextBoxFlag xmlns:ma14="http://schemas.microsoft.com/office/mac/drawingml/2011/main" val="1"/>
+              </a:ext>
+            </a:extLst>
+          </p:spPr>
+          <p:txBody>
+            <a:bodyPr wrap="square" lIns="0" tIns="0" rIns="0" bIns="0" numCol="1" anchor="t">
+              <a:spAutoFit/>
+            </a:bodyPr>
+            <a:lstStyle>
+              <a:lvl1pPr algn="r">
+                <a:defRPr sz="2200">
+                  <a:solidFill>
+                    <a:srgbClr val="0070C0"/>
+                  </a:solidFill>
+                  <a:latin typeface="+mj-lt"/>
+                  <a:ea typeface="+mj-ea"/>
+                  <a:cs typeface="+mj-cs"/>
+                  <a:sym typeface="Calibri"/>
+                </a:defRPr>
+              </a:lvl1pPr>
+            </a:lstStyle>
+            <a:p>
+              <a:pPr/>
+              <a:r>
+                <a:t>parsePriceRange(“$”)</a:t>
+              </a:r>
+            </a:p>
+          </p:txBody>
+        </p:sp>
+        <p:sp>
+          <p:nvSpPr>
+            <p:cNvPr id="127" name="Straight Arrow Connector 33"/>
+            <p:cNvSpPr/>
+            <p:nvPr/>
+          </p:nvSpPr>
+          <p:spPr>
+            <a:xfrm>
+              <a:off x="15569613" y="6778827"/>
+              <a:ext cx="4628987" cy="1"/>
+            </a:xfrm>
+            <a:prstGeom prst="line">
+              <a:avLst/>
+            </a:prstGeom>
+            <a:noFill/>
+            <a:ln w="38100" cap="flat">
+              <a:solidFill>
+                <a:srgbClr val="0070C0"/>
+              </a:solidFill>
+              <a:prstDash val="sysDash"/>
+              <a:round/>
+              <a:headEnd type="triangle" w="med" len="med"/>
+            </a:ln>
+            <a:effectLst/>
+          </p:spPr>
+          <p:txBody>
+            <a:bodyPr wrap="square" lIns="45718" tIns="45718" rIns="45718" bIns="45718" numCol="1" anchor="t">
+              <a:noAutofit/>
+            </a:bodyPr>
+            <a:lstStyle/>
+            <a:p>
+              <a:pPr/>
+            </a:p>
+          </p:txBody>
+        </p:sp>
+        <p:sp>
+          <p:nvSpPr>
+            <p:cNvPr id="128" name="TextBox 79"/>
+            <p:cNvSpPr txBox="1"/>
+            <p:nvPr/>
+          </p:nvSpPr>
+          <p:spPr>
+            <a:xfrm>
+              <a:off x="10791816" y="1816996"/>
+              <a:ext cx="3058803" cy="660401"/>
+            </a:xfrm>
+            <a:prstGeom prst="rect">
+              <a:avLst/>
+            </a:prstGeom>
+            <a:noFill/>
+            <a:ln w="12700" cap="flat">
+              <a:noFill/>
+              <a:miter lim="400000"/>
+            </a:ln>
+            <a:effectLst/>
+            <a:extLst>
+              <a:ext uri="{C572A759-6A51-4108-AA02-DFA0A04FC94B}">
+                <ma14:wrappingTextBoxFlag xmlns:ma14="http://schemas.microsoft.com/office/mac/drawingml/2011/main" val="1"/>
+              </a:ext>
+            </a:extLst>
+          </p:spPr>
+          <p:txBody>
+            <a:bodyPr wrap="square" lIns="0" tIns="0" rIns="0" bIns="0" numCol="1" anchor="t">
+              <a:spAutoFit/>
+            </a:bodyPr>
+            <a:lstStyle>
+              <a:lvl1pPr algn="r">
+                <a:defRPr sz="2200">
+                  <a:solidFill>
+                    <a:srgbClr val="0070C0"/>
+                  </a:solidFill>
+                  <a:latin typeface="+mj-lt"/>
+                  <a:ea typeface="+mj-ea"/>
+                  <a:cs typeface="+mj-cs"/>
+                  <a:sym typeface="Calibri"/>
+                </a:defRPr>
+              </a:lvl1pPr>
+            </a:lstStyle>
+            <a:p>
+              <a:pPr/>
+              <a:r>
+                <a:t>SetCategoriesCommandParser()</a:t>
+              </a:r>
+            </a:p>
+          </p:txBody>
+        </p:sp>
+        <p:grpSp>
+          <p:nvGrpSpPr>
+            <p:cNvPr id="131" name=":SetCategoriesCommand"/>
+            <p:cNvGrpSpPr/>
+            <p:nvPr/>
+          </p:nvGrpSpPr>
+          <p:grpSpPr>
+            <a:xfrm>
+              <a:off x="21082574" y="7987363"/>
+              <a:ext cx="2188904" cy="891742"/>
+              <a:chOff x="0" y="0"/>
+              <a:chExt cx="2188903" cy="891741"/>
+            </a:xfrm>
+          </p:grpSpPr>
+          <p:sp>
+            <p:nvSpPr>
+              <p:cNvPr id="129" name="Rectangle"/>
+              <p:cNvSpPr/>
+              <p:nvPr/>
+            </p:nvSpPr>
+            <p:spPr>
+              <a:xfrm>
+                <a:off x="-1" y="-1"/>
+                <a:ext cx="2188905" cy="891743"/>
+              </a:xfrm>
+              <a:prstGeom prst="rect">
+                <a:avLst/>
+              </a:prstGeom>
+              <a:solidFill>
+                <a:srgbClr val="306EBA"/>
+              </a:solidFill>
+              <a:ln w="50800" cap="flat">
+                <a:solidFill>
+                  <a:srgbClr val="306EBA"/>
+                </a:solidFill>
+                <a:prstDash val="solid"/>
+                <a:round/>
+              </a:ln>
+              <a:effectLst/>
+            </p:spPr>
+            <p:txBody>
+              <a:bodyPr wrap="square" lIns="91438" tIns="91438" rIns="91438" bIns="91438" numCol="1" anchor="ctr">
+                <a:noAutofit/>
+              </a:bodyPr>
+              <a:lstStyle/>
+              <a:p>
+                <a:pPr algn="ctr">
+                  <a:defRPr sz="2200">
+                    <a:solidFill>
+                      <a:srgbClr val="FFFFFF"/>
+                    </a:solidFill>
+                    <a:latin typeface="Arial"/>
+                    <a:ea typeface="Arial"/>
+                    <a:cs typeface="Arial"/>
+                    <a:sym typeface="Arial"/>
+                  </a:defRPr>
+                </a:pPr>
+              </a:p>
+            </p:txBody>
+          </p:sp>
+          <p:sp>
+            <p:nvSpPr>
+              <p:cNvPr id="130" name=":SetCategoriesCommand"/>
+              <p:cNvSpPr txBox="1"/>
+              <p:nvPr/>
+            </p:nvSpPr>
+            <p:spPr>
+              <a:xfrm>
+                <a:off x="-1" y="28801"/>
+                <a:ext cx="2188905" cy="834139"/>
+              </a:xfrm>
+              <a:prstGeom prst="rect">
+                <a:avLst/>
+              </a:prstGeom>
+              <a:noFill/>
+              <a:ln w="12700" cap="flat">
+                <a:noFill/>
+                <a:miter lim="400000"/>
+              </a:ln>
+              <a:effectLst/>
+              <a:extLst>
+                <a:ext uri="{C572A759-6A51-4108-AA02-DFA0A04FC94B}">
+                  <ma14:wrappingTextBoxFlag xmlns:ma14="http://schemas.microsoft.com/office/mac/drawingml/2011/main" val="1"/>
+                </a:ext>
+              </a:extLst>
+            </p:spPr>
+            <p:txBody>
+              <a:bodyPr wrap="square" lIns="91438" tIns="91438" rIns="91438" bIns="91438" numCol="1" anchor="ctr">
+                <a:spAutoFit/>
+              </a:bodyPr>
+              <a:lstStyle>
+                <a:lvl1pPr algn="ctr">
+                  <a:defRPr sz="2200">
+                    <a:solidFill>
+                      <a:srgbClr val="FFFFFF"/>
+                    </a:solidFill>
+                    <a:latin typeface="Arial"/>
+                    <a:ea typeface="Arial"/>
+                    <a:cs typeface="Arial"/>
+                    <a:sym typeface="Arial"/>
+                  </a:defRPr>
+                </a:lvl1pPr>
+              </a:lstStyle>
+              <a:p>
+                <a:pPr/>
+                <a:r>
+                  <a:t>:SetCategoriesCommand</a:t>
+                </a:r>
+              </a:p>
+            </p:txBody>
+          </p:sp>
+        </p:grpSp>
+        <p:sp>
+          <p:nvSpPr>
+            <p:cNvPr id="132" name="Straight Arrow Connector 66"/>
+            <p:cNvSpPr/>
+            <p:nvPr/>
+          </p:nvSpPr>
+          <p:spPr>
+            <a:xfrm>
+              <a:off x="15526031" y="8433232"/>
+              <a:ext cx="5585589" cy="1"/>
+            </a:xfrm>
+            <a:prstGeom prst="line">
+              <a:avLst/>
+            </a:prstGeom>
+            <a:noFill/>
+            <a:ln w="38100" cap="flat">
+              <a:solidFill>
+                <a:srgbClr val="0070C0"/>
+              </a:solidFill>
+              <a:prstDash val="solid"/>
+              <a:round/>
+              <a:tailEnd type="triangle" w="med" len="med"/>
+            </a:ln>
+            <a:effectLst/>
+          </p:spPr>
+          <p:txBody>
+            <a:bodyPr wrap="square" lIns="45718" tIns="45718" rIns="45718" bIns="45718" numCol="1" anchor="t">
+              <a:noAutofit/>
+            </a:bodyPr>
+            <a:lstStyle/>
+            <a:p>
+              <a:pPr/>
+            </a:p>
+          </p:txBody>
+        </p:sp>
+        <p:sp>
+          <p:nvSpPr>
+            <p:cNvPr id="133" name="TextBox 79"/>
+            <p:cNvSpPr txBox="1"/>
+            <p:nvPr/>
+          </p:nvSpPr>
+          <p:spPr>
+            <a:xfrm>
+              <a:off x="16057481" y="8103034"/>
+              <a:ext cx="4186942" cy="330201"/>
+            </a:xfrm>
+            <a:prstGeom prst="rect">
+              <a:avLst/>
+            </a:prstGeom>
+            <a:noFill/>
+            <a:ln w="12700" cap="flat">
+              <a:noFill/>
+              <a:miter lim="400000"/>
+            </a:ln>
+            <a:effectLst/>
+            <a:extLst>
+              <a:ext uri="{C572A759-6A51-4108-AA02-DFA0A04FC94B}">
+                <ma14:wrappingTextBoxFlag xmlns:ma14="http://schemas.microsoft.com/office/mac/drawingml/2011/main" val="1"/>
+              </a:ext>
+            </a:extLst>
+          </p:spPr>
+          <p:txBody>
+            <a:bodyPr wrap="square" lIns="0" tIns="0" rIns="0" bIns="0" numCol="1" anchor="t">
+              <a:spAutoFit/>
+            </a:bodyPr>
+            <a:lstStyle>
+              <a:lvl1pPr algn="r">
+                <a:defRPr sz="2200">
+                  <a:solidFill>
+                    <a:srgbClr val="0070C0"/>
+                  </a:solidFill>
+                  <a:latin typeface="+mj-lt"/>
+                  <a:ea typeface="+mj-ea"/>
+                  <a:cs typeface="+mj-cs"/>
+                  <a:sym typeface="Calibri"/>
+                </a:defRPr>
+              </a:lvl1pPr>
+            </a:lstStyle>
+            <a:p>
+              <a:pPr/>
+              <a:r>
+                <a:t>SetCategoriesCommand(index, c)</a:t>
+              </a:r>
+            </a:p>
+          </p:txBody>
+        </p:sp>
+        <p:grpSp>
+          <p:nvGrpSpPr>
+            <p:cNvPr id="143" name="Group"/>
+            <p:cNvGrpSpPr/>
+            <p:nvPr/>
+          </p:nvGrpSpPr>
+          <p:grpSpPr>
+            <a:xfrm>
+              <a:off x="15565309" y="7087736"/>
+              <a:ext cx="5644635" cy="1127133"/>
+              <a:chOff x="0" y="0"/>
+              <a:chExt cx="5644633" cy="1127132"/>
+            </a:xfrm>
+          </p:grpSpPr>
+          <p:sp>
+            <p:nvSpPr>
+              <p:cNvPr id="134" name="Rectangle 20"/>
+              <p:cNvSpPr/>
+              <p:nvPr/>
+            </p:nvSpPr>
+            <p:spPr>
+              <a:xfrm>
+                <a:off x="4616026" y="371950"/>
+                <a:ext cx="304802" cy="552008"/>
+              </a:xfrm>
+              <a:prstGeom prst="rect">
+                <a:avLst/>
+              </a:prstGeom>
+              <a:solidFill>
+                <a:srgbClr val="0070C0"/>
+              </a:solidFill>
+              <a:ln w="12700" cap="flat">
+                <a:solidFill>
+                  <a:srgbClr val="0070C0"/>
+                </a:solidFill>
+                <a:prstDash val="solid"/>
+                <a:round/>
+              </a:ln>
+              <a:effectLst/>
+            </p:spPr>
+            <p:txBody>
+              <a:bodyPr wrap="square" lIns="91438" tIns="91438" rIns="91438" bIns="91438" numCol="1" anchor="ctr">
+                <a:noAutofit/>
+              </a:bodyPr>
+              <a:lstStyle/>
+              <a:p>
+                <a:pPr algn="ctr">
+                  <a:defRPr sz="2800">
+                    <a:latin typeface="+mj-lt"/>
+                    <a:ea typeface="+mj-ea"/>
+                    <a:cs typeface="+mj-cs"/>
+                    <a:sym typeface="Calibri"/>
+                  </a:defRPr>
+                </a:pPr>
+              </a:p>
+            </p:txBody>
+          </p:sp>
+          <p:sp>
+            <p:nvSpPr>
+              <p:cNvPr id="135" name="Straight Arrow Connector 27"/>
+              <p:cNvSpPr/>
+              <p:nvPr/>
+            </p:nvSpPr>
+            <p:spPr>
+              <a:xfrm>
+                <a:off x="0" y="343646"/>
+                <a:ext cx="3871839" cy="1"/>
+              </a:xfrm>
+              <a:prstGeom prst="line">
+                <a:avLst/>
+              </a:prstGeom>
+              <a:noFill/>
+              <a:ln w="38100" cap="flat">
+                <a:solidFill>
+                  <a:srgbClr val="0070C0"/>
+                </a:solidFill>
+                <a:prstDash val="solid"/>
+                <a:round/>
+                <a:tailEnd type="triangle" w="med" len="med"/>
+              </a:ln>
+              <a:effectLst/>
+            </p:spPr>
+            <p:txBody>
+              <a:bodyPr wrap="square" lIns="45718" tIns="45718" rIns="45718" bIns="45718" numCol="1" anchor="t">
+                <a:noAutofit/>
+              </a:bodyPr>
+              <a:lstStyle/>
+              <a:p>
+                <a:pPr/>
+              </a:p>
+            </p:txBody>
+          </p:sp>
+          <p:sp>
+            <p:nvSpPr>
+              <p:cNvPr id="136" name="Straight Arrow Connector 33"/>
+              <p:cNvSpPr/>
+              <p:nvPr/>
+            </p:nvSpPr>
+            <p:spPr>
+              <a:xfrm>
+                <a:off x="54666" y="903046"/>
+                <a:ext cx="4660219" cy="1"/>
+              </a:xfrm>
+              <a:prstGeom prst="line">
+                <a:avLst/>
+              </a:prstGeom>
+              <a:noFill/>
+              <a:ln w="38100" cap="flat">
+                <a:solidFill>
+                  <a:srgbClr val="0070C0"/>
+                </a:solidFill>
+                <a:prstDash val="sysDash"/>
+                <a:round/>
+                <a:headEnd type="triangle" w="med" len="med"/>
+              </a:ln>
+              <a:effectLst/>
+            </p:spPr>
+            <p:txBody>
+              <a:bodyPr wrap="square" lIns="45718" tIns="45718" rIns="45718" bIns="45718" numCol="1" anchor="t">
+                <a:noAutofit/>
+              </a:bodyPr>
+              <a:lstStyle/>
+              <a:p>
+                <a:pPr/>
+              </a:p>
+            </p:txBody>
+          </p:sp>
+          <p:sp>
+            <p:nvSpPr>
+              <p:cNvPr id="137" name="TextBox 79"/>
+              <p:cNvSpPr txBox="1"/>
+              <p:nvPr/>
+            </p:nvSpPr>
+            <p:spPr>
+              <a:xfrm>
+                <a:off x="0" y="0"/>
+                <a:ext cx="3696340" cy="660400"/>
+              </a:xfrm>
+              <a:prstGeom prst="rect">
+                <a:avLst/>
+              </a:prstGeom>
+              <a:noFill/>
+              <a:ln w="12700" cap="flat">
+                <a:noFill/>
+                <a:miter lim="400000"/>
+              </a:ln>
+              <a:effectLst/>
+              <a:extLst>
+                <a:ext uri="{C572A759-6A51-4108-AA02-DFA0A04FC94B}">
+                  <ma14:wrappingTextBoxFlag xmlns:ma14="http://schemas.microsoft.com/office/mac/drawingml/2011/main" val="1"/>
+                </a:ext>
+              </a:extLst>
+            </p:spPr>
+            <p:txBody>
+              <a:bodyPr wrap="square" lIns="0" tIns="0" rIns="0" bIns="0" numCol="1" anchor="t">
+                <a:spAutoFit/>
+              </a:bodyPr>
+              <a:lstStyle>
+                <a:lvl1pPr algn="r">
+                  <a:defRPr sz="2200">
+                    <a:solidFill>
+                      <a:srgbClr val="0070C0"/>
+                    </a:solidFill>
+                    <a:latin typeface="+mj-lt"/>
+                    <a:ea typeface="+mj-ea"/>
+                    <a:cs typeface="+mj-cs"/>
+                    <a:sym typeface="Calibri"/>
+                  </a:defRPr>
+                </a:lvl1pPr>
+              </a:lstStyle>
+              <a:p>
+                <a:pPr/>
+                <a:r>
+                  <a:t>Categories(cuisine, occasion, priceRange)</a:t>
+                </a:r>
+              </a:p>
+            </p:txBody>
+          </p:sp>
+          <p:sp>
+            <p:nvSpPr>
+              <p:cNvPr id="138" name="TextBox 79"/>
+              <p:cNvSpPr txBox="1"/>
+              <p:nvPr/>
+            </p:nvSpPr>
+            <p:spPr>
+              <a:xfrm>
+                <a:off x="1087538" y="520679"/>
+                <a:ext cx="688088" cy="330201"/>
+              </a:xfrm>
+              <a:prstGeom prst="rect">
+                <a:avLst/>
+              </a:prstGeom>
+              <a:noFill/>
+              <a:ln w="12700" cap="flat">
+                <a:noFill/>
+                <a:miter lim="400000"/>
+              </a:ln>
+              <a:effectLst/>
+              <a:extLst>
+                <a:ext uri="{C572A759-6A51-4108-AA02-DFA0A04FC94B}">
+                  <ma14:wrappingTextBoxFlag xmlns:ma14="http://schemas.microsoft.com/office/mac/drawingml/2011/main" val="1"/>
+                </a:ext>
+              </a:extLst>
+            </p:spPr>
+            <p:txBody>
+              <a:bodyPr wrap="square" lIns="0" tIns="0" rIns="0" bIns="0" numCol="1" anchor="t">
+                <a:spAutoFit/>
+              </a:bodyPr>
+              <a:lstStyle>
+                <a:lvl1pPr algn="r">
+                  <a:defRPr sz="2200">
+                    <a:solidFill>
+                      <a:srgbClr val="0070C0"/>
+                    </a:solidFill>
+                    <a:latin typeface="+mj-lt"/>
+                    <a:ea typeface="+mj-ea"/>
+                    <a:cs typeface="+mj-cs"/>
+                    <a:sym typeface="Calibri"/>
+                  </a:defRPr>
+                </a:lvl1pPr>
+              </a:lstStyle>
+              <a:p>
+                <a:pPr/>
+                <a:r>
+                  <a:t>c</a:t>
+                </a:r>
+              </a:p>
+            </p:txBody>
+          </p:sp>
+          <p:sp>
+            <p:nvSpPr>
+              <p:cNvPr id="139" name="Straight Connector 16"/>
+              <p:cNvSpPr/>
+              <p:nvPr/>
+            </p:nvSpPr>
+            <p:spPr>
+              <a:xfrm>
+                <a:off x="4768426" y="136531"/>
+                <a:ext cx="2" cy="990602"/>
+              </a:xfrm>
+              <a:prstGeom prst="line">
+                <a:avLst/>
+              </a:prstGeom>
+              <a:gradFill flip="none" rotWithShape="1">
+                <a:gsLst>
+                  <a:gs pos="0">
+                    <a:schemeClr val="accent1">
+                      <a:hueOff val="357503"/>
+                      <a:satOff val="54545"/>
+                      <a:lumOff val="29273"/>
+                    </a:schemeClr>
+                  </a:gs>
+                  <a:gs pos="35000">
+                    <a:srgbClr val="BDD4FF"/>
+                  </a:gs>
+                  <a:gs pos="100000">
+                    <a:schemeClr val="accent1">
+                      <a:hueOff val="418253"/>
+                      <a:satOff val="54545"/>
+                      <a:lumOff val="42493"/>
+                    </a:schemeClr>
+                  </a:gs>
+                </a:gsLst>
+                <a:lin ang="16200000" scaled="0"/>
+              </a:gradFill>
+              <a:ln w="38100" cap="flat">
+                <a:solidFill>
+                  <a:srgbClr val="0070C0"/>
+                </a:solidFill>
+                <a:prstDash val="sysDash"/>
+                <a:round/>
+              </a:ln>
+              <a:effectLst/>
+            </p:spPr>
+            <p:txBody>
+              <a:bodyPr wrap="square" lIns="45718" tIns="45718" rIns="45718" bIns="45718" numCol="1" anchor="t">
+                <a:noAutofit/>
+              </a:bodyPr>
+              <a:lstStyle/>
+              <a:p>
+                <a:pPr/>
+              </a:p>
+            </p:txBody>
+          </p:sp>
+          <p:grpSp>
+            <p:nvGrpSpPr>
+              <p:cNvPr id="142" name=":Categories"/>
+              <p:cNvGrpSpPr/>
+              <p:nvPr/>
+            </p:nvGrpSpPr>
+            <p:grpSpPr>
+              <a:xfrm>
+                <a:off x="3892221" y="19434"/>
+                <a:ext cx="1752413" cy="621532"/>
+                <a:chOff x="0" y="0"/>
+                <a:chExt cx="1752412" cy="621531"/>
+              </a:xfrm>
+            </p:grpSpPr>
+            <p:sp>
+              <p:nvSpPr>
+                <p:cNvPr id="140" name="Rectangle"/>
+                <p:cNvSpPr/>
+                <p:nvPr/>
+              </p:nvSpPr>
+              <p:spPr>
+                <a:xfrm>
+                  <a:off x="-1" y="-1"/>
+                  <a:ext cx="1752414" cy="621533"/>
+                </a:xfrm>
+                <a:prstGeom prst="rect">
+                  <a:avLst/>
+                </a:prstGeom>
+                <a:solidFill>
+                  <a:srgbClr val="306EBA"/>
+                </a:solidFill>
+                <a:ln w="50800" cap="flat">
+                  <a:solidFill>
+                    <a:srgbClr val="306EBA"/>
+                  </a:solidFill>
+                  <a:prstDash val="solid"/>
+                  <a:round/>
+                </a:ln>
+                <a:effectLst/>
+              </p:spPr>
+              <p:txBody>
+                <a:bodyPr wrap="square" lIns="91438" tIns="91438" rIns="91438" bIns="91438" numCol="1" anchor="ctr">
+                  <a:noAutofit/>
+                </a:bodyPr>
+                <a:lstStyle/>
+                <a:p>
+                  <a:pPr algn="ctr">
+                    <a:defRPr sz="2200">
+                      <a:solidFill>
+                        <a:srgbClr val="FFFFFF"/>
+                      </a:solidFill>
+                      <a:latin typeface="Arial"/>
+                      <a:ea typeface="Arial"/>
+                      <a:cs typeface="Arial"/>
+                      <a:sym typeface="Arial"/>
+                    </a:defRPr>
+                  </a:pPr>
+                </a:p>
+              </p:txBody>
+            </p:sp>
+            <p:sp>
+              <p:nvSpPr>
+                <p:cNvPr id="141" name=":Categories"/>
+                <p:cNvSpPr txBox="1"/>
+                <p:nvPr/>
+              </p:nvSpPr>
+              <p:spPr>
+                <a:xfrm>
+                  <a:off x="-1" y="58796"/>
+                  <a:ext cx="1752414" cy="503939"/>
+                </a:xfrm>
+                <a:prstGeom prst="rect">
+                  <a:avLst/>
+                </a:prstGeom>
+                <a:noFill/>
+                <a:ln w="12700" cap="flat">
+                  <a:noFill/>
+                  <a:miter lim="400000"/>
+                </a:ln>
+                <a:effectLst/>
+                <a:extLst>
+                  <a:ext uri="{C572A759-6A51-4108-AA02-DFA0A04FC94B}">
+                    <ma14:wrappingTextBoxFlag xmlns:ma14="http://schemas.microsoft.com/office/mac/drawingml/2011/main" val="1"/>
+                  </a:ext>
+                </a:extLst>
+              </p:spPr>
+              <p:txBody>
+                <a:bodyPr wrap="square" lIns="91438" tIns="91438" rIns="91438" bIns="91438" numCol="1" anchor="ctr">
+                  <a:spAutoFit/>
+                </a:bodyPr>
+                <a:lstStyle>
+                  <a:lvl1pPr algn="ctr">
+                    <a:defRPr sz="2200">
+                      <a:solidFill>
+                        <a:srgbClr val="FFFFFF"/>
+                      </a:solidFill>
+                      <a:latin typeface="Arial"/>
+                      <a:ea typeface="Arial"/>
+                      <a:cs typeface="Arial"/>
+                      <a:sym typeface="Arial"/>
+                    </a:defRPr>
+                  </a:lvl1pPr>
+                </a:lstStyle>
+                <a:p>
+                  <a:pPr/>
+                  <a:r>
+                    <a:t>:Categories</a:t>
+                  </a:r>
+                </a:p>
+              </p:txBody>
+            </p:sp>
+          </p:grpSp>
+        </p:grpSp>
+        <p:sp>
+          <p:nvSpPr>
+            <p:cNvPr id="144" name="Straight Arrow Connector 33"/>
+            <p:cNvSpPr/>
+            <p:nvPr/>
+          </p:nvSpPr>
+          <p:spPr>
+            <a:xfrm>
+              <a:off x="15575541" y="9176246"/>
+              <a:ext cx="6518904" cy="1"/>
+            </a:xfrm>
+            <a:prstGeom prst="line">
+              <a:avLst/>
+            </a:prstGeom>
+            <a:noFill/>
+            <a:ln w="38100" cap="flat">
+              <a:solidFill>
+                <a:srgbClr val="0070C0"/>
+              </a:solidFill>
+              <a:prstDash val="sysDash"/>
+              <a:round/>
+              <a:headEnd type="triangle" w="med" len="med"/>
+            </a:ln>
+            <a:effectLst/>
+          </p:spPr>
+          <p:txBody>
+            <a:bodyPr wrap="square" lIns="45718" tIns="45718" rIns="45718" bIns="45718" numCol="1" anchor="t">
+              <a:noAutofit/>
+            </a:bodyPr>
+            <a:lstStyle/>
+            <a:p>
+              <a:pPr/>
+            </a:p>
+          </p:txBody>
+        </p:sp>
+        <p:sp>
+          <p:nvSpPr>
+            <p:cNvPr id="145" name="Straight Connector 16"/>
+            <p:cNvSpPr/>
+            <p:nvPr/>
+          </p:nvSpPr>
+          <p:spPr>
+            <a:xfrm>
+              <a:off x="22177024" y="9071466"/>
+              <a:ext cx="3" cy="3368365"/>
+            </a:xfrm>
+            <a:prstGeom prst="line">
+              <a:avLst/>
+            </a:prstGeom>
+            <a:gradFill flip="none" rotWithShape="1">
+              <a:gsLst>
+                <a:gs pos="0">
+                  <a:schemeClr val="accent1">
+                    <a:hueOff val="357503"/>
+                    <a:satOff val="54545"/>
+                    <a:lumOff val="29273"/>
+                  </a:schemeClr>
+                </a:gs>
+                <a:gs pos="35000">
+                  <a:srgbClr val="BDD4FF"/>
+                </a:gs>
+                <a:gs pos="100000">
+                  <a:schemeClr val="accent1">
+                    <a:hueOff val="418253"/>
+                    <a:satOff val="54545"/>
+                    <a:lumOff val="42493"/>
+                  </a:schemeClr>
+                </a:gs>
+              </a:gsLst>
+              <a:lin ang="16200000" scaled="0"/>
+            </a:gradFill>
+            <a:ln w="38100" cap="flat">
+              <a:solidFill>
+                <a:srgbClr val="0070C0"/>
+              </a:solidFill>
+              <a:prstDash val="sysDash"/>
+              <a:round/>
+            </a:ln>
+            <a:effectLst/>
+          </p:spPr>
+          <p:txBody>
+            <a:bodyPr wrap="square" lIns="45718" tIns="45718" rIns="45718" bIns="45718" numCol="1" anchor="t">
+              <a:noAutofit/>
+            </a:bodyPr>
+            <a:lstStyle/>
+            <a:p>
+              <a:pPr/>
+            </a:p>
+          </p:txBody>
+        </p:sp>
+        <p:sp>
+          <p:nvSpPr>
+            <p:cNvPr id="146" name="Straight Connector 16"/>
+            <p:cNvSpPr/>
+            <p:nvPr/>
+          </p:nvSpPr>
+          <p:spPr>
+            <a:xfrm>
+              <a:off x="15443900" y="2992244"/>
+              <a:ext cx="1" cy="6621979"/>
+            </a:xfrm>
+            <a:prstGeom prst="line">
+              <a:avLst/>
+            </a:prstGeom>
+            <a:gradFill flip="none" rotWithShape="1">
+              <a:gsLst>
+                <a:gs pos="0">
+                  <a:schemeClr val="accent1">
+                    <a:hueOff val="357503"/>
+                    <a:satOff val="54545"/>
+                    <a:lumOff val="29273"/>
+                  </a:schemeClr>
+                </a:gs>
+                <a:gs pos="35000">
+                  <a:srgbClr val="BDD4FF"/>
+                </a:gs>
+                <a:gs pos="100000">
+                  <a:schemeClr val="accent1">
+                    <a:hueOff val="418253"/>
+                    <a:satOff val="54545"/>
+                    <a:lumOff val="42493"/>
+                  </a:schemeClr>
+                </a:gs>
+              </a:gsLst>
+              <a:lin ang="16200000" scaled="0"/>
+            </a:gradFill>
+            <a:ln w="38100" cap="flat">
+              <a:solidFill>
+                <a:srgbClr val="0070C0"/>
+              </a:solidFill>
+              <a:prstDash val="sysDash"/>
+              <a:round/>
+            </a:ln>
+            <a:effectLst/>
+          </p:spPr>
+          <p:txBody>
+            <a:bodyPr wrap="square" lIns="45718" tIns="45718" rIns="45718" bIns="45718" numCol="1" anchor="t">
+              <a:noAutofit/>
+            </a:bodyPr>
+            <a:lstStyle/>
+            <a:p>
+              <a:pPr/>
+            </a:p>
+          </p:txBody>
+        </p:sp>
+        <p:sp>
+          <p:nvSpPr>
+            <p:cNvPr id="147" name="TextBox 3"/>
+            <p:cNvSpPr txBox="1"/>
+            <p:nvPr/>
+          </p:nvSpPr>
+          <p:spPr>
+            <a:xfrm>
+              <a:off x="15261709" y="9485859"/>
+              <a:ext cx="351105" cy="513079"/>
+            </a:xfrm>
+            <a:prstGeom prst="rect">
+              <a:avLst/>
+            </a:prstGeom>
+            <a:noFill/>
+            <a:ln w="12700" cap="flat">
+              <a:noFill/>
+              <a:miter lim="400000"/>
+            </a:ln>
+            <a:effectLst/>
+            <a:extLst>
+              <a:ext uri="{C572A759-6A51-4108-AA02-DFA0A04FC94B}">
+                <ma14:wrappingTextBoxFlag xmlns:ma14="http://schemas.microsoft.com/office/mac/drawingml/2011/main" val="1"/>
+              </a:ext>
+            </a:extLst>
+          </p:spPr>
+          <p:txBody>
+            <a:bodyPr wrap="none" lIns="91438" tIns="91438" rIns="91438" bIns="91438" numCol="1" anchor="t">
+              <a:spAutoFit/>
+            </a:bodyPr>
+            <a:lstStyle>
+              <a:lvl1pPr>
+                <a:defRPr sz="2200">
+                  <a:solidFill>
+                    <a:srgbClr val="002060"/>
+                  </a:solidFill>
+                  <a:latin typeface="+mj-lt"/>
+                  <a:ea typeface="+mj-ea"/>
+                  <a:cs typeface="+mj-cs"/>
+                  <a:sym typeface="Calibri"/>
+                </a:defRPr>
+              </a:lvl1pPr>
+            </a:lstStyle>
+            <a:p>
+              <a:pPr/>
+              <a:r>
+                <a:t>X</a:t>
+              </a:r>
+            </a:p>
+          </p:txBody>
+        </p:sp>
+        <p:sp>
+          <p:nvSpPr>
+            <p:cNvPr id="148" name="Straight Arrow Connector 33"/>
+            <p:cNvSpPr/>
+            <p:nvPr/>
+          </p:nvSpPr>
+          <p:spPr>
+            <a:xfrm>
+              <a:off x="10408981" y="9311948"/>
+              <a:ext cx="5053681" cy="1"/>
+            </a:xfrm>
+            <a:prstGeom prst="line">
+              <a:avLst/>
+            </a:prstGeom>
+            <a:noFill/>
+            <a:ln w="38100" cap="flat">
+              <a:solidFill>
+                <a:srgbClr val="0070C0"/>
+              </a:solidFill>
+              <a:prstDash val="sysDash"/>
+              <a:round/>
+              <a:headEnd type="triangle" w="med" len="med"/>
+            </a:ln>
+            <a:effectLst/>
+          </p:spPr>
+          <p:txBody>
+            <a:bodyPr wrap="square" lIns="45718" tIns="45718" rIns="45718" bIns="45718" numCol="1" anchor="t">
+              <a:noAutofit/>
+            </a:bodyPr>
+            <a:lstStyle/>
+            <a:p>
+              <a:pPr/>
+            </a:p>
+          </p:txBody>
+        </p:sp>
+        <p:sp>
+          <p:nvSpPr>
+            <p:cNvPr id="149" name="Straight Arrow Connector 33"/>
+            <p:cNvSpPr/>
+            <p:nvPr/>
+          </p:nvSpPr>
+          <p:spPr>
+            <a:xfrm>
+              <a:off x="4943827" y="9447650"/>
+              <a:ext cx="5090687" cy="1"/>
+            </a:xfrm>
+            <a:prstGeom prst="line">
+              <a:avLst/>
+            </a:prstGeom>
+            <a:noFill/>
+            <a:ln w="38100" cap="flat">
+              <a:solidFill>
+                <a:srgbClr val="0070C0"/>
+              </a:solidFill>
+              <a:prstDash val="sysDash"/>
+              <a:round/>
+              <a:headEnd type="triangle" w="med" len="med"/>
+            </a:ln>
+            <a:effectLst/>
+          </p:spPr>
+          <p:txBody>
+            <a:bodyPr wrap="square" lIns="45718" tIns="45718" rIns="45718" bIns="45718" numCol="1" anchor="t">
+              <a:noAutofit/>
+            </a:bodyPr>
+            <a:lstStyle/>
+            <a:p>
+              <a:pPr/>
+            </a:p>
+          </p:txBody>
+        </p:sp>
+        <p:sp>
+          <p:nvSpPr>
+            <p:cNvPr id="150" name="Straight Arrow Connector 66"/>
+            <p:cNvSpPr/>
+            <p:nvPr/>
+          </p:nvSpPr>
+          <p:spPr>
+            <a:xfrm>
+              <a:off x="5015413" y="10211946"/>
+              <a:ext cx="16998554" cy="1"/>
+            </a:xfrm>
+            <a:prstGeom prst="line">
+              <a:avLst/>
+            </a:prstGeom>
+            <a:noFill/>
+            <a:ln w="38100" cap="flat">
+              <a:solidFill>
+                <a:srgbClr val="0070C0"/>
+              </a:solidFill>
+              <a:prstDash val="solid"/>
+              <a:round/>
+              <a:tailEnd type="triangle" w="med" len="med"/>
+            </a:ln>
+            <a:effectLst/>
+          </p:spPr>
+          <p:txBody>
+            <a:bodyPr wrap="square" lIns="45718" tIns="45718" rIns="45718" bIns="45718" numCol="1" anchor="t">
+              <a:noAutofit/>
+            </a:bodyPr>
+            <a:lstStyle/>
+            <a:p>
+              <a:pPr/>
+            </a:p>
+          </p:txBody>
+        </p:sp>
+        <p:sp>
+          <p:nvSpPr>
+            <p:cNvPr id="151" name="Rectangle 20"/>
+            <p:cNvSpPr/>
+            <p:nvPr/>
+          </p:nvSpPr>
+          <p:spPr>
+            <a:xfrm>
+              <a:off x="22015702" y="10193267"/>
+              <a:ext cx="322646" cy="2049056"/>
+            </a:xfrm>
+            <a:prstGeom prst="rect">
+              <a:avLst/>
+            </a:prstGeom>
             <a:solidFill>
               <a:srgbClr val="0070C0"/>
             </a:solidFill>
-          </a:ln>
-        </p:spPr>
-        <p:txBody>
-          <a:bodyPr tIns="91439" bIns="91439" anchor="ctr"/>
-          <a:lstStyle/>
-          <a:p>
-            <a:pPr algn="ctr">
-              <a:defRPr sz="2800"/>
-            </a:pPr>
-          </a:p>
-        </p:txBody>
-      </p:sp>
-      <p:sp>
-        <p:nvSpPr>
-          <p:cNvPr id="96" name="Rectangle 20"/>
-          <p:cNvSpPr/>
-          <p:nvPr/>
-        </p:nvSpPr>
-        <p:spPr>
-          <a:xfrm>
-            <a:off x="18979157" y="7349966"/>
-            <a:ext cx="304801" cy="552007"/>
-          </a:xfrm>
-          <a:prstGeom prst="rect">
-            <a:avLst/>
-          </a:prstGeom>
-          <a:solidFill>
-            <a:srgbClr val="0070C0"/>
-          </a:solidFill>
-          <a:ln w="12700">
+            <a:ln w="12700" cap="flat">
+              <a:solidFill>
+                <a:srgbClr val="0070C0"/>
+              </a:solidFill>
+              <a:prstDash val="solid"/>
+              <a:round/>
+            </a:ln>
+            <a:effectLst/>
+          </p:spPr>
+          <p:txBody>
+            <a:bodyPr wrap="square" lIns="91438" tIns="91438" rIns="91438" bIns="91438" numCol="1" anchor="ctr">
+              <a:noAutofit/>
+            </a:bodyPr>
+            <a:lstStyle/>
+            <a:p>
+              <a:pPr algn="ctr">
+                <a:defRPr sz="2800">
+                  <a:latin typeface="+mj-lt"/>
+                  <a:ea typeface="+mj-ea"/>
+                  <a:cs typeface="+mj-cs"/>
+                  <a:sym typeface="Calibri"/>
+                </a:defRPr>
+              </a:pPr>
+            </a:p>
+          </p:txBody>
+        </p:sp>
+        <p:sp>
+          <p:nvSpPr>
+            <p:cNvPr id="152" name="TextBox 79"/>
+            <p:cNvSpPr txBox="1"/>
+            <p:nvPr/>
+          </p:nvSpPr>
+          <p:spPr>
+            <a:xfrm>
+              <a:off x="10851321" y="9821140"/>
+              <a:ext cx="3058803" cy="330201"/>
+            </a:xfrm>
+            <a:prstGeom prst="rect">
+              <a:avLst/>
+            </a:prstGeom>
+            <a:noFill/>
+            <a:ln w="12700" cap="flat">
+              <a:noFill/>
+              <a:miter lim="400000"/>
+            </a:ln>
+            <a:effectLst/>
+            <a:extLst>
+              <a:ext uri="{C572A759-6A51-4108-AA02-DFA0A04FC94B}">
+                <ma14:wrappingTextBoxFlag xmlns:ma14="http://schemas.microsoft.com/office/mac/drawingml/2011/main" val="1"/>
+              </a:ext>
+            </a:extLst>
+          </p:spPr>
+          <p:txBody>
+            <a:bodyPr wrap="square" lIns="0" tIns="0" rIns="0" bIns="0" numCol="1" anchor="t">
+              <a:spAutoFit/>
+            </a:bodyPr>
+            <a:lstStyle>
+              <a:lvl1pPr algn="r">
+                <a:defRPr sz="2200">
+                  <a:solidFill>
+                    <a:srgbClr val="0070C0"/>
+                  </a:solidFill>
+                  <a:latin typeface="+mj-lt"/>
+                  <a:ea typeface="+mj-ea"/>
+                  <a:cs typeface="+mj-cs"/>
+                  <a:sym typeface="Calibri"/>
+                </a:defRPr>
+              </a:lvl1pPr>
+            </a:lstStyle>
+            <a:p>
+              <a:pPr/>
+              <a:r>
+                <a:t>execute(model, history)</a:t>
+              </a:r>
+            </a:p>
+          </p:txBody>
+        </p:sp>
+        <p:sp>
+          <p:nvSpPr>
+            <p:cNvPr id="153" name="Straight Arrow Connector 33"/>
+            <p:cNvSpPr/>
+            <p:nvPr/>
+          </p:nvSpPr>
+          <p:spPr>
+            <a:xfrm>
+              <a:off x="5015244" y="12207389"/>
+              <a:ext cx="17008397" cy="1"/>
+            </a:xfrm>
+            <a:prstGeom prst="line">
+              <a:avLst/>
+            </a:prstGeom>
+            <a:noFill/>
+            <a:ln w="38100" cap="flat">
+              <a:solidFill>
+                <a:srgbClr val="0070C0"/>
+              </a:solidFill>
+              <a:prstDash val="sysDash"/>
+              <a:round/>
+              <a:headEnd type="triangle" w="med" len="med"/>
+            </a:ln>
+            <a:effectLst/>
+          </p:spPr>
+          <p:txBody>
+            <a:bodyPr wrap="square" lIns="45718" tIns="45718" rIns="45718" bIns="45718" numCol="1" anchor="t">
+              <a:noAutofit/>
+            </a:bodyPr>
+            <a:lstStyle/>
+            <a:p>
+              <a:pPr/>
+            </a:p>
+          </p:txBody>
+        </p:sp>
+        <p:sp>
+          <p:nvSpPr>
+            <p:cNvPr id="154" name="TextBox 79"/>
+            <p:cNvSpPr txBox="1"/>
+            <p:nvPr/>
+          </p:nvSpPr>
+          <p:spPr>
+            <a:xfrm>
+              <a:off x="11736611" y="11882601"/>
+              <a:ext cx="735519" cy="330201"/>
+            </a:xfrm>
+            <a:prstGeom prst="rect">
+              <a:avLst/>
+            </a:prstGeom>
+            <a:noFill/>
+            <a:ln w="12700" cap="flat">
+              <a:noFill/>
+              <a:miter lim="400000"/>
+            </a:ln>
+            <a:effectLst/>
+            <a:extLst>
+              <a:ext uri="{C572A759-6A51-4108-AA02-DFA0A04FC94B}">
+                <ma14:wrappingTextBoxFlag xmlns:ma14="http://schemas.microsoft.com/office/mac/drawingml/2011/main" val="1"/>
+              </a:ext>
+            </a:extLst>
+          </p:spPr>
+          <p:txBody>
+            <a:bodyPr wrap="square" lIns="0" tIns="0" rIns="0" bIns="0" numCol="1" anchor="t">
+              <a:spAutoFit/>
+            </a:bodyPr>
+            <a:lstStyle>
+              <a:lvl1pPr algn="r">
+                <a:defRPr sz="2200">
+                  <a:solidFill>
+                    <a:srgbClr val="0070C0"/>
+                  </a:solidFill>
+                  <a:latin typeface="+mj-lt"/>
+                  <a:ea typeface="+mj-ea"/>
+                  <a:cs typeface="+mj-cs"/>
+                  <a:sym typeface="Calibri"/>
+                </a:defRPr>
+              </a:lvl1pPr>
+            </a:lstStyle>
+            <a:p>
+              <a:pPr/>
+              <a:r>
+                <a:t>result</a:t>
+              </a:r>
+            </a:p>
+          </p:txBody>
+        </p:sp>
+        <p:sp>
+          <p:nvSpPr>
+            <p:cNvPr id="155" name="Straight Connector 4"/>
+            <p:cNvSpPr/>
+            <p:nvPr/>
+          </p:nvSpPr>
+          <p:spPr>
+            <a:xfrm flipH="1">
+              <a:off x="4843971" y="1426563"/>
+              <a:ext cx="1" cy="11331620"/>
+            </a:xfrm>
+            <a:prstGeom prst="line">
+              <a:avLst/>
+            </a:prstGeom>
+            <a:gradFill flip="none" rotWithShape="1">
+              <a:gsLst>
+                <a:gs pos="0">
+                  <a:schemeClr val="accent1">
+                    <a:hueOff val="357503"/>
+                    <a:satOff val="54545"/>
+                    <a:lumOff val="29273"/>
+                  </a:schemeClr>
+                </a:gs>
+                <a:gs pos="35000">
+                  <a:srgbClr val="BDD4FF"/>
+                </a:gs>
+                <a:gs pos="100000">
+                  <a:schemeClr val="accent1">
+                    <a:hueOff val="418253"/>
+                    <a:satOff val="54545"/>
+                    <a:lumOff val="42493"/>
+                  </a:schemeClr>
+                </a:gs>
+              </a:gsLst>
+              <a:lin ang="16200000" scaled="0"/>
+            </a:gradFill>
+            <a:ln w="38100" cap="flat">
+              <a:solidFill>
+                <a:srgbClr val="0070C0"/>
+              </a:solidFill>
+              <a:prstDash val="sysDash"/>
+              <a:round/>
+            </a:ln>
+            <a:effectLst/>
+          </p:spPr>
+          <p:txBody>
+            <a:bodyPr wrap="square" lIns="45718" tIns="45718" rIns="45718" bIns="45718" numCol="1" anchor="t">
+              <a:noAutofit/>
+            </a:bodyPr>
+            <a:lstStyle/>
+            <a:p>
+              <a:pPr/>
+            </a:p>
+          </p:txBody>
+        </p:sp>
+        <p:sp>
+          <p:nvSpPr>
+            <p:cNvPr id="156" name="Rectangle 5"/>
+            <p:cNvSpPr/>
+            <p:nvPr/>
+          </p:nvSpPr>
+          <p:spPr>
+            <a:xfrm>
+              <a:off x="4699956" y="2127950"/>
+              <a:ext cx="304802" cy="10505215"/>
+            </a:xfrm>
+            <a:prstGeom prst="rect">
+              <a:avLst/>
+            </a:prstGeom>
             <a:solidFill>
               <a:srgbClr val="0070C0"/>
             </a:solidFill>
-          </a:ln>
-        </p:spPr>
-        <p:txBody>
-          <a:bodyPr tIns="91439" bIns="91439" anchor="ctr"/>
-          <a:lstStyle/>
-          <a:p>
-            <a:pPr algn="ctr">
-              <a:defRPr sz="2800"/>
-            </a:pPr>
-          </a:p>
-        </p:txBody>
-      </p:sp>
-      <p:sp>
-        <p:nvSpPr>
-          <p:cNvPr id="97" name="Logic"/>
-          <p:cNvSpPr txBox="1"/>
-          <p:nvPr/>
-        </p:nvSpPr>
-        <p:spPr>
-          <a:xfrm>
-            <a:off x="1576859" y="358881"/>
-            <a:ext cx="16886910" cy="787253"/>
-          </a:xfrm>
-          <a:prstGeom prst="rect">
-            <a:avLst/>
-          </a:prstGeom>
-          <a:ln w="25400">
-            <a:miter lim="400000"/>
-          </a:ln>
-          <a:extLst>
-            <a:ext uri="{C572A759-6A51-4108-AA02-DFA0A04FC94B}">
-              <ma14:wrappingTextBoxFlag xmlns:ma14="http://schemas.microsoft.com/office/mac/drawingml/2011/main" val="1"/>
-            </a:ext>
-          </a:extLst>
-        </p:spPr>
-        <p:txBody>
-          <a:bodyPr tIns="91439" bIns="91439"/>
-          <a:lstStyle>
-            <a:lvl1pPr>
-              <a:defRPr b="1" sz="2400">
+            <a:ln w="12700" cap="flat">
+              <a:solidFill>
+                <a:srgbClr val="0070C0"/>
+              </a:solidFill>
+              <a:prstDash val="solid"/>
+              <a:round/>
+            </a:ln>
+            <a:effectLst/>
+          </p:spPr>
+          <p:txBody>
+            <a:bodyPr wrap="square" lIns="91438" tIns="91438" rIns="91438" bIns="91438" numCol="1" anchor="ctr">
+              <a:noAutofit/>
+            </a:bodyPr>
+            <a:lstStyle/>
+            <a:p>
+              <a:pPr algn="ctr">
+                <a:defRPr sz="2800">
+                  <a:latin typeface="+mj-lt"/>
+                  <a:ea typeface="+mj-ea"/>
+                  <a:cs typeface="+mj-cs"/>
+                  <a:sym typeface="Calibri"/>
+                </a:defRPr>
+              </a:pPr>
+            </a:p>
+          </p:txBody>
+        </p:sp>
+        <p:sp>
+          <p:nvSpPr>
+            <p:cNvPr id="157" name="Straight Arrow Connector 22"/>
+            <p:cNvSpPr/>
+            <p:nvPr/>
+          </p:nvSpPr>
+          <p:spPr>
+            <a:xfrm>
+              <a:off x="186546" y="2135327"/>
+              <a:ext cx="4513412" cy="1"/>
+            </a:xfrm>
+            <a:prstGeom prst="line">
+              <a:avLst/>
+            </a:prstGeom>
+            <a:noFill/>
+            <a:ln w="38100" cap="flat">
+              <a:solidFill>
+                <a:srgbClr val="00B050"/>
+              </a:solidFill>
+              <a:prstDash val="solid"/>
+              <a:round/>
+              <a:tailEnd type="triangle" w="med" len="med"/>
+            </a:ln>
+            <a:effectLst/>
+          </p:spPr>
+          <p:txBody>
+            <a:bodyPr wrap="square" lIns="45718" tIns="45718" rIns="45718" bIns="45718" numCol="1" anchor="t">
+              <a:noAutofit/>
+            </a:bodyPr>
+            <a:lstStyle/>
+            <a:p>
+              <a:pPr/>
+            </a:p>
+          </p:txBody>
+        </p:sp>
+        <p:sp>
+          <p:nvSpPr>
+            <p:cNvPr id="158" name="TextBox 25"/>
+            <p:cNvSpPr txBox="1"/>
+            <p:nvPr/>
+          </p:nvSpPr>
+          <p:spPr>
+            <a:xfrm>
+              <a:off x="61105" y="1450782"/>
+              <a:ext cx="4660219" cy="660401"/>
+            </a:xfrm>
+            <a:prstGeom prst="rect">
+              <a:avLst/>
+            </a:prstGeom>
+            <a:noFill/>
+            <a:ln w="12700" cap="flat">
+              <a:noFill/>
+              <a:miter lim="400000"/>
+            </a:ln>
+            <a:effectLst/>
+            <a:extLst>
+              <a:ext uri="{C572A759-6A51-4108-AA02-DFA0A04FC94B}">
+                <ma14:wrappingTextBoxFlag xmlns:ma14="http://schemas.microsoft.com/office/mac/drawingml/2011/main" val="1"/>
+              </a:ext>
+            </a:extLst>
+          </p:spPr>
+          <p:txBody>
+            <a:bodyPr wrap="square" lIns="0" tIns="0" rIns="0" bIns="0" numCol="1" anchor="t">
+              <a:spAutoFit/>
+            </a:bodyPr>
+            <a:lstStyle>
+              <a:lvl1pPr algn="r">
+                <a:defRPr sz="2200">
+                  <a:solidFill>
+                    <a:srgbClr val="0070C0"/>
+                  </a:solidFill>
+                  <a:latin typeface="+mj-lt"/>
+                  <a:ea typeface="+mj-ea"/>
+                  <a:cs typeface="+mj-cs"/>
+                  <a:sym typeface="Calibri"/>
+                </a:defRPr>
+              </a:lvl1pPr>
+            </a:lstStyle>
+            <a:p>
+              <a:pPr/>
+              <a:r>
+                <a:t>execute(“setCategories 1 c/thai oc/premium pr/$”)</a:t>
+              </a:r>
+            </a:p>
+          </p:txBody>
+        </p:sp>
+        <p:sp>
+          <p:nvSpPr>
+            <p:cNvPr id="159" name="Straight Arrow Connector 36"/>
+            <p:cNvSpPr/>
+            <p:nvPr/>
+          </p:nvSpPr>
+          <p:spPr>
+            <a:xfrm>
+              <a:off x="236822" y="12626757"/>
+              <a:ext cx="4484502" cy="1"/>
+            </a:xfrm>
+            <a:prstGeom prst="line">
+              <a:avLst/>
+            </a:prstGeom>
+            <a:noFill/>
+            <a:ln w="38100" cap="flat">
+              <a:solidFill>
+                <a:schemeClr val="accent1"/>
+              </a:solidFill>
+              <a:prstDash val="sysDash"/>
+              <a:round/>
+              <a:headEnd type="triangle" w="med" len="med"/>
+            </a:ln>
+            <a:effectLst/>
+          </p:spPr>
+          <p:txBody>
+            <a:bodyPr wrap="square" lIns="45718" tIns="45718" rIns="45718" bIns="45718" numCol="1" anchor="t">
+              <a:noAutofit/>
+            </a:bodyPr>
+            <a:lstStyle/>
+            <a:p>
+              <a:pPr/>
+            </a:p>
+          </p:txBody>
+        </p:sp>
+        <p:grpSp>
+          <p:nvGrpSpPr>
+            <p:cNvPr id="162" name=":LogicManager"/>
+            <p:cNvGrpSpPr/>
+            <p:nvPr/>
+          </p:nvGrpSpPr>
+          <p:grpSpPr>
+            <a:xfrm>
+              <a:off x="3579677" y="808540"/>
+              <a:ext cx="2188905" cy="558802"/>
+              <a:chOff x="0" y="0"/>
+              <a:chExt cx="2188903" cy="558801"/>
+            </a:xfrm>
+          </p:grpSpPr>
+          <p:sp>
+            <p:nvSpPr>
+              <p:cNvPr id="160" name="Rectangle"/>
+              <p:cNvSpPr/>
+              <p:nvPr/>
+            </p:nvSpPr>
+            <p:spPr>
+              <a:xfrm>
+                <a:off x="0" y="-1"/>
+                <a:ext cx="2188904" cy="558803"/>
+              </a:xfrm>
+              <a:prstGeom prst="rect">
+                <a:avLst/>
+              </a:prstGeom>
+              <a:solidFill>
+                <a:srgbClr val="306EBA"/>
+              </a:solidFill>
+              <a:ln w="50800" cap="flat">
                 <a:solidFill>
-                  <a:srgbClr val="0070C0"/>
+                  <a:srgbClr val="306EBA"/>
                 </a:solidFill>
-              </a:defRPr>
-            </a:lvl1pPr>
-          </a:lstStyle>
-          <a:p>
-            <a:pPr/>
-            <a:r>
-              <a:t>Logic</a:t>
-            </a:r>
-          </a:p>
-        </p:txBody>
-      </p:sp>
-      <p:sp>
-        <p:nvSpPr>
-          <p:cNvPr id="98" name="Straight Connector 4"/>
-          <p:cNvSpPr/>
-          <p:nvPr/>
-        </p:nvSpPr>
-        <p:spPr>
-          <a:xfrm flipH="1">
-            <a:off x="6237277" y="1655852"/>
-            <a:ext cx="1" cy="11331619"/>
-          </a:xfrm>
-          <a:prstGeom prst="line">
-            <a:avLst/>
-          </a:prstGeom>
-          <a:gradFill>
-            <a:gsLst>
-              <a:gs pos="0">
-                <a:schemeClr val="accent1">
-                  <a:hueOff val="357503"/>
-                  <a:satOff val="54545"/>
-                  <a:lumOff val="29273"/>
-                </a:schemeClr>
-              </a:gs>
-              <a:gs pos="35000">
-                <a:srgbClr val="BDD4FF"/>
-              </a:gs>
-              <a:gs pos="100000">
-                <a:schemeClr val="accent1">
-                  <a:hueOff val="418253"/>
-                  <a:satOff val="54545"/>
-                  <a:lumOff val="42493"/>
-                </a:schemeClr>
-              </a:gs>
-            </a:gsLst>
-            <a:lin ang="16200000"/>
-          </a:gradFill>
-          <a:ln w="38100">
-            <a:solidFill>
-              <a:srgbClr val="0070C0"/>
-            </a:solidFill>
-            <a:prstDash val="sysDash"/>
-          </a:ln>
-        </p:spPr>
-        <p:txBody>
-          <a:bodyPr tIns="91439" bIns="91439"/>
-          <a:lstStyle/>
-          <a:p>
-            <a:pPr/>
-          </a:p>
-        </p:txBody>
-      </p:sp>
-      <p:sp>
-        <p:nvSpPr>
-          <p:cNvPr id="99" name="Rectangle 5"/>
-          <p:cNvSpPr/>
-          <p:nvPr/>
-        </p:nvSpPr>
-        <p:spPr>
-          <a:xfrm>
-            <a:off x="6093262" y="2357239"/>
-            <a:ext cx="304801" cy="10505214"/>
-          </a:xfrm>
-          <a:prstGeom prst="rect">
-            <a:avLst/>
-          </a:prstGeom>
-          <a:solidFill>
-            <a:srgbClr val="0070C0"/>
-          </a:solidFill>
-          <a:ln w="12700">
-            <a:solidFill>
-              <a:srgbClr val="0070C0"/>
-            </a:solidFill>
-          </a:ln>
-        </p:spPr>
-        <p:txBody>
-          <a:bodyPr tIns="91439" bIns="91439" anchor="ctr"/>
-          <a:lstStyle/>
-          <a:p>
-            <a:pPr algn="ctr">
-              <a:defRPr sz="2800"/>
-            </a:pPr>
-          </a:p>
-        </p:txBody>
-      </p:sp>
-      <p:sp>
-        <p:nvSpPr>
-          <p:cNvPr id="100" name="Straight Connector 16"/>
-          <p:cNvSpPr/>
-          <p:nvPr/>
-        </p:nvSpPr>
-        <p:spPr>
-          <a:xfrm flipH="1">
-            <a:off x="11116534" y="1655851"/>
-            <a:ext cx="1" cy="8270909"/>
-          </a:xfrm>
-          <a:prstGeom prst="line">
-            <a:avLst/>
-          </a:prstGeom>
-          <a:gradFill>
-            <a:gsLst>
-              <a:gs pos="0">
-                <a:schemeClr val="accent1">
-                  <a:hueOff val="357503"/>
-                  <a:satOff val="54545"/>
-                  <a:lumOff val="29273"/>
-                </a:schemeClr>
-              </a:gs>
-              <a:gs pos="35000">
-                <a:srgbClr val="BDD4FF"/>
-              </a:gs>
-              <a:gs pos="100000">
-                <a:schemeClr val="accent1">
-                  <a:hueOff val="418253"/>
-                  <a:satOff val="54545"/>
-                  <a:lumOff val="42493"/>
-                </a:schemeClr>
-              </a:gs>
-            </a:gsLst>
-            <a:lin ang="16200000"/>
-          </a:gradFill>
-          <a:ln w="38100">
-            <a:solidFill>
-              <a:srgbClr val="0070C0"/>
-            </a:solidFill>
-            <a:prstDash val="sysDash"/>
-          </a:ln>
-        </p:spPr>
-        <p:txBody>
-          <a:bodyPr tIns="91439" bIns="91439"/>
-          <a:lstStyle/>
-          <a:p>
-            <a:pPr/>
-          </a:p>
-        </p:txBody>
-      </p:sp>
-      <p:sp>
-        <p:nvSpPr>
-          <p:cNvPr id="101" name="Rectangle 17"/>
-          <p:cNvSpPr/>
-          <p:nvPr/>
-        </p:nvSpPr>
-        <p:spPr>
-          <a:xfrm>
-            <a:off x="10972519" y="2572237"/>
-            <a:ext cx="294466" cy="7112001"/>
-          </a:xfrm>
-          <a:prstGeom prst="rect">
-            <a:avLst/>
-          </a:prstGeom>
-          <a:solidFill>
-            <a:srgbClr val="0070C0"/>
-          </a:solidFill>
-          <a:ln w="12700">
-            <a:solidFill>
-              <a:srgbClr val="0070C0"/>
-            </a:solidFill>
-          </a:ln>
-        </p:spPr>
-        <p:txBody>
-          <a:bodyPr tIns="91439" bIns="91439" anchor="ctr"/>
-          <a:lstStyle/>
-          <a:p>
-            <a:pPr algn="ctr">
-              <a:defRPr sz="2800"/>
-            </a:pPr>
-          </a:p>
-        </p:txBody>
-      </p:sp>
-      <p:sp>
-        <p:nvSpPr>
-          <p:cNvPr id="102" name="Rectangle 20"/>
-          <p:cNvSpPr/>
-          <p:nvPr/>
-        </p:nvSpPr>
-        <p:spPr>
-          <a:xfrm>
-            <a:off x="14070618" y="3047041"/>
-            <a:ext cx="304801" cy="552007"/>
-          </a:xfrm>
-          <a:prstGeom prst="rect">
-            <a:avLst/>
-          </a:prstGeom>
-          <a:solidFill>
-            <a:srgbClr val="0070C0"/>
-          </a:solidFill>
-          <a:ln w="12700">
-            <a:solidFill>
-              <a:srgbClr val="0070C0"/>
-            </a:solidFill>
-          </a:ln>
-        </p:spPr>
-        <p:txBody>
-          <a:bodyPr tIns="91439" bIns="91439" anchor="ctr"/>
-          <a:lstStyle/>
-          <a:p>
-            <a:pPr algn="ctr">
-              <a:defRPr sz="2800"/>
-            </a:pPr>
-          </a:p>
-        </p:txBody>
-      </p:sp>
-      <p:sp>
-        <p:nvSpPr>
-          <p:cNvPr id="103" name="Straight Arrow Connector 22"/>
-          <p:cNvSpPr/>
-          <p:nvPr/>
-        </p:nvSpPr>
-        <p:spPr>
-          <a:xfrm>
-            <a:off x="3853560" y="2364615"/>
-            <a:ext cx="2239703" cy="1"/>
-          </a:xfrm>
-          <a:prstGeom prst="line">
-            <a:avLst/>
-          </a:prstGeom>
-          <a:ln w="38100">
-            <a:solidFill>
-              <a:srgbClr val="00B050"/>
-            </a:solidFill>
-            <a:tailEnd type="triangle"/>
-          </a:ln>
-        </p:spPr>
-        <p:txBody>
-          <a:bodyPr tIns="91439" bIns="91439"/>
-          <a:lstStyle/>
-          <a:p>
-            <a:pPr/>
-          </a:p>
-        </p:txBody>
-      </p:sp>
-      <p:sp>
-        <p:nvSpPr>
-          <p:cNvPr id="104" name="TextBox 25"/>
-          <p:cNvSpPr txBox="1"/>
-          <p:nvPr/>
-        </p:nvSpPr>
-        <p:spPr>
-          <a:xfrm>
-            <a:off x="1454411" y="1680071"/>
-            <a:ext cx="4660218" cy="660401"/>
-          </a:xfrm>
-          <a:prstGeom prst="rect">
-            <a:avLst/>
-          </a:prstGeom>
-          <a:ln w="25400">
-            <a:miter lim="400000"/>
-          </a:ln>
-          <a:extLst>
-            <a:ext uri="{C572A759-6A51-4108-AA02-DFA0A04FC94B}">
-              <ma14:wrappingTextBoxFlag xmlns:ma14="http://schemas.microsoft.com/office/mac/drawingml/2011/main" val="1"/>
-            </a:ext>
-          </a:extLst>
-        </p:spPr>
-        <p:txBody>
-          <a:bodyPr lIns="0" tIns="0" rIns="0" bIns="0">
-            <a:spAutoFit/>
-          </a:bodyPr>
-          <a:lstStyle>
-            <a:lvl1pPr algn="r">
-              <a:defRPr sz="2200">
-                <a:solidFill>
-                  <a:srgbClr val="0070C0"/>
-                </a:solidFill>
-              </a:defRPr>
-            </a:lvl1pPr>
-          </a:lstStyle>
-          <a:p>
-            <a:pPr/>
-            <a:r>
-              <a:t>execute(“setCategories 1 c/thai oc/premium pr/$”)</a:t>
-            </a:r>
-          </a:p>
-        </p:txBody>
-      </p:sp>
-      <p:sp>
-        <p:nvSpPr>
-          <p:cNvPr id="105" name="Straight Arrow Connector 27"/>
-          <p:cNvSpPr/>
-          <p:nvPr/>
-        </p:nvSpPr>
-        <p:spPr>
-          <a:xfrm>
-            <a:off x="11287303" y="2865299"/>
-            <a:ext cx="1711619" cy="1"/>
-          </a:xfrm>
-          <a:prstGeom prst="line">
-            <a:avLst/>
-          </a:prstGeom>
-          <a:ln w="38100">
-            <a:solidFill>
-              <a:srgbClr val="0070C0"/>
-            </a:solidFill>
-            <a:tailEnd type="triangle"/>
-          </a:ln>
-        </p:spPr>
-        <p:txBody>
-          <a:bodyPr tIns="91439" bIns="91439"/>
-          <a:lstStyle/>
-          <a:p>
-            <a:pPr/>
-          </a:p>
-        </p:txBody>
-      </p:sp>
-      <p:sp>
-        <p:nvSpPr>
-          <p:cNvPr id="106" name="Straight Arrow Connector 33"/>
-          <p:cNvSpPr/>
-          <p:nvPr/>
-        </p:nvSpPr>
-        <p:spPr>
-          <a:xfrm>
-            <a:off x="11233575" y="3597081"/>
-            <a:ext cx="2985949" cy="1"/>
-          </a:xfrm>
-          <a:prstGeom prst="line">
-            <a:avLst/>
-          </a:prstGeom>
-          <a:ln w="38100">
-            <a:solidFill>
-              <a:srgbClr val="0070C0"/>
-            </a:solidFill>
-            <a:prstDash val="sysDash"/>
-            <a:headEnd type="triangle"/>
-          </a:ln>
-        </p:spPr>
-        <p:txBody>
-          <a:bodyPr tIns="91439" bIns="91439"/>
-          <a:lstStyle/>
-          <a:p>
-            <a:pPr/>
-          </a:p>
-        </p:txBody>
-      </p:sp>
-      <p:sp>
-        <p:nvSpPr>
-          <p:cNvPr id="107" name="Straight Arrow Connector 36"/>
-          <p:cNvSpPr/>
-          <p:nvPr/>
-        </p:nvSpPr>
-        <p:spPr>
-          <a:xfrm>
-            <a:off x="3722526" y="12856045"/>
-            <a:ext cx="2392103" cy="1"/>
-          </a:xfrm>
-          <a:prstGeom prst="line">
-            <a:avLst/>
-          </a:prstGeom>
-          <a:ln w="38100">
-            <a:solidFill>
-              <a:schemeClr val="accent1"/>
-            </a:solidFill>
-            <a:prstDash val="sysDash"/>
-            <a:headEnd type="triangle"/>
-          </a:ln>
-        </p:spPr>
-        <p:txBody>
-          <a:bodyPr tIns="91439" bIns="91439"/>
-          <a:lstStyle/>
-          <a:p>
-            <a:pPr/>
-          </a:p>
-        </p:txBody>
-      </p:sp>
-      <p:sp>
-        <p:nvSpPr>
-          <p:cNvPr id="108" name="Rectangle 64"/>
-          <p:cNvSpPr/>
-          <p:nvPr/>
-        </p:nvSpPr>
-        <p:spPr>
-          <a:xfrm>
-            <a:off x="14068336" y="4160137"/>
-            <a:ext cx="322645" cy="5395726"/>
-          </a:xfrm>
-          <a:prstGeom prst="rect">
-            <a:avLst/>
-          </a:prstGeom>
-          <a:solidFill>
-            <a:srgbClr val="0070C0"/>
-          </a:solidFill>
-          <a:ln w="12700">
-            <a:solidFill>
-              <a:srgbClr val="0070C0"/>
-            </a:solidFill>
-          </a:ln>
-        </p:spPr>
-        <p:txBody>
-          <a:bodyPr tIns="91439" bIns="91439" anchor="ctr"/>
-          <a:lstStyle/>
-          <a:p>
-            <a:pPr algn="ctr">
-              <a:defRPr sz="2800"/>
-            </a:pPr>
-          </a:p>
-        </p:txBody>
-      </p:sp>
-      <p:sp>
-        <p:nvSpPr>
-          <p:cNvPr id="109" name="TextBox 79"/>
-          <p:cNvSpPr txBox="1"/>
-          <p:nvPr/>
-        </p:nvSpPr>
-        <p:spPr>
-          <a:xfrm>
-            <a:off x="6467038" y="1921789"/>
-            <a:ext cx="4513411" cy="660401"/>
-          </a:xfrm>
-          <a:prstGeom prst="rect">
-            <a:avLst/>
-          </a:prstGeom>
-          <a:ln w="25400">
-            <a:miter lim="400000"/>
-          </a:ln>
-          <a:extLst>
-            <a:ext uri="{C572A759-6A51-4108-AA02-DFA0A04FC94B}">
-              <ma14:wrappingTextBoxFlag xmlns:ma14="http://schemas.microsoft.com/office/mac/drawingml/2011/main" val="1"/>
-            </a:ext>
-          </a:extLst>
-        </p:spPr>
-        <p:txBody>
-          <a:bodyPr lIns="0" tIns="0" rIns="0" bIns="0">
-            <a:spAutoFit/>
-          </a:bodyPr>
-          <a:lstStyle>
-            <a:lvl1pPr algn="r">
-              <a:defRPr sz="2200">
-                <a:solidFill>
-                  <a:srgbClr val="0070C0"/>
-                </a:solidFill>
-              </a:defRPr>
-            </a:lvl1pPr>
-          </a:lstStyle>
-          <a:p>
-            <a:pPr/>
-            <a:r>
-              <a:t>parseCommand(“setCategories 1 c/thai oc/premium pr/$”)</a:t>
-            </a:r>
-          </a:p>
-        </p:txBody>
-      </p:sp>
-      <p:sp>
-        <p:nvSpPr>
-          <p:cNvPr id="110" name="Straight Arrow Connector 66"/>
-          <p:cNvSpPr/>
-          <p:nvPr/>
-        </p:nvSpPr>
-        <p:spPr>
-          <a:xfrm>
-            <a:off x="6431849" y="2568453"/>
-            <a:ext cx="4513412" cy="3"/>
-          </a:xfrm>
-          <a:prstGeom prst="line">
-            <a:avLst/>
-          </a:prstGeom>
-          <a:ln w="38100">
-            <a:solidFill>
-              <a:srgbClr val="0070C0"/>
-            </a:solidFill>
-            <a:tailEnd type="triangle"/>
-          </a:ln>
-        </p:spPr>
-        <p:txBody>
-          <a:bodyPr tIns="91439" bIns="91439"/>
-          <a:lstStyle/>
-          <a:p>
-            <a:pPr/>
-          </a:p>
-        </p:txBody>
-      </p:sp>
-      <p:sp>
-        <p:nvSpPr>
-          <p:cNvPr id="111" name=":FoodDiaryParser"/>
-          <p:cNvSpPr/>
-          <p:nvPr/>
-        </p:nvSpPr>
-        <p:spPr>
-          <a:xfrm>
-            <a:off x="9843855" y="1152664"/>
-            <a:ext cx="2545357" cy="520257"/>
-          </a:xfrm>
-          <a:prstGeom prst="rect">
-            <a:avLst/>
-          </a:prstGeom>
-          <a:solidFill>
-            <a:srgbClr val="306EBA"/>
-          </a:solidFill>
-          <a:ln w="50800">
-            <a:solidFill>
-              <a:srgbClr val="306EBA"/>
-            </a:solidFill>
-          </a:ln>
-          <a:extLst>
-            <a:ext uri="{C572A759-6A51-4108-AA02-DFA0A04FC94B}">
-              <ma14:wrappingTextBoxFlag xmlns:ma14="http://schemas.microsoft.com/office/mac/drawingml/2011/main" val="1"/>
-            </a:ext>
-          </a:extLst>
-        </p:spPr>
-        <p:txBody>
-          <a:bodyPr tIns="91439" bIns="91439" anchor="ctr"/>
-          <a:lstStyle>
-            <a:lvl1pPr algn="ctr">
-              <a:defRPr sz="2200">
-                <a:solidFill>
-                  <a:srgbClr val="FFFFFF"/>
-                </a:solidFill>
-                <a:latin typeface="Arial"/>
-                <a:ea typeface="Arial"/>
-                <a:cs typeface="Arial"/>
-                <a:sym typeface="Arial"/>
-              </a:defRPr>
-            </a:lvl1pPr>
-          </a:lstStyle>
-          <a:p>
-            <a:pPr/>
-            <a:r>
-              <a:t>:FoodDiaryParser</a:t>
-            </a:r>
-          </a:p>
-        </p:txBody>
-      </p:sp>
-      <p:sp>
-        <p:nvSpPr>
-          <p:cNvPr id="112" name=":SetCategories…"/>
-          <p:cNvSpPr/>
-          <p:nvPr/>
-        </p:nvSpPr>
-        <p:spPr>
-          <a:xfrm>
-            <a:off x="13034579" y="2266584"/>
-            <a:ext cx="2369891" cy="891741"/>
-          </a:xfrm>
-          <a:prstGeom prst="rect">
-            <a:avLst/>
-          </a:prstGeom>
-          <a:solidFill>
-            <a:srgbClr val="306EBA"/>
-          </a:solidFill>
-          <a:ln w="50800">
-            <a:solidFill>
-              <a:srgbClr val="306EBA"/>
-            </a:solidFill>
-          </a:ln>
-          <a:extLst>
-            <a:ext uri="{C572A759-6A51-4108-AA02-DFA0A04FC94B}">
-              <ma14:wrappingTextBoxFlag xmlns:ma14="http://schemas.microsoft.com/office/mac/drawingml/2011/main" val="1"/>
-            </a:ext>
-          </a:extLst>
-        </p:spPr>
-        <p:txBody>
-          <a:bodyPr tIns="91439" bIns="91439" anchor="ctr"/>
-          <a:lstStyle/>
-          <a:p>
-            <a:pPr algn="ctr">
-              <a:defRPr sz="2200">
-                <a:solidFill>
-                  <a:srgbClr val="FFFFFF"/>
-                </a:solidFill>
-                <a:latin typeface="Arial"/>
-                <a:ea typeface="Arial"/>
-                <a:cs typeface="Arial"/>
-                <a:sym typeface="Arial"/>
-              </a:defRPr>
-            </a:pPr>
-            <a:r>
-              <a:t>:SetCategories</a:t>
-            </a:r>
-          </a:p>
-          <a:p>
-            <a:pPr algn="ctr">
-              <a:defRPr sz="2200">
-                <a:solidFill>
-                  <a:srgbClr val="FFFFFF"/>
-                </a:solidFill>
-                <a:latin typeface="Arial"/>
-                <a:ea typeface="Arial"/>
-                <a:cs typeface="Arial"/>
-                <a:sym typeface="Arial"/>
-              </a:defRPr>
-            </a:pPr>
-            <a:r>
-              <a:t>CommandParser</a:t>
-            </a:r>
-          </a:p>
-        </p:txBody>
-      </p:sp>
-      <p:sp>
-        <p:nvSpPr>
-          <p:cNvPr id="113" name=":LogicManager"/>
-          <p:cNvSpPr/>
-          <p:nvPr/>
-        </p:nvSpPr>
-        <p:spPr>
-          <a:xfrm>
-            <a:off x="4972983" y="1037829"/>
-            <a:ext cx="2188904" cy="558801"/>
-          </a:xfrm>
-          <a:prstGeom prst="rect">
-            <a:avLst/>
-          </a:prstGeom>
-          <a:solidFill>
-            <a:srgbClr val="306EBA"/>
-          </a:solidFill>
-          <a:ln w="50800">
-            <a:solidFill>
-              <a:srgbClr val="306EBA"/>
-            </a:solidFill>
-          </a:ln>
-          <a:extLst>
-            <a:ext uri="{C572A759-6A51-4108-AA02-DFA0A04FC94B}">
-              <ma14:wrappingTextBoxFlag xmlns:ma14="http://schemas.microsoft.com/office/mac/drawingml/2011/main" val="1"/>
-            </a:ext>
-          </a:extLst>
-        </p:spPr>
-        <p:txBody>
-          <a:bodyPr tIns="91439" bIns="91439" anchor="ctr"/>
-          <a:lstStyle>
-            <a:lvl1pPr algn="ctr">
-              <a:defRPr sz="2200">
-                <a:solidFill>
-                  <a:srgbClr val="FFFFFF"/>
-                </a:solidFill>
-                <a:latin typeface="Arial"/>
-                <a:ea typeface="Arial"/>
-                <a:cs typeface="Arial"/>
-                <a:sym typeface="Arial"/>
-              </a:defRPr>
-            </a:lvl1pPr>
-          </a:lstStyle>
-          <a:p>
-            <a:pPr/>
-            <a:r>
-              <a:t>:LogicManager</a:t>
-            </a:r>
-          </a:p>
-        </p:txBody>
-      </p:sp>
-      <p:sp>
-        <p:nvSpPr>
-          <p:cNvPr id="114" name="Straight Arrow Connector 27"/>
-          <p:cNvSpPr/>
-          <p:nvPr/>
-        </p:nvSpPr>
-        <p:spPr>
-          <a:xfrm>
-            <a:off x="11297316" y="4156107"/>
-            <a:ext cx="2753827" cy="1"/>
-          </a:xfrm>
-          <a:prstGeom prst="line">
-            <a:avLst/>
-          </a:prstGeom>
-          <a:ln w="38100">
-            <a:solidFill>
-              <a:srgbClr val="0070C0"/>
-            </a:solidFill>
-            <a:tailEnd type="triangle"/>
-          </a:ln>
-        </p:spPr>
-        <p:txBody>
-          <a:bodyPr tIns="91439" bIns="91439"/>
-          <a:lstStyle/>
-          <a:p>
-            <a:pPr/>
-          </a:p>
-        </p:txBody>
-      </p:sp>
-      <p:sp>
-        <p:nvSpPr>
-          <p:cNvPr id="115" name="TextBox 79"/>
-          <p:cNvSpPr txBox="1"/>
-          <p:nvPr/>
-        </p:nvSpPr>
-        <p:spPr>
-          <a:xfrm>
-            <a:off x="11297316" y="3851307"/>
-            <a:ext cx="2598550" cy="660401"/>
-          </a:xfrm>
-          <a:prstGeom prst="rect">
-            <a:avLst/>
-          </a:prstGeom>
-          <a:ln w="25400">
-            <a:miter lim="400000"/>
-          </a:ln>
-          <a:extLst>
-            <a:ext uri="{C572A759-6A51-4108-AA02-DFA0A04FC94B}">
-              <ma14:wrappingTextBoxFlag xmlns:ma14="http://schemas.microsoft.com/office/mac/drawingml/2011/main" val="1"/>
-            </a:ext>
-          </a:extLst>
-        </p:spPr>
-        <p:txBody>
-          <a:bodyPr lIns="0" tIns="0" rIns="0" bIns="0">
-            <a:spAutoFit/>
-          </a:bodyPr>
-          <a:lstStyle>
-            <a:lvl1pPr algn="r">
-              <a:defRPr sz="2200">
-                <a:solidFill>
-                  <a:srgbClr val="0070C0"/>
-                </a:solidFill>
-              </a:defRPr>
-            </a:lvl1pPr>
-          </a:lstStyle>
-          <a:p>
-            <a:pPr/>
-            <a:r>
-              <a:t>parse(“1 c/thai oc/premium pr/$)</a:t>
-            </a:r>
-          </a:p>
-        </p:txBody>
-      </p:sp>
-      <p:sp>
-        <p:nvSpPr>
-          <p:cNvPr id="116" name=":ParserUtil"/>
-          <p:cNvSpPr/>
-          <p:nvPr/>
-        </p:nvSpPr>
-        <p:spPr>
-          <a:xfrm>
-            <a:off x="16469753" y="2536795"/>
-            <a:ext cx="1752412" cy="621531"/>
-          </a:xfrm>
-          <a:prstGeom prst="rect">
-            <a:avLst/>
-          </a:prstGeom>
-          <a:solidFill>
-            <a:srgbClr val="306EBA"/>
-          </a:solidFill>
-          <a:ln w="50800">
-            <a:solidFill>
-              <a:srgbClr val="306EBA"/>
-            </a:solidFill>
-          </a:ln>
-          <a:extLst>
-            <a:ext uri="{C572A759-6A51-4108-AA02-DFA0A04FC94B}">
-              <ma14:wrappingTextBoxFlag xmlns:ma14="http://schemas.microsoft.com/office/mac/drawingml/2011/main" val="1"/>
-            </a:ext>
-          </a:extLst>
-        </p:spPr>
-        <p:txBody>
-          <a:bodyPr tIns="91439" bIns="91439" anchor="ctr"/>
-          <a:lstStyle>
-            <a:lvl1pPr algn="ctr">
-              <a:defRPr sz="2200">
-                <a:solidFill>
-                  <a:srgbClr val="FFFFFF"/>
-                </a:solidFill>
-                <a:latin typeface="Arial"/>
-                <a:ea typeface="Arial"/>
-                <a:cs typeface="Arial"/>
-                <a:sym typeface="Arial"/>
-              </a:defRPr>
-            </a:lvl1pPr>
-          </a:lstStyle>
-          <a:p>
-            <a:pPr/>
-            <a:r>
-              <a:t>:ParserUtil</a:t>
-            </a:r>
-          </a:p>
-        </p:txBody>
-      </p:sp>
-      <p:sp>
-        <p:nvSpPr>
-          <p:cNvPr id="117" name="Rectangle 20"/>
-          <p:cNvSpPr/>
-          <p:nvPr/>
-        </p:nvSpPr>
-        <p:spPr>
-          <a:xfrm>
-            <a:off x="17184637" y="4265401"/>
-            <a:ext cx="322645" cy="2049055"/>
-          </a:xfrm>
-          <a:prstGeom prst="rect">
-            <a:avLst/>
-          </a:prstGeom>
-          <a:solidFill>
-            <a:srgbClr val="0070C0"/>
-          </a:solidFill>
-          <a:ln w="12700">
-            <a:solidFill>
-              <a:srgbClr val="0070C0"/>
-            </a:solidFill>
-          </a:ln>
-        </p:spPr>
-        <p:txBody>
-          <a:bodyPr tIns="91439" bIns="91439" anchor="ctr"/>
-          <a:lstStyle/>
-          <a:p>
-            <a:pPr algn="ctr">
-              <a:defRPr sz="2800"/>
-            </a:pPr>
-          </a:p>
-        </p:txBody>
-      </p:sp>
-      <p:sp>
-        <p:nvSpPr>
-          <p:cNvPr id="118" name="Straight Connector 16"/>
-          <p:cNvSpPr/>
-          <p:nvPr/>
-        </p:nvSpPr>
-        <p:spPr>
-          <a:xfrm>
-            <a:off x="17345959" y="2985948"/>
-            <a:ext cx="1" cy="3758498"/>
-          </a:xfrm>
-          <a:prstGeom prst="line">
-            <a:avLst/>
-          </a:prstGeom>
-          <a:gradFill>
-            <a:gsLst>
-              <a:gs pos="0">
-                <a:schemeClr val="accent1">
-                  <a:hueOff val="357503"/>
-                  <a:satOff val="54545"/>
-                  <a:lumOff val="29273"/>
-                </a:schemeClr>
-              </a:gs>
-              <a:gs pos="35000">
-                <a:srgbClr val="BDD4FF"/>
-              </a:gs>
-              <a:gs pos="100000">
-                <a:schemeClr val="accent1">
-                  <a:hueOff val="418253"/>
-                  <a:satOff val="54545"/>
-                  <a:lumOff val="42493"/>
-                </a:schemeClr>
-              </a:gs>
-            </a:gsLst>
-            <a:lin ang="16200000"/>
-          </a:gradFill>
-          <a:ln w="38100">
-            <a:solidFill>
-              <a:srgbClr val="0070C0"/>
-            </a:solidFill>
-            <a:prstDash val="sysDash"/>
-          </a:ln>
-        </p:spPr>
-        <p:txBody>
-          <a:bodyPr tIns="91439" bIns="91439"/>
-          <a:lstStyle/>
-          <a:p>
-            <a:pPr/>
-          </a:p>
-        </p:txBody>
-      </p:sp>
-      <p:sp>
-        <p:nvSpPr>
-          <p:cNvPr id="119" name="Straight Arrow Connector 27"/>
-          <p:cNvSpPr/>
-          <p:nvPr/>
-        </p:nvSpPr>
-        <p:spPr>
-          <a:xfrm>
-            <a:off x="14165462" y="4260886"/>
-            <a:ext cx="3006162" cy="1"/>
-          </a:xfrm>
-          <a:prstGeom prst="line">
-            <a:avLst/>
-          </a:prstGeom>
-          <a:ln w="38100">
-            <a:solidFill>
-              <a:srgbClr val="0070C0"/>
-            </a:solidFill>
-            <a:tailEnd type="triangle"/>
-          </a:ln>
-        </p:spPr>
-        <p:txBody>
-          <a:bodyPr tIns="91439" bIns="91439"/>
-          <a:lstStyle/>
-          <a:p>
-            <a:pPr/>
-          </a:p>
-        </p:txBody>
-      </p:sp>
-      <p:sp>
-        <p:nvSpPr>
-          <p:cNvPr id="120" name="TextBox 79"/>
-          <p:cNvSpPr txBox="1"/>
-          <p:nvPr/>
-        </p:nvSpPr>
-        <p:spPr>
-          <a:xfrm>
-            <a:off x="14060175" y="3930686"/>
-            <a:ext cx="2598550" cy="330201"/>
-          </a:xfrm>
-          <a:prstGeom prst="rect">
-            <a:avLst/>
-          </a:prstGeom>
-          <a:ln w="25400">
-            <a:miter lim="400000"/>
-          </a:ln>
-          <a:extLst>
-            <a:ext uri="{C572A759-6A51-4108-AA02-DFA0A04FC94B}">
-              <ma14:wrappingTextBoxFlag xmlns:ma14="http://schemas.microsoft.com/office/mac/drawingml/2011/main" val="1"/>
-            </a:ext>
-          </a:extLst>
-        </p:spPr>
-        <p:txBody>
-          <a:bodyPr lIns="0" tIns="0" rIns="0" bIns="0">
-            <a:spAutoFit/>
-          </a:bodyPr>
-          <a:lstStyle>
-            <a:lvl1pPr algn="r">
-              <a:defRPr sz="2200">
-                <a:solidFill>
-                  <a:srgbClr val="0070C0"/>
-                </a:solidFill>
-              </a:defRPr>
-            </a:lvl1pPr>
-          </a:lstStyle>
-          <a:p>
-            <a:pPr/>
-            <a:r>
-              <a:t>parseIndex(“1”)</a:t>
-            </a:r>
-          </a:p>
-        </p:txBody>
-      </p:sp>
-      <p:sp>
-        <p:nvSpPr>
-          <p:cNvPr id="121" name="Straight Arrow Connector 27"/>
-          <p:cNvSpPr/>
-          <p:nvPr/>
-        </p:nvSpPr>
-        <p:spPr>
-          <a:xfrm>
-            <a:off x="14218105" y="4654114"/>
-            <a:ext cx="2962031" cy="1"/>
-          </a:xfrm>
-          <a:prstGeom prst="line">
-            <a:avLst/>
-          </a:prstGeom>
-          <a:ln w="38100">
-            <a:solidFill>
-              <a:srgbClr val="0070C0"/>
-            </a:solidFill>
-            <a:tailEnd type="triangle"/>
-          </a:ln>
-        </p:spPr>
-        <p:txBody>
-          <a:bodyPr tIns="91439" bIns="91439"/>
-          <a:lstStyle/>
-          <a:p>
-            <a:pPr/>
-          </a:p>
-        </p:txBody>
-      </p:sp>
-      <p:sp>
-        <p:nvSpPr>
-          <p:cNvPr id="122" name="TextBox 79"/>
-          <p:cNvSpPr txBox="1"/>
-          <p:nvPr/>
-        </p:nvSpPr>
-        <p:spPr>
-          <a:xfrm>
-            <a:off x="14401042" y="4296107"/>
-            <a:ext cx="2596157" cy="330201"/>
-          </a:xfrm>
-          <a:prstGeom prst="rect">
-            <a:avLst/>
-          </a:prstGeom>
-          <a:ln w="25400">
-            <a:miter lim="400000"/>
-          </a:ln>
-          <a:extLst>
-            <a:ext uri="{C572A759-6A51-4108-AA02-DFA0A04FC94B}">
-              <ma14:wrappingTextBoxFlag xmlns:ma14="http://schemas.microsoft.com/office/mac/drawingml/2011/main" val="1"/>
-            </a:ext>
-          </a:extLst>
-        </p:spPr>
-        <p:txBody>
-          <a:bodyPr lIns="0" tIns="0" rIns="0" bIns="0">
-            <a:spAutoFit/>
-          </a:bodyPr>
-          <a:lstStyle>
-            <a:lvl1pPr algn="r">
-              <a:defRPr sz="2200">
-                <a:solidFill>
-                  <a:srgbClr val="0070C0"/>
-                </a:solidFill>
-              </a:defRPr>
-            </a:lvl1pPr>
-          </a:lstStyle>
-          <a:p>
-            <a:pPr/>
-            <a:r>
-              <a:t>parseCuisine(“thai”)</a:t>
-            </a:r>
-          </a:p>
-        </p:txBody>
-      </p:sp>
-      <p:sp>
-        <p:nvSpPr>
-          <p:cNvPr id="123" name="Straight Arrow Connector 27"/>
-          <p:cNvSpPr/>
-          <p:nvPr/>
-        </p:nvSpPr>
-        <p:spPr>
-          <a:xfrm>
-            <a:off x="14279517" y="5124799"/>
-            <a:ext cx="2892107" cy="1"/>
-          </a:xfrm>
-          <a:prstGeom prst="line">
-            <a:avLst/>
-          </a:prstGeom>
-          <a:ln w="38100">
-            <a:solidFill>
-              <a:srgbClr val="0070C0"/>
-            </a:solidFill>
-            <a:tailEnd type="triangle"/>
-          </a:ln>
-        </p:spPr>
-        <p:txBody>
-          <a:bodyPr tIns="91439" bIns="91439"/>
-          <a:lstStyle/>
-          <a:p>
-            <a:pPr/>
-          </a:p>
-        </p:txBody>
-      </p:sp>
-      <p:sp>
-        <p:nvSpPr>
-          <p:cNvPr id="124" name="TextBox 79"/>
-          <p:cNvSpPr txBox="1"/>
-          <p:nvPr/>
-        </p:nvSpPr>
-        <p:spPr>
-          <a:xfrm>
-            <a:off x="13915774" y="4794599"/>
-            <a:ext cx="2791557" cy="660401"/>
-          </a:xfrm>
-          <a:prstGeom prst="rect">
-            <a:avLst/>
-          </a:prstGeom>
-          <a:ln w="25400">
-            <a:miter lim="400000"/>
-          </a:ln>
-          <a:extLst>
-            <a:ext uri="{C572A759-6A51-4108-AA02-DFA0A04FC94B}">
-              <ma14:wrappingTextBoxFlag xmlns:ma14="http://schemas.microsoft.com/office/mac/drawingml/2011/main" val="1"/>
-            </a:ext>
-          </a:extLst>
-        </p:spPr>
-        <p:txBody>
-          <a:bodyPr lIns="0" tIns="0" rIns="0" bIns="0">
-            <a:spAutoFit/>
-          </a:bodyPr>
-          <a:lstStyle/>
-          <a:p>
-            <a:pPr algn="r">
-              <a:defRPr sz="2200">
-                <a:solidFill>
-                  <a:srgbClr val="0070C0"/>
-                </a:solidFill>
-              </a:defRPr>
-            </a:pPr>
-            <a:r>
-              <a:t>parseOccasion</a:t>
-            </a:r>
-          </a:p>
-          <a:p>
-            <a:pPr algn="r">
-              <a:defRPr sz="2200">
-                <a:solidFill>
-                  <a:srgbClr val="0070C0"/>
-                </a:solidFill>
-              </a:defRPr>
-            </a:pPr>
-            <a:r>
-              <a:t>(“premium”)</a:t>
-            </a:r>
-          </a:p>
-        </p:txBody>
-      </p:sp>
-      <p:sp>
-        <p:nvSpPr>
-          <p:cNvPr id="125" name="Straight Arrow Connector 27"/>
-          <p:cNvSpPr/>
-          <p:nvPr/>
-        </p:nvSpPr>
-        <p:spPr>
-          <a:xfrm>
-            <a:off x="14279517" y="5791570"/>
-            <a:ext cx="2892107" cy="1"/>
-          </a:xfrm>
-          <a:prstGeom prst="line">
-            <a:avLst/>
-          </a:prstGeom>
-          <a:ln w="38100">
-            <a:solidFill>
-              <a:srgbClr val="0070C0"/>
-            </a:solidFill>
-            <a:tailEnd type="triangle"/>
-          </a:ln>
-        </p:spPr>
-        <p:txBody>
-          <a:bodyPr tIns="91439" bIns="91439"/>
-          <a:lstStyle/>
-          <a:p>
-            <a:pPr/>
-          </a:p>
-        </p:txBody>
-      </p:sp>
-      <p:sp>
-        <p:nvSpPr>
-          <p:cNvPr id="126" name="TextBox 79"/>
-          <p:cNvSpPr txBox="1"/>
-          <p:nvPr/>
-        </p:nvSpPr>
-        <p:spPr>
-          <a:xfrm>
-            <a:off x="14060175" y="5461105"/>
-            <a:ext cx="2791556" cy="660401"/>
-          </a:xfrm>
-          <a:prstGeom prst="rect">
-            <a:avLst/>
-          </a:prstGeom>
-          <a:ln w="25400">
-            <a:miter lim="400000"/>
-          </a:ln>
-          <a:extLst>
-            <a:ext uri="{C572A759-6A51-4108-AA02-DFA0A04FC94B}">
-              <ma14:wrappingTextBoxFlag xmlns:ma14="http://schemas.microsoft.com/office/mac/drawingml/2011/main" val="1"/>
-            </a:ext>
-          </a:extLst>
-        </p:spPr>
-        <p:txBody>
-          <a:bodyPr lIns="0" tIns="0" rIns="0" bIns="0">
-            <a:spAutoFit/>
-          </a:bodyPr>
-          <a:lstStyle/>
-          <a:p>
-            <a:pPr algn="r">
-              <a:defRPr sz="2200">
-                <a:solidFill>
-                  <a:srgbClr val="0070C0"/>
-                </a:solidFill>
-              </a:defRPr>
-            </a:pPr>
-            <a:r>
-              <a:t>parsePriceRange</a:t>
-            </a:r>
-          </a:p>
-          <a:p>
-            <a:pPr algn="r">
-              <a:defRPr sz="2200">
-                <a:solidFill>
-                  <a:srgbClr val="0070C0"/>
-                </a:solidFill>
-              </a:defRPr>
-            </a:pPr>
-            <a:r>
-              <a:t>(“$”)</a:t>
-            </a:r>
-          </a:p>
-        </p:txBody>
-      </p:sp>
-      <p:sp>
-        <p:nvSpPr>
-          <p:cNvPr id="127" name="TextBox 3"/>
-          <p:cNvSpPr txBox="1"/>
-          <p:nvPr/>
-        </p:nvSpPr>
-        <p:spPr>
-          <a:xfrm>
-            <a:off x="17170405" y="6626399"/>
-            <a:ext cx="351107" cy="513081"/>
-          </a:xfrm>
-          <a:prstGeom prst="rect">
-            <a:avLst/>
-          </a:prstGeom>
-          <a:ln w="25400">
-            <a:miter lim="400000"/>
-          </a:ln>
-          <a:extLst>
-            <a:ext uri="{C572A759-6A51-4108-AA02-DFA0A04FC94B}">
-              <ma14:wrappingTextBoxFlag xmlns:ma14="http://schemas.microsoft.com/office/mac/drawingml/2011/main" val="1"/>
-            </a:ext>
-          </a:extLst>
-        </p:spPr>
-        <p:txBody>
-          <a:bodyPr wrap="none" tIns="91439" bIns="91439">
-            <a:spAutoFit/>
-          </a:bodyPr>
-          <a:lstStyle>
-            <a:lvl1pPr>
-              <a:defRPr sz="2200">
-                <a:solidFill>
-                  <a:srgbClr val="002060"/>
-                </a:solidFill>
-              </a:defRPr>
-            </a:lvl1pPr>
-          </a:lstStyle>
-          <a:p>
-            <a:pPr/>
-            <a:r>
-              <a:t>X</a:t>
-            </a:r>
-          </a:p>
-        </p:txBody>
-      </p:sp>
-      <p:sp>
-        <p:nvSpPr>
-          <p:cNvPr id="128" name="Straight Arrow Connector 33"/>
-          <p:cNvSpPr/>
-          <p:nvPr/>
-        </p:nvSpPr>
-        <p:spPr>
-          <a:xfrm>
-            <a:off x="14417796" y="6331188"/>
-            <a:ext cx="2753828" cy="1"/>
-          </a:xfrm>
-          <a:prstGeom prst="line">
-            <a:avLst/>
-          </a:prstGeom>
-          <a:ln w="38100">
-            <a:solidFill>
-              <a:srgbClr val="0070C0"/>
-            </a:solidFill>
-            <a:prstDash val="sysDash"/>
-            <a:headEnd type="triangle"/>
-          </a:ln>
-        </p:spPr>
-        <p:txBody>
-          <a:bodyPr tIns="91439" bIns="91439"/>
-          <a:lstStyle/>
-          <a:p>
-            <a:pPr/>
-          </a:p>
-        </p:txBody>
-      </p:sp>
-      <p:sp>
-        <p:nvSpPr>
-          <p:cNvPr id="129" name="Straight Arrow Connector 27"/>
-          <p:cNvSpPr/>
-          <p:nvPr/>
-        </p:nvSpPr>
-        <p:spPr>
-          <a:xfrm>
-            <a:off x="14363129" y="7321661"/>
-            <a:ext cx="3871839" cy="1"/>
-          </a:xfrm>
-          <a:prstGeom prst="line">
-            <a:avLst/>
-          </a:prstGeom>
-          <a:ln w="38100">
-            <a:solidFill>
-              <a:srgbClr val="0070C0"/>
-            </a:solidFill>
-            <a:tailEnd type="triangle"/>
-          </a:ln>
-        </p:spPr>
-        <p:txBody>
-          <a:bodyPr tIns="91439" bIns="91439"/>
-          <a:lstStyle/>
-          <a:p>
-            <a:pPr/>
-          </a:p>
-        </p:txBody>
-      </p:sp>
-      <p:sp>
-        <p:nvSpPr>
-          <p:cNvPr id="130" name="Straight Arrow Connector 33"/>
-          <p:cNvSpPr/>
-          <p:nvPr/>
-        </p:nvSpPr>
-        <p:spPr>
-          <a:xfrm>
-            <a:off x="14417796" y="7881061"/>
-            <a:ext cx="4660218" cy="1"/>
-          </a:xfrm>
-          <a:prstGeom prst="line">
-            <a:avLst/>
-          </a:prstGeom>
-          <a:ln w="38100">
-            <a:solidFill>
-              <a:srgbClr val="0070C0"/>
-            </a:solidFill>
-            <a:prstDash val="sysDash"/>
-            <a:headEnd type="triangle"/>
-          </a:ln>
-        </p:spPr>
-        <p:txBody>
-          <a:bodyPr tIns="91439" bIns="91439"/>
-          <a:lstStyle/>
-          <a:p>
-            <a:pPr/>
-          </a:p>
-        </p:txBody>
-      </p:sp>
-      <p:sp>
-        <p:nvSpPr>
-          <p:cNvPr id="131" name="TextBox 79"/>
-          <p:cNvSpPr txBox="1"/>
-          <p:nvPr/>
-        </p:nvSpPr>
-        <p:spPr>
-          <a:xfrm>
-            <a:off x="14363129" y="6978015"/>
-            <a:ext cx="3696340" cy="660401"/>
-          </a:xfrm>
-          <a:prstGeom prst="rect">
-            <a:avLst/>
-          </a:prstGeom>
-          <a:ln w="25400">
-            <a:miter lim="400000"/>
-          </a:ln>
-          <a:extLst>
-            <a:ext uri="{C572A759-6A51-4108-AA02-DFA0A04FC94B}">
-              <ma14:wrappingTextBoxFlag xmlns:ma14="http://schemas.microsoft.com/office/mac/drawingml/2011/main" val="1"/>
-            </a:ext>
-          </a:extLst>
-        </p:spPr>
-        <p:txBody>
-          <a:bodyPr lIns="0" tIns="0" rIns="0" bIns="0">
-            <a:spAutoFit/>
-          </a:bodyPr>
-          <a:lstStyle>
-            <a:lvl1pPr algn="r">
-              <a:defRPr sz="2200">
-                <a:solidFill>
-                  <a:srgbClr val="0070C0"/>
-                </a:solidFill>
-              </a:defRPr>
-            </a:lvl1pPr>
-          </a:lstStyle>
-          <a:p>
-            <a:pPr/>
-            <a:r>
-              <a:t>Categories(cuisine, occasion, priceRange)</a:t>
-            </a:r>
-          </a:p>
-        </p:txBody>
-      </p:sp>
-      <p:sp>
-        <p:nvSpPr>
-          <p:cNvPr id="132" name="TextBox 79"/>
-          <p:cNvSpPr txBox="1"/>
-          <p:nvPr/>
-        </p:nvSpPr>
-        <p:spPr>
-          <a:xfrm>
-            <a:off x="11312651" y="2466666"/>
-            <a:ext cx="1519460" cy="990601"/>
-          </a:xfrm>
-          <a:prstGeom prst="rect">
-            <a:avLst/>
-          </a:prstGeom>
-          <a:ln w="25400">
-            <a:miter lim="400000"/>
-          </a:ln>
-          <a:extLst>
-            <a:ext uri="{C572A759-6A51-4108-AA02-DFA0A04FC94B}">
-              <ma14:wrappingTextBoxFlag xmlns:ma14="http://schemas.microsoft.com/office/mac/drawingml/2011/main" val="1"/>
-            </a:ext>
-          </a:extLst>
-        </p:spPr>
-        <p:txBody>
-          <a:bodyPr lIns="0" tIns="0" rIns="0" bIns="0">
-            <a:spAutoFit/>
-          </a:bodyPr>
-          <a:lstStyle>
-            <a:lvl1pPr algn="r">
-              <a:defRPr sz="2200">
-                <a:solidFill>
-                  <a:srgbClr val="0070C0"/>
-                </a:solidFill>
-              </a:defRPr>
-            </a:lvl1pPr>
-          </a:lstStyle>
-          <a:p>
-            <a:pPr/>
-            <a:r>
-              <a:t>SetCategoriesCommandParser()</a:t>
-            </a:r>
-          </a:p>
-        </p:txBody>
-      </p:sp>
-      <p:sp>
-        <p:nvSpPr>
-          <p:cNvPr id="133" name=":SetCategoriesCommand"/>
-          <p:cNvSpPr/>
-          <p:nvPr/>
-        </p:nvSpPr>
-        <p:spPr>
-          <a:xfrm>
-            <a:off x="19950228" y="8216652"/>
-            <a:ext cx="2188903" cy="891741"/>
-          </a:xfrm>
-          <a:prstGeom prst="rect">
-            <a:avLst/>
-          </a:prstGeom>
-          <a:solidFill>
-            <a:srgbClr val="306EBA"/>
-          </a:solidFill>
-          <a:ln w="50800">
-            <a:solidFill>
-              <a:srgbClr val="306EBA"/>
-            </a:solidFill>
-          </a:ln>
-          <a:extLst>
-            <a:ext uri="{C572A759-6A51-4108-AA02-DFA0A04FC94B}">
-              <ma14:wrappingTextBoxFlag xmlns:ma14="http://schemas.microsoft.com/office/mac/drawingml/2011/main" val="1"/>
-            </a:ext>
-          </a:extLst>
-        </p:spPr>
-        <p:txBody>
-          <a:bodyPr tIns="91439" bIns="91439" anchor="ctr"/>
-          <a:lstStyle>
-            <a:lvl1pPr algn="ctr">
-              <a:defRPr sz="2200">
-                <a:solidFill>
-                  <a:srgbClr val="FFFFFF"/>
-                </a:solidFill>
-                <a:latin typeface="Arial"/>
-                <a:ea typeface="Arial"/>
-                <a:cs typeface="Arial"/>
-                <a:sym typeface="Arial"/>
-              </a:defRPr>
-            </a:lvl1pPr>
-          </a:lstStyle>
-          <a:p>
-            <a:pPr/>
-            <a:r>
-              <a:t>:SetCategoriesCommand</a:t>
-            </a:r>
-          </a:p>
-        </p:txBody>
-      </p:sp>
-      <p:sp>
-        <p:nvSpPr>
-          <p:cNvPr id="134" name="Straight Arrow Connector 66"/>
-          <p:cNvSpPr/>
-          <p:nvPr/>
-        </p:nvSpPr>
-        <p:spPr>
-          <a:xfrm>
-            <a:off x="14368285" y="8662520"/>
-            <a:ext cx="5585588" cy="1"/>
-          </a:xfrm>
-          <a:prstGeom prst="line">
-            <a:avLst/>
-          </a:prstGeom>
-          <a:ln w="38100">
-            <a:solidFill>
-              <a:srgbClr val="0070C0"/>
-            </a:solidFill>
-            <a:tailEnd type="triangle"/>
-          </a:ln>
-        </p:spPr>
-        <p:txBody>
-          <a:bodyPr tIns="91439" bIns="91439"/>
-          <a:lstStyle/>
-          <a:p>
-            <a:pPr/>
-          </a:p>
-        </p:txBody>
-      </p:sp>
-      <p:sp>
-        <p:nvSpPr>
-          <p:cNvPr id="135" name="TextBox 79"/>
-          <p:cNvSpPr txBox="1"/>
-          <p:nvPr/>
-        </p:nvSpPr>
-        <p:spPr>
-          <a:xfrm>
-            <a:off x="14899735" y="8332323"/>
-            <a:ext cx="4186941" cy="330201"/>
-          </a:xfrm>
-          <a:prstGeom prst="rect">
-            <a:avLst/>
-          </a:prstGeom>
-          <a:ln w="25400">
-            <a:miter lim="400000"/>
-          </a:ln>
-          <a:extLst>
-            <a:ext uri="{C572A759-6A51-4108-AA02-DFA0A04FC94B}">
-              <ma14:wrappingTextBoxFlag xmlns:ma14="http://schemas.microsoft.com/office/mac/drawingml/2011/main" val="1"/>
-            </a:ext>
-          </a:extLst>
-        </p:spPr>
-        <p:txBody>
-          <a:bodyPr lIns="0" tIns="0" rIns="0" bIns="0">
-            <a:spAutoFit/>
-          </a:bodyPr>
-          <a:lstStyle>
-            <a:lvl1pPr algn="r">
-              <a:defRPr sz="2200">
-                <a:solidFill>
-                  <a:srgbClr val="0070C0"/>
-                </a:solidFill>
-              </a:defRPr>
-            </a:lvl1pPr>
-          </a:lstStyle>
-          <a:p>
-            <a:pPr/>
-            <a:r>
-              <a:t>SetCategoriesCommand(index, c)</a:t>
-            </a:r>
-          </a:p>
-        </p:txBody>
-      </p:sp>
-      <p:sp>
-        <p:nvSpPr>
-          <p:cNvPr id="136" name="TextBox 79"/>
-          <p:cNvSpPr txBox="1"/>
-          <p:nvPr/>
-        </p:nvSpPr>
-        <p:spPr>
-          <a:xfrm>
-            <a:off x="15450667" y="7498694"/>
-            <a:ext cx="688087" cy="330201"/>
-          </a:xfrm>
-          <a:prstGeom prst="rect">
-            <a:avLst/>
-          </a:prstGeom>
-          <a:ln w="25400">
-            <a:miter lim="400000"/>
-          </a:ln>
-          <a:extLst>
-            <a:ext uri="{C572A759-6A51-4108-AA02-DFA0A04FC94B}">
-              <ma14:wrappingTextBoxFlag xmlns:ma14="http://schemas.microsoft.com/office/mac/drawingml/2011/main" val="1"/>
-            </a:ext>
-          </a:extLst>
-        </p:spPr>
-        <p:txBody>
-          <a:bodyPr lIns="0" tIns="0" rIns="0" bIns="0">
-            <a:spAutoFit/>
-          </a:bodyPr>
-          <a:lstStyle>
-            <a:lvl1pPr algn="r">
-              <a:defRPr sz="2200">
-                <a:solidFill>
-                  <a:srgbClr val="0070C0"/>
-                </a:solidFill>
-              </a:defRPr>
-            </a:lvl1pPr>
-          </a:lstStyle>
-          <a:p>
-            <a:pPr/>
-            <a:r>
-              <a:t>c</a:t>
-            </a:r>
-          </a:p>
-        </p:txBody>
-      </p:sp>
-      <p:sp>
-        <p:nvSpPr>
-          <p:cNvPr id="137" name="Straight Connector 16"/>
-          <p:cNvSpPr/>
-          <p:nvPr/>
-        </p:nvSpPr>
-        <p:spPr>
-          <a:xfrm>
-            <a:off x="19131557" y="7114546"/>
-            <a:ext cx="1" cy="990601"/>
-          </a:xfrm>
-          <a:prstGeom prst="line">
-            <a:avLst/>
-          </a:prstGeom>
-          <a:gradFill>
-            <a:gsLst>
-              <a:gs pos="0">
-                <a:schemeClr val="accent1">
-                  <a:hueOff val="357503"/>
-                  <a:satOff val="54545"/>
-                  <a:lumOff val="29273"/>
-                </a:schemeClr>
-              </a:gs>
-              <a:gs pos="35000">
-                <a:srgbClr val="BDD4FF"/>
-              </a:gs>
-              <a:gs pos="100000">
-                <a:schemeClr val="accent1">
-                  <a:hueOff val="418253"/>
-                  <a:satOff val="54545"/>
-                  <a:lumOff val="42493"/>
-                </a:schemeClr>
-              </a:gs>
-            </a:gsLst>
-            <a:lin ang="16200000"/>
-          </a:gradFill>
-          <a:ln w="38100">
-            <a:solidFill>
-              <a:srgbClr val="0070C0"/>
-            </a:solidFill>
-            <a:prstDash val="sysDash"/>
-          </a:ln>
-        </p:spPr>
-        <p:txBody>
-          <a:bodyPr tIns="91439" bIns="91439"/>
-          <a:lstStyle/>
-          <a:p>
-            <a:pPr/>
-          </a:p>
-        </p:txBody>
-      </p:sp>
-      <p:sp>
-        <p:nvSpPr>
-          <p:cNvPr id="138" name="TextBox 3"/>
-          <p:cNvSpPr txBox="1"/>
-          <p:nvPr/>
-        </p:nvSpPr>
-        <p:spPr>
-          <a:xfrm>
-            <a:off x="18956003" y="7976492"/>
-            <a:ext cx="351107" cy="513081"/>
-          </a:xfrm>
-          <a:prstGeom prst="rect">
-            <a:avLst/>
-          </a:prstGeom>
-          <a:ln w="25400">
-            <a:miter lim="400000"/>
-          </a:ln>
-          <a:extLst>
-            <a:ext uri="{C572A759-6A51-4108-AA02-DFA0A04FC94B}">
-              <ma14:wrappingTextBoxFlag xmlns:ma14="http://schemas.microsoft.com/office/mac/drawingml/2011/main" val="1"/>
-            </a:ext>
-          </a:extLst>
-        </p:spPr>
-        <p:txBody>
-          <a:bodyPr wrap="none" tIns="91439" bIns="91439">
-            <a:spAutoFit/>
-          </a:bodyPr>
-          <a:lstStyle>
-            <a:lvl1pPr>
-              <a:defRPr sz="2200">
-                <a:solidFill>
-                  <a:srgbClr val="002060"/>
-                </a:solidFill>
-              </a:defRPr>
-            </a:lvl1pPr>
-          </a:lstStyle>
-          <a:p>
-            <a:pPr/>
-            <a:r>
-              <a:t>X</a:t>
-            </a:r>
-          </a:p>
-        </p:txBody>
-      </p:sp>
-      <p:sp>
-        <p:nvSpPr>
-          <p:cNvPr id="139" name=":Categories"/>
-          <p:cNvSpPr/>
-          <p:nvPr/>
-        </p:nvSpPr>
-        <p:spPr>
-          <a:xfrm>
-            <a:off x="18255351" y="6997450"/>
-            <a:ext cx="1752412" cy="621531"/>
-          </a:xfrm>
-          <a:prstGeom prst="rect">
-            <a:avLst/>
-          </a:prstGeom>
-          <a:solidFill>
-            <a:srgbClr val="306EBA"/>
-          </a:solidFill>
-          <a:ln w="50800">
-            <a:solidFill>
-              <a:srgbClr val="306EBA"/>
-            </a:solidFill>
-          </a:ln>
-          <a:extLst>
-            <a:ext uri="{C572A759-6A51-4108-AA02-DFA0A04FC94B}">
-              <ma14:wrappingTextBoxFlag xmlns:ma14="http://schemas.microsoft.com/office/mac/drawingml/2011/main" val="1"/>
-            </a:ext>
-          </a:extLst>
-        </p:spPr>
-        <p:txBody>
-          <a:bodyPr tIns="91439" bIns="91439" anchor="ctr"/>
-          <a:lstStyle>
-            <a:lvl1pPr algn="ctr">
-              <a:defRPr sz="2200">
-                <a:solidFill>
-                  <a:srgbClr val="FFFFFF"/>
-                </a:solidFill>
-                <a:latin typeface="Arial"/>
-                <a:ea typeface="Arial"/>
-                <a:cs typeface="Arial"/>
-                <a:sym typeface="Arial"/>
-              </a:defRPr>
-            </a:lvl1pPr>
-          </a:lstStyle>
-          <a:p>
-            <a:pPr/>
-            <a:r>
-              <a:t>:Categories</a:t>
-            </a:r>
-          </a:p>
-        </p:txBody>
-      </p:sp>
-      <p:sp>
-        <p:nvSpPr>
-          <p:cNvPr id="140" name="Straight Arrow Connector 33"/>
-          <p:cNvSpPr/>
-          <p:nvPr/>
-        </p:nvSpPr>
-        <p:spPr>
-          <a:xfrm>
-            <a:off x="14417796" y="9405534"/>
-            <a:ext cx="6518903" cy="1"/>
-          </a:xfrm>
-          <a:prstGeom prst="line">
-            <a:avLst/>
-          </a:prstGeom>
-          <a:ln w="38100">
-            <a:solidFill>
-              <a:srgbClr val="0070C0"/>
-            </a:solidFill>
-            <a:prstDash val="sysDash"/>
-            <a:headEnd type="triangle"/>
-          </a:ln>
-        </p:spPr>
-        <p:txBody>
-          <a:bodyPr tIns="91439" bIns="91439"/>
-          <a:lstStyle/>
-          <a:p>
-            <a:pPr/>
-          </a:p>
-        </p:txBody>
-      </p:sp>
-      <p:sp>
-        <p:nvSpPr>
-          <p:cNvPr id="141" name="Straight Connector 16"/>
-          <p:cNvSpPr/>
-          <p:nvPr/>
-        </p:nvSpPr>
-        <p:spPr>
-          <a:xfrm>
-            <a:off x="21044679" y="9300755"/>
-            <a:ext cx="1" cy="3368364"/>
-          </a:xfrm>
-          <a:prstGeom prst="line">
-            <a:avLst/>
-          </a:prstGeom>
-          <a:gradFill>
-            <a:gsLst>
-              <a:gs pos="0">
-                <a:schemeClr val="accent1">
-                  <a:hueOff val="357503"/>
-                  <a:satOff val="54545"/>
-                  <a:lumOff val="29273"/>
-                </a:schemeClr>
-              </a:gs>
-              <a:gs pos="35000">
-                <a:srgbClr val="BDD4FF"/>
-              </a:gs>
-              <a:gs pos="100000">
-                <a:schemeClr val="accent1">
-                  <a:hueOff val="418253"/>
-                  <a:satOff val="54545"/>
-                  <a:lumOff val="42493"/>
-                </a:schemeClr>
-              </a:gs>
-            </a:gsLst>
-            <a:lin ang="16200000"/>
-          </a:gradFill>
-          <a:ln w="38100">
-            <a:solidFill>
-              <a:srgbClr val="0070C0"/>
-            </a:solidFill>
-            <a:prstDash val="sysDash"/>
-          </a:ln>
-        </p:spPr>
-        <p:txBody>
-          <a:bodyPr tIns="91439" bIns="91439"/>
-          <a:lstStyle/>
-          <a:p>
-            <a:pPr/>
-          </a:p>
-        </p:txBody>
-      </p:sp>
-      <p:sp>
-        <p:nvSpPr>
-          <p:cNvPr id="142" name="Straight Connector 16"/>
-          <p:cNvSpPr/>
-          <p:nvPr/>
-        </p:nvSpPr>
-        <p:spPr>
-          <a:xfrm>
-            <a:off x="14229657" y="3221533"/>
-            <a:ext cx="1" cy="6621979"/>
-          </a:xfrm>
-          <a:prstGeom prst="line">
-            <a:avLst/>
-          </a:prstGeom>
-          <a:gradFill>
-            <a:gsLst>
-              <a:gs pos="0">
-                <a:schemeClr val="accent1">
-                  <a:hueOff val="357503"/>
-                  <a:satOff val="54545"/>
-                  <a:lumOff val="29273"/>
-                </a:schemeClr>
-              </a:gs>
-              <a:gs pos="35000">
-                <a:srgbClr val="BDD4FF"/>
-              </a:gs>
-              <a:gs pos="100000">
-                <a:schemeClr val="accent1">
-                  <a:hueOff val="418253"/>
-                  <a:satOff val="54545"/>
-                  <a:lumOff val="42493"/>
-                </a:schemeClr>
-              </a:gs>
-            </a:gsLst>
-            <a:lin ang="16200000"/>
-          </a:gradFill>
-          <a:ln w="38100">
-            <a:solidFill>
-              <a:srgbClr val="0070C0"/>
-            </a:solidFill>
-            <a:prstDash val="sysDash"/>
-          </a:ln>
-        </p:spPr>
-        <p:txBody>
-          <a:bodyPr tIns="91439" bIns="91439"/>
-          <a:lstStyle/>
-          <a:p>
-            <a:pPr/>
-          </a:p>
-        </p:txBody>
-      </p:sp>
-      <p:sp>
-        <p:nvSpPr>
-          <p:cNvPr id="143" name="TextBox 3"/>
-          <p:cNvSpPr txBox="1"/>
-          <p:nvPr/>
-        </p:nvSpPr>
-        <p:spPr>
-          <a:xfrm>
-            <a:off x="14072864" y="9769231"/>
-            <a:ext cx="351106" cy="513081"/>
-          </a:xfrm>
-          <a:prstGeom prst="rect">
-            <a:avLst/>
-          </a:prstGeom>
-          <a:ln w="25400">
-            <a:miter lim="400000"/>
-          </a:ln>
-          <a:extLst>
-            <a:ext uri="{C572A759-6A51-4108-AA02-DFA0A04FC94B}">
-              <ma14:wrappingTextBoxFlag xmlns:ma14="http://schemas.microsoft.com/office/mac/drawingml/2011/main" val="1"/>
-            </a:ext>
-          </a:extLst>
-        </p:spPr>
-        <p:txBody>
-          <a:bodyPr wrap="none" tIns="91439" bIns="91439">
-            <a:spAutoFit/>
-          </a:bodyPr>
-          <a:lstStyle>
-            <a:lvl1pPr>
-              <a:defRPr sz="2200">
-                <a:solidFill>
-                  <a:srgbClr val="002060"/>
-                </a:solidFill>
-              </a:defRPr>
-            </a:lvl1pPr>
-          </a:lstStyle>
-          <a:p>
-            <a:pPr/>
-            <a:r>
-              <a:t>X</a:t>
-            </a:r>
-          </a:p>
-        </p:txBody>
-      </p:sp>
-      <p:sp>
-        <p:nvSpPr>
-          <p:cNvPr id="144" name="Straight Arrow Connector 33"/>
-          <p:cNvSpPr/>
-          <p:nvPr/>
-        </p:nvSpPr>
-        <p:spPr>
-          <a:xfrm>
-            <a:off x="11304672" y="9541236"/>
-            <a:ext cx="2943746" cy="1"/>
-          </a:xfrm>
-          <a:prstGeom prst="line">
-            <a:avLst/>
-          </a:prstGeom>
-          <a:ln w="38100">
-            <a:solidFill>
-              <a:srgbClr val="0070C0"/>
-            </a:solidFill>
-            <a:prstDash val="sysDash"/>
-            <a:headEnd type="triangle"/>
-          </a:ln>
-        </p:spPr>
-        <p:txBody>
-          <a:bodyPr tIns="91439" bIns="91439"/>
-          <a:lstStyle/>
-          <a:p>
-            <a:pPr/>
-          </a:p>
-        </p:txBody>
-      </p:sp>
-      <p:sp>
-        <p:nvSpPr>
-          <p:cNvPr id="145" name="Straight Arrow Connector 33"/>
-          <p:cNvSpPr/>
-          <p:nvPr/>
-        </p:nvSpPr>
-        <p:spPr>
-          <a:xfrm>
-            <a:off x="6434656" y="9676938"/>
-            <a:ext cx="4484500" cy="1"/>
-          </a:xfrm>
-          <a:prstGeom prst="line">
-            <a:avLst/>
-          </a:prstGeom>
-          <a:ln w="38100">
-            <a:solidFill>
-              <a:srgbClr val="0070C0"/>
-            </a:solidFill>
-            <a:prstDash val="sysDash"/>
-            <a:headEnd type="triangle"/>
-          </a:ln>
-        </p:spPr>
-        <p:txBody>
-          <a:bodyPr tIns="91439" bIns="91439"/>
-          <a:lstStyle/>
-          <a:p>
-            <a:pPr/>
-          </a:p>
-        </p:txBody>
-      </p:sp>
-      <p:sp>
-        <p:nvSpPr>
-          <p:cNvPr id="146" name="TextBox 3"/>
-          <p:cNvSpPr txBox="1"/>
-          <p:nvPr/>
-        </p:nvSpPr>
-        <p:spPr>
-          <a:xfrm>
-            <a:off x="10940980" y="9769971"/>
-            <a:ext cx="351106" cy="513081"/>
-          </a:xfrm>
-          <a:prstGeom prst="rect">
-            <a:avLst/>
-          </a:prstGeom>
-          <a:ln w="25400">
-            <a:miter lim="400000"/>
-          </a:ln>
-          <a:extLst>
-            <a:ext uri="{C572A759-6A51-4108-AA02-DFA0A04FC94B}">
-              <ma14:wrappingTextBoxFlag xmlns:ma14="http://schemas.microsoft.com/office/mac/drawingml/2011/main" val="1"/>
-            </a:ext>
-          </a:extLst>
-        </p:spPr>
-        <p:txBody>
-          <a:bodyPr wrap="none" tIns="91439" bIns="91439">
-            <a:spAutoFit/>
-          </a:bodyPr>
-          <a:lstStyle>
-            <a:lvl1pPr>
-              <a:defRPr sz="2200">
-                <a:solidFill>
-                  <a:srgbClr val="002060"/>
-                </a:solidFill>
-              </a:defRPr>
-            </a:lvl1pPr>
-          </a:lstStyle>
-          <a:p>
-            <a:pPr/>
-            <a:r>
-              <a:t>X</a:t>
-            </a:r>
-          </a:p>
-        </p:txBody>
-      </p:sp>
-      <p:sp>
-        <p:nvSpPr>
-          <p:cNvPr id="147" name="Straight Arrow Connector 66"/>
-          <p:cNvSpPr/>
-          <p:nvPr/>
-        </p:nvSpPr>
-        <p:spPr>
-          <a:xfrm>
-            <a:off x="6387644" y="10441234"/>
-            <a:ext cx="14468577" cy="1"/>
-          </a:xfrm>
-          <a:prstGeom prst="line">
-            <a:avLst/>
-          </a:prstGeom>
-          <a:ln w="38100">
-            <a:solidFill>
-              <a:srgbClr val="0070C0"/>
-            </a:solidFill>
-            <a:tailEnd type="triangle"/>
-          </a:ln>
-        </p:spPr>
-        <p:txBody>
-          <a:bodyPr tIns="91439" bIns="91439"/>
-          <a:lstStyle/>
-          <a:p>
-            <a:pPr/>
-          </a:p>
-        </p:txBody>
-      </p:sp>
-      <p:sp>
-        <p:nvSpPr>
-          <p:cNvPr id="148" name="Rectangle 20"/>
-          <p:cNvSpPr/>
-          <p:nvPr/>
-        </p:nvSpPr>
-        <p:spPr>
-          <a:xfrm>
-            <a:off x="20883357" y="10422556"/>
-            <a:ext cx="322645" cy="2049056"/>
-          </a:xfrm>
-          <a:prstGeom prst="rect">
-            <a:avLst/>
-          </a:prstGeom>
-          <a:solidFill>
-            <a:srgbClr val="0070C0"/>
-          </a:solidFill>
-          <a:ln w="12700">
-            <a:solidFill>
-              <a:srgbClr val="0070C0"/>
-            </a:solidFill>
-          </a:ln>
-        </p:spPr>
-        <p:txBody>
-          <a:bodyPr tIns="91439" bIns="91439" anchor="ctr"/>
-          <a:lstStyle/>
-          <a:p>
-            <a:pPr algn="ctr">
-              <a:defRPr sz="2800"/>
-            </a:pPr>
-          </a:p>
-        </p:txBody>
-      </p:sp>
-      <p:sp>
-        <p:nvSpPr>
-          <p:cNvPr id="149" name="TextBox 79"/>
-          <p:cNvSpPr txBox="1"/>
-          <p:nvPr/>
-        </p:nvSpPr>
-        <p:spPr>
-          <a:xfrm>
-            <a:off x="10966169" y="10112923"/>
-            <a:ext cx="4186942" cy="330201"/>
-          </a:xfrm>
-          <a:prstGeom prst="rect">
-            <a:avLst/>
-          </a:prstGeom>
-          <a:ln w="25400">
-            <a:miter lim="400000"/>
-          </a:ln>
-          <a:extLst>
-            <a:ext uri="{C572A759-6A51-4108-AA02-DFA0A04FC94B}">
-              <ma14:wrappingTextBoxFlag xmlns:ma14="http://schemas.microsoft.com/office/mac/drawingml/2011/main" val="1"/>
-            </a:ext>
-          </a:extLst>
-        </p:spPr>
-        <p:txBody>
-          <a:bodyPr lIns="0" tIns="0" rIns="0" bIns="0">
-            <a:spAutoFit/>
-          </a:bodyPr>
-          <a:lstStyle>
-            <a:lvl1pPr algn="r">
-              <a:defRPr sz="2200">
-                <a:solidFill>
-                  <a:srgbClr val="0070C0"/>
-                </a:solidFill>
-              </a:defRPr>
-            </a:lvl1pPr>
-          </a:lstStyle>
-          <a:p>
-            <a:pPr/>
-            <a:r>
-              <a:t>execute(model, history)</a:t>
-            </a:r>
-          </a:p>
-        </p:txBody>
-      </p:sp>
-      <p:sp>
-        <p:nvSpPr>
-          <p:cNvPr id="150" name="Straight Arrow Connector 33"/>
-          <p:cNvSpPr/>
-          <p:nvPr/>
-        </p:nvSpPr>
-        <p:spPr>
-          <a:xfrm>
-            <a:off x="6435725" y="12436677"/>
-            <a:ext cx="14430170" cy="1"/>
-          </a:xfrm>
-          <a:prstGeom prst="line">
-            <a:avLst/>
-          </a:prstGeom>
-          <a:ln w="38100">
-            <a:solidFill>
-              <a:srgbClr val="0070C0"/>
-            </a:solidFill>
-            <a:prstDash val="sysDash"/>
-            <a:headEnd type="triangle"/>
-          </a:ln>
-        </p:spPr>
-        <p:txBody>
-          <a:bodyPr tIns="91439" bIns="91439"/>
-          <a:lstStyle/>
-          <a:p>
-            <a:pPr/>
-          </a:p>
-        </p:txBody>
-      </p:sp>
-      <p:sp>
-        <p:nvSpPr>
-          <p:cNvPr id="151" name="TextBox 79"/>
-          <p:cNvSpPr txBox="1"/>
-          <p:nvPr/>
-        </p:nvSpPr>
-        <p:spPr>
-          <a:xfrm>
-            <a:off x="9632303" y="12115169"/>
-            <a:ext cx="4186942" cy="330201"/>
-          </a:xfrm>
-          <a:prstGeom prst="rect">
-            <a:avLst/>
-          </a:prstGeom>
-          <a:ln w="25400">
-            <a:miter lim="400000"/>
-          </a:ln>
-          <a:extLst>
-            <a:ext uri="{C572A759-6A51-4108-AA02-DFA0A04FC94B}">
-              <ma14:wrappingTextBoxFlag xmlns:ma14="http://schemas.microsoft.com/office/mac/drawingml/2011/main" val="1"/>
-            </a:ext>
-          </a:extLst>
-        </p:spPr>
-        <p:txBody>
-          <a:bodyPr lIns="0" tIns="0" rIns="0" bIns="0">
-            <a:spAutoFit/>
-          </a:bodyPr>
-          <a:lstStyle>
-            <a:lvl1pPr algn="r">
-              <a:defRPr sz="2200">
-                <a:solidFill>
-                  <a:srgbClr val="0070C0"/>
-                </a:solidFill>
-              </a:defRPr>
-            </a:lvl1pPr>
-          </a:lstStyle>
-          <a:p>
-            <a:pPr/>
-            <a:r>
-              <a:t>result</a:t>
-            </a:r>
-          </a:p>
-        </p:txBody>
-      </p:sp>
-      <p:sp>
-        <p:nvSpPr>
-          <p:cNvPr id="152" name="TextBox 79"/>
-          <p:cNvSpPr txBox="1"/>
-          <p:nvPr/>
-        </p:nvSpPr>
-        <p:spPr>
-          <a:xfrm>
-            <a:off x="1422757" y="12458786"/>
-            <a:ext cx="4186942" cy="330201"/>
-          </a:xfrm>
-          <a:prstGeom prst="rect">
-            <a:avLst/>
-          </a:prstGeom>
-          <a:ln w="25400">
-            <a:miter lim="400000"/>
-          </a:ln>
-          <a:extLst>
-            <a:ext uri="{C572A759-6A51-4108-AA02-DFA0A04FC94B}">
-              <ma14:wrappingTextBoxFlag xmlns:ma14="http://schemas.microsoft.com/office/mac/drawingml/2011/main" val="1"/>
-            </a:ext>
-          </a:extLst>
-        </p:spPr>
-        <p:txBody>
-          <a:bodyPr lIns="0" tIns="0" rIns="0" bIns="0">
-            <a:spAutoFit/>
-          </a:bodyPr>
-          <a:lstStyle>
-            <a:lvl1pPr algn="r">
-              <a:defRPr sz="2200">
-                <a:solidFill>
-                  <a:srgbClr val="0070C0"/>
-                </a:solidFill>
-              </a:defRPr>
-            </a:lvl1pPr>
-          </a:lstStyle>
-          <a:p>
-            <a:pPr/>
-            <a:r>
-              <a:t>result</a:t>
-            </a:r>
-          </a:p>
-        </p:txBody>
-      </p:sp>
-      <p:sp>
-        <p:nvSpPr>
-          <p:cNvPr id="153" name="TextBox 3"/>
-          <p:cNvSpPr txBox="1"/>
-          <p:nvPr/>
-        </p:nvSpPr>
-        <p:spPr>
-          <a:xfrm>
-            <a:off x="20869126" y="12599505"/>
-            <a:ext cx="351107" cy="513081"/>
-          </a:xfrm>
-          <a:prstGeom prst="rect">
-            <a:avLst/>
-          </a:prstGeom>
-          <a:ln w="25400">
-            <a:miter lim="400000"/>
-          </a:ln>
-          <a:extLst>
-            <a:ext uri="{C572A759-6A51-4108-AA02-DFA0A04FC94B}">
-              <ma14:wrappingTextBoxFlag xmlns:ma14="http://schemas.microsoft.com/office/mac/drawingml/2011/main" val="1"/>
-            </a:ext>
-          </a:extLst>
-        </p:spPr>
-        <p:txBody>
-          <a:bodyPr wrap="none" tIns="91439" bIns="91439">
-            <a:spAutoFit/>
-          </a:bodyPr>
-          <a:lstStyle>
-            <a:lvl1pPr>
-              <a:defRPr sz="2200">
-                <a:solidFill>
-                  <a:srgbClr val="002060"/>
-                </a:solidFill>
-              </a:defRPr>
-            </a:lvl1pPr>
-          </a:lstStyle>
-          <a:p>
-            <a:pPr/>
-            <a:r>
-              <a:t>X</a:t>
-            </a:r>
-          </a:p>
-        </p:txBody>
-      </p:sp>
+                <a:prstDash val="solid"/>
+                <a:round/>
+              </a:ln>
+              <a:effectLst/>
+            </p:spPr>
+            <p:txBody>
+              <a:bodyPr wrap="square" lIns="91438" tIns="91438" rIns="91438" bIns="91438" numCol="1" anchor="ctr">
+                <a:noAutofit/>
+              </a:bodyPr>
+              <a:lstStyle/>
+              <a:p>
+                <a:pPr algn="ctr">
+                  <a:defRPr sz="2200">
+                    <a:solidFill>
+                      <a:srgbClr val="FFFFFF"/>
+                    </a:solidFill>
+                    <a:latin typeface="Arial"/>
+                    <a:ea typeface="Arial"/>
+                    <a:cs typeface="Arial"/>
+                    <a:sym typeface="Arial"/>
+                  </a:defRPr>
+                </a:pPr>
+              </a:p>
+            </p:txBody>
+          </p:sp>
+          <p:sp>
+            <p:nvSpPr>
+              <p:cNvPr id="161" name=":LogicManager"/>
+              <p:cNvSpPr txBox="1"/>
+              <p:nvPr/>
+            </p:nvSpPr>
+            <p:spPr>
+              <a:xfrm>
+                <a:off x="0" y="27431"/>
+                <a:ext cx="2188904" cy="503939"/>
+              </a:xfrm>
+              <a:prstGeom prst="rect">
+                <a:avLst/>
+              </a:prstGeom>
+              <a:noFill/>
+              <a:ln w="12700" cap="flat">
+                <a:noFill/>
+                <a:miter lim="400000"/>
+              </a:ln>
+              <a:effectLst/>
+              <a:extLst>
+                <a:ext uri="{C572A759-6A51-4108-AA02-DFA0A04FC94B}">
+                  <ma14:wrappingTextBoxFlag xmlns:ma14="http://schemas.microsoft.com/office/mac/drawingml/2011/main" val="1"/>
+                </a:ext>
+              </a:extLst>
+            </p:spPr>
+            <p:txBody>
+              <a:bodyPr wrap="square" lIns="91438" tIns="91438" rIns="91438" bIns="91438" numCol="1" anchor="ctr">
+                <a:spAutoFit/>
+              </a:bodyPr>
+              <a:lstStyle>
+                <a:lvl1pPr algn="ctr">
+                  <a:defRPr sz="2200">
+                    <a:solidFill>
+                      <a:srgbClr val="FFFFFF"/>
+                    </a:solidFill>
+                    <a:latin typeface="Arial"/>
+                    <a:ea typeface="Arial"/>
+                    <a:cs typeface="Arial"/>
+                    <a:sym typeface="Arial"/>
+                  </a:defRPr>
+                </a:lvl1pPr>
+              </a:lstStyle>
+              <a:p>
+                <a:pPr/>
+                <a:r>
+                  <a:t>:LogicManager</a:t>
+                </a:r>
+              </a:p>
+            </p:txBody>
+          </p:sp>
+        </p:grpSp>
+        <p:sp>
+          <p:nvSpPr>
+            <p:cNvPr id="163" name="TextBox 79"/>
+            <p:cNvSpPr txBox="1"/>
+            <p:nvPr/>
+          </p:nvSpPr>
+          <p:spPr>
+            <a:xfrm>
+              <a:off x="29451" y="12229497"/>
+              <a:ext cx="4186943" cy="330201"/>
+            </a:xfrm>
+            <a:prstGeom prst="rect">
+              <a:avLst/>
+            </a:prstGeom>
+            <a:noFill/>
+            <a:ln w="12700" cap="flat">
+              <a:noFill/>
+              <a:miter lim="400000"/>
+            </a:ln>
+            <a:effectLst/>
+            <a:extLst>
+              <a:ext uri="{C572A759-6A51-4108-AA02-DFA0A04FC94B}">
+                <ma14:wrappingTextBoxFlag xmlns:ma14="http://schemas.microsoft.com/office/mac/drawingml/2011/main" val="1"/>
+              </a:ext>
+            </a:extLst>
+          </p:spPr>
+          <p:txBody>
+            <a:bodyPr wrap="square" lIns="0" tIns="0" rIns="0" bIns="0" numCol="1" anchor="t">
+              <a:spAutoFit/>
+            </a:bodyPr>
+            <a:lstStyle>
+              <a:lvl1pPr algn="r">
+                <a:defRPr sz="2200">
+                  <a:solidFill>
+                    <a:srgbClr val="0070C0"/>
+                  </a:solidFill>
+                  <a:latin typeface="+mj-lt"/>
+                  <a:ea typeface="+mj-ea"/>
+                  <a:cs typeface="+mj-cs"/>
+                  <a:sym typeface="Calibri"/>
+                </a:defRPr>
+              </a:lvl1pPr>
+            </a:lstStyle>
+            <a:p>
+              <a:pPr/>
+              <a:r>
+                <a:t>result</a:t>
+              </a:r>
+            </a:p>
+          </p:txBody>
+        </p:sp>
+        <p:sp>
+          <p:nvSpPr>
+            <p:cNvPr id="164" name="TextBox 3"/>
+            <p:cNvSpPr txBox="1"/>
+            <p:nvPr/>
+          </p:nvSpPr>
+          <p:spPr>
+            <a:xfrm>
+              <a:off x="22001472" y="12370217"/>
+              <a:ext cx="351104" cy="513079"/>
+            </a:xfrm>
+            <a:prstGeom prst="rect">
+              <a:avLst/>
+            </a:prstGeom>
+            <a:noFill/>
+            <a:ln w="12700" cap="flat">
+              <a:noFill/>
+              <a:miter lim="400000"/>
+            </a:ln>
+            <a:effectLst/>
+            <a:extLst>
+              <a:ext uri="{C572A759-6A51-4108-AA02-DFA0A04FC94B}">
+                <ma14:wrappingTextBoxFlag xmlns:ma14="http://schemas.microsoft.com/office/mac/drawingml/2011/main" val="1"/>
+              </a:ext>
+            </a:extLst>
+          </p:spPr>
+          <p:txBody>
+            <a:bodyPr wrap="none" lIns="91438" tIns="91438" rIns="91438" bIns="91438" numCol="1" anchor="t">
+              <a:spAutoFit/>
+            </a:bodyPr>
+            <a:lstStyle>
+              <a:lvl1pPr>
+                <a:defRPr sz="2200">
+                  <a:solidFill>
+                    <a:srgbClr val="002060"/>
+                  </a:solidFill>
+                  <a:latin typeface="+mj-lt"/>
+                  <a:ea typeface="+mj-ea"/>
+                  <a:cs typeface="+mj-cs"/>
+                  <a:sym typeface="Calibri"/>
+                </a:defRPr>
+              </a:lvl1pPr>
+            </a:lstStyle>
+            <a:p>
+              <a:pPr/>
+              <a:r>
+                <a:t>X</a:t>
+              </a:r>
+            </a:p>
+          </p:txBody>
+        </p:sp>
+        <p:sp>
+          <p:nvSpPr>
+            <p:cNvPr id="165" name="Straight Arrow Connector 33"/>
+            <p:cNvSpPr/>
+            <p:nvPr/>
+          </p:nvSpPr>
+          <p:spPr>
+            <a:xfrm>
+              <a:off x="15618356" y="4394646"/>
+              <a:ext cx="4580852" cy="1"/>
+            </a:xfrm>
+            <a:prstGeom prst="line">
+              <a:avLst/>
+            </a:prstGeom>
+            <a:noFill/>
+            <a:ln w="38100" cap="flat">
+              <a:solidFill>
+                <a:srgbClr val="0070C0"/>
+              </a:solidFill>
+              <a:prstDash val="sysDash"/>
+              <a:round/>
+              <a:headEnd type="triangle" w="med" len="med"/>
+            </a:ln>
+            <a:effectLst/>
+          </p:spPr>
+          <p:txBody>
+            <a:bodyPr wrap="square" lIns="45718" tIns="45718" rIns="45718" bIns="45718" numCol="1" anchor="t">
+              <a:noAutofit/>
+            </a:bodyPr>
+            <a:lstStyle/>
+            <a:p>
+              <a:pPr/>
+            </a:p>
+          </p:txBody>
+        </p:sp>
+        <p:sp>
+          <p:nvSpPr>
+            <p:cNvPr id="166" name="Straight Arrow Connector 33"/>
+            <p:cNvSpPr/>
+            <p:nvPr/>
+          </p:nvSpPr>
+          <p:spPr>
+            <a:xfrm>
+              <a:off x="15599839" y="5177806"/>
+              <a:ext cx="4599369" cy="1"/>
+            </a:xfrm>
+            <a:prstGeom prst="line">
+              <a:avLst/>
+            </a:prstGeom>
+            <a:noFill/>
+            <a:ln w="38100" cap="flat">
+              <a:solidFill>
+                <a:srgbClr val="0070C0"/>
+              </a:solidFill>
+              <a:prstDash val="sysDash"/>
+              <a:round/>
+              <a:headEnd type="triangle" w="med" len="med"/>
+            </a:ln>
+            <a:effectLst/>
+          </p:spPr>
+          <p:txBody>
+            <a:bodyPr wrap="square" lIns="45718" tIns="45718" rIns="45718" bIns="45718" numCol="1" anchor="t">
+              <a:noAutofit/>
+            </a:bodyPr>
+            <a:lstStyle/>
+            <a:p>
+              <a:pPr/>
+            </a:p>
+          </p:txBody>
+        </p:sp>
+        <p:sp>
+          <p:nvSpPr>
+            <p:cNvPr id="167" name="Straight Arrow Connector 33"/>
+            <p:cNvSpPr/>
+            <p:nvPr/>
+          </p:nvSpPr>
+          <p:spPr>
+            <a:xfrm>
+              <a:off x="15600760" y="5930784"/>
+              <a:ext cx="4597527" cy="1"/>
+            </a:xfrm>
+            <a:prstGeom prst="line">
+              <a:avLst/>
+            </a:prstGeom>
+            <a:noFill/>
+            <a:ln w="38100" cap="flat">
+              <a:solidFill>
+                <a:srgbClr val="0070C0"/>
+              </a:solidFill>
+              <a:prstDash val="sysDash"/>
+              <a:round/>
+              <a:headEnd type="triangle" w="med" len="med"/>
+            </a:ln>
+            <a:effectLst/>
+          </p:spPr>
+          <p:txBody>
+            <a:bodyPr wrap="square" lIns="45718" tIns="45718" rIns="45718" bIns="45718" numCol="1" anchor="t">
+              <a:noAutofit/>
+            </a:bodyPr>
+            <a:lstStyle/>
+            <a:p>
+              <a:pPr/>
+            </a:p>
+          </p:txBody>
+        </p:sp>
+        <p:sp>
+          <p:nvSpPr>
+            <p:cNvPr id="168" name="TextBox 79"/>
+            <p:cNvSpPr txBox="1"/>
+            <p:nvPr/>
+          </p:nvSpPr>
+          <p:spPr>
+            <a:xfrm>
+              <a:off x="15933507" y="6437696"/>
+              <a:ext cx="2791557" cy="330201"/>
+            </a:xfrm>
+            <a:prstGeom prst="rect">
+              <a:avLst/>
+            </a:prstGeom>
+            <a:noFill/>
+            <a:ln w="12700" cap="flat">
+              <a:noFill/>
+              <a:miter lim="400000"/>
+            </a:ln>
+            <a:effectLst/>
+            <a:extLst>
+              <a:ext uri="{C572A759-6A51-4108-AA02-DFA0A04FC94B}">
+                <ma14:wrappingTextBoxFlag xmlns:ma14="http://schemas.microsoft.com/office/mac/drawingml/2011/main" val="1"/>
+              </a:ext>
+            </a:extLst>
+          </p:spPr>
+          <p:txBody>
+            <a:bodyPr wrap="square" lIns="0" tIns="0" rIns="0" bIns="0" numCol="1" anchor="t">
+              <a:spAutoFit/>
+            </a:bodyPr>
+            <a:lstStyle>
+              <a:lvl1pPr algn="r">
+                <a:defRPr sz="2200">
+                  <a:solidFill>
+                    <a:srgbClr val="0070C0"/>
+                  </a:solidFill>
+                  <a:latin typeface="+mj-lt"/>
+                  <a:ea typeface="+mj-ea"/>
+                  <a:cs typeface="+mj-cs"/>
+                  <a:sym typeface="Calibri"/>
+                </a:defRPr>
+              </a:lvl1pPr>
+            </a:lstStyle>
+            <a:p>
+              <a:pPr/>
+              <a:r>
+                <a:t>priceRange</a:t>
+              </a:r>
+            </a:p>
+          </p:txBody>
+        </p:sp>
+        <p:sp>
+          <p:nvSpPr>
+            <p:cNvPr id="169" name="TextBox 79"/>
+            <p:cNvSpPr txBox="1"/>
+            <p:nvPr/>
+          </p:nvSpPr>
+          <p:spPr>
+            <a:xfrm>
+              <a:off x="17329279" y="5568683"/>
+              <a:ext cx="1105038" cy="330201"/>
+            </a:xfrm>
+            <a:prstGeom prst="rect">
+              <a:avLst/>
+            </a:prstGeom>
+            <a:noFill/>
+            <a:ln w="12700" cap="flat">
+              <a:noFill/>
+              <a:miter lim="400000"/>
+            </a:ln>
+            <a:effectLst/>
+            <a:extLst>
+              <a:ext uri="{C572A759-6A51-4108-AA02-DFA0A04FC94B}">
+                <ma14:wrappingTextBoxFlag xmlns:ma14="http://schemas.microsoft.com/office/mac/drawingml/2011/main" val="1"/>
+              </a:ext>
+            </a:extLst>
+          </p:spPr>
+          <p:txBody>
+            <a:bodyPr wrap="square" lIns="0" tIns="0" rIns="0" bIns="0" numCol="1" anchor="t">
+              <a:spAutoFit/>
+            </a:bodyPr>
+            <a:lstStyle>
+              <a:lvl1pPr algn="r">
+                <a:defRPr sz="2200">
+                  <a:solidFill>
+                    <a:srgbClr val="0070C0"/>
+                  </a:solidFill>
+                  <a:latin typeface="+mj-lt"/>
+                  <a:ea typeface="+mj-ea"/>
+                  <a:cs typeface="+mj-cs"/>
+                  <a:sym typeface="Calibri"/>
+                </a:defRPr>
+              </a:lvl1pPr>
+            </a:lstStyle>
+            <a:p>
+              <a:pPr/>
+              <a:r>
+                <a:t>occasion</a:t>
+              </a:r>
+            </a:p>
+          </p:txBody>
+        </p:sp>
+        <p:sp>
+          <p:nvSpPr>
+            <p:cNvPr id="170" name="TextBox 79"/>
+            <p:cNvSpPr txBox="1"/>
+            <p:nvPr/>
+          </p:nvSpPr>
+          <p:spPr>
+            <a:xfrm>
+              <a:off x="17267934" y="4828321"/>
+              <a:ext cx="952826" cy="330201"/>
+            </a:xfrm>
+            <a:prstGeom prst="rect">
+              <a:avLst/>
+            </a:prstGeom>
+            <a:noFill/>
+            <a:ln w="12700" cap="flat">
+              <a:noFill/>
+              <a:miter lim="400000"/>
+            </a:ln>
+            <a:effectLst/>
+            <a:extLst>
+              <a:ext uri="{C572A759-6A51-4108-AA02-DFA0A04FC94B}">
+                <ma14:wrappingTextBoxFlag xmlns:ma14="http://schemas.microsoft.com/office/mac/drawingml/2011/main" val="1"/>
+              </a:ext>
+            </a:extLst>
+          </p:spPr>
+          <p:txBody>
+            <a:bodyPr wrap="square" lIns="0" tIns="0" rIns="0" bIns="0" numCol="1" anchor="t">
+              <a:spAutoFit/>
+            </a:bodyPr>
+            <a:lstStyle>
+              <a:lvl1pPr algn="r">
+                <a:defRPr sz="2200">
+                  <a:solidFill>
+                    <a:srgbClr val="0070C0"/>
+                  </a:solidFill>
+                  <a:latin typeface="+mj-lt"/>
+                  <a:ea typeface="+mj-ea"/>
+                  <a:cs typeface="+mj-cs"/>
+                  <a:sym typeface="Calibri"/>
+                </a:defRPr>
+              </a:lvl1pPr>
+            </a:lstStyle>
+            <a:p>
+              <a:pPr/>
+              <a:r>
+                <a:t>cuisine</a:t>
+              </a:r>
+            </a:p>
+          </p:txBody>
+        </p:sp>
+        <p:sp>
+          <p:nvSpPr>
+            <p:cNvPr id="171" name="TextBox 79"/>
+            <p:cNvSpPr txBox="1"/>
+            <p:nvPr/>
+          </p:nvSpPr>
+          <p:spPr>
+            <a:xfrm>
+              <a:off x="17267934" y="4085559"/>
+              <a:ext cx="952826" cy="330201"/>
+            </a:xfrm>
+            <a:prstGeom prst="rect">
+              <a:avLst/>
+            </a:prstGeom>
+            <a:noFill/>
+            <a:ln w="12700" cap="flat">
+              <a:noFill/>
+              <a:miter lim="400000"/>
+            </a:ln>
+            <a:effectLst/>
+            <a:extLst>
+              <a:ext uri="{C572A759-6A51-4108-AA02-DFA0A04FC94B}">
+                <ma14:wrappingTextBoxFlag xmlns:ma14="http://schemas.microsoft.com/office/mac/drawingml/2011/main" val="1"/>
+              </a:ext>
+            </a:extLst>
+          </p:spPr>
+          <p:txBody>
+            <a:bodyPr wrap="square" lIns="0" tIns="0" rIns="0" bIns="0" numCol="1" anchor="t">
+              <a:spAutoFit/>
+            </a:bodyPr>
+            <a:lstStyle>
+              <a:lvl1pPr algn="r">
+                <a:defRPr sz="2200">
+                  <a:solidFill>
+                    <a:srgbClr val="0070C0"/>
+                  </a:solidFill>
+                  <a:latin typeface="+mj-lt"/>
+                  <a:ea typeface="+mj-ea"/>
+                  <a:cs typeface="+mj-cs"/>
+                  <a:sym typeface="Calibri"/>
+                </a:defRPr>
+              </a:lvl1pPr>
+            </a:lstStyle>
+            <a:p>
+              <a:pPr/>
+              <a:r>
+                <a:t>index</a:t>
+              </a:r>
+            </a:p>
+          </p:txBody>
+        </p:sp>
+      </p:grpSp>
     </p:spTree>
   </p:cSld>
   <p:clrMapOvr>
@@ -5341,7 +6233,7 @@
           <a:effectLst>
             <a:outerShdw sx="100000" sy="100000" kx="0" ky="0" algn="b" rotWithShape="0" blurRad="76200" dist="38100" dir="5400000">
               <a:srgbClr val="000000">
-                <a:alpha val="38000"/>
+                <a:alpha val="35000"/>
               </a:srgbClr>
             </a:outerShdw>
           </a:effectLst>
@@ -5405,7 +6297,7 @@
         <a:solidFill>
           <a:srgbClr val="FFFFFF"/>
         </a:solidFill>
-        <a:ln w="50800" cap="flat">
+        <a:ln w="25400" cap="flat">
           <a:solidFill>
             <a:schemeClr val="accent1"/>
           </a:solidFill>
@@ -5421,7 +6313,7 @@
         </a:effectLst>
         <a:sp3d/>
       </a:spPr>
-      <a:bodyPr rot="0" spcFirstLastPara="1" vertOverflow="overflow" horzOverflow="overflow" vert="horz" wrap="square" lIns="91439" tIns="91439" rIns="91439" bIns="91439" numCol="1" spcCol="38100" rtlCol="0" anchor="ctr" upright="0">
+      <a:bodyPr rot="0" spcFirstLastPara="1" vertOverflow="overflow" horzOverflow="overflow" vert="horz" wrap="square" lIns="91438" tIns="91438" rIns="91438" bIns="91438" numCol="1" spcCol="38100" rtlCol="0" anchor="ctr" upright="0">
         <a:spAutoFit/>
       </a:bodyPr>
       <a:lstStyle>
@@ -5449,10 +6341,10 @@
             </a:solidFill>
             <a:effectLst/>
             <a:uFillTx/>
-            <a:latin typeface="+mj-lt"/>
-            <a:ea typeface="+mj-ea"/>
-            <a:cs typeface="+mj-cs"/>
-            <a:sym typeface="Calibri"/>
+            <a:latin typeface="+mn-lt"/>
+            <a:ea typeface="+mn-ea"/>
+            <a:cs typeface="+mn-cs"/>
+            <a:sym typeface="Helvetica"/>
           </a:defRPr>
         </a:defPPr>
         <a:lvl1pPr marL="0" marR="0" indent="0" algn="l" defTabSz="914400" rtl="0" fontAlgn="auto" latinLnBrk="1" hangingPunct="0">
@@ -5700,7 +6592,7 @@
     <a:lnDef>
       <a:spPr>
         <a:noFill/>
-        <a:ln w="50800" cap="flat">
+        <a:ln w="25400" cap="flat">
           <a:solidFill>
             <a:schemeClr val="accent1"/>
           </a:solidFill>
@@ -5710,7 +6602,7 @@
         <a:effectLst>
           <a:outerShdw sx="100000" sy="100000" kx="0" ky="0" algn="b" rotWithShape="0" blurRad="76200" dist="38100" dir="5400000">
             <a:srgbClr val="000000">
-              <a:alpha val="38000"/>
+              <a:alpha val="35000"/>
             </a:srgbClr>
           </a:outerShdw>
         </a:effectLst>
@@ -5991,14 +6883,14 @@
     <a:txDef>
       <a:spPr>
         <a:noFill/>
-        <a:ln w="25400" cap="flat">
+        <a:ln w="12700" cap="flat">
           <a:noFill/>
           <a:miter lim="400000"/>
         </a:ln>
         <a:effectLst/>
         <a:sp3d/>
       </a:spPr>
-      <a:bodyPr rot="0" spcFirstLastPara="1" vertOverflow="overflow" horzOverflow="overflow" vert="horz" wrap="square" lIns="91439" tIns="91439" rIns="91439" bIns="91439" numCol="1" spcCol="38100" rtlCol="0" anchor="t" upright="0">
+      <a:bodyPr rot="0" spcFirstLastPara="1" vertOverflow="overflow" horzOverflow="overflow" vert="horz" wrap="square" lIns="91438" tIns="91438" rIns="91438" bIns="91438" numCol="1" spcCol="38100" rtlCol="0" anchor="t" upright="0">
         <a:spAutoFit/>
       </a:bodyPr>
       <a:lstStyle>
@@ -6026,10 +6918,10 @@
             </a:solidFill>
             <a:effectLst/>
             <a:uFillTx/>
-            <a:latin typeface="+mj-lt"/>
-            <a:ea typeface="+mj-ea"/>
-            <a:cs typeface="+mj-cs"/>
-            <a:sym typeface="Calibri"/>
+            <a:latin typeface="+mn-lt"/>
+            <a:ea typeface="+mn-ea"/>
+            <a:cs typeface="+mn-cs"/>
+            <a:sym typeface="Helvetica"/>
           </a:defRPr>
         </a:defPPr>
         <a:lvl1pPr marL="0" marR="0" indent="0" algn="l" defTabSz="914400" rtl="0" fontAlgn="auto" latinLnBrk="1" hangingPunct="0">
@@ -6425,7 +7317,7 @@
           <a:effectLst>
             <a:outerShdw sx="100000" sy="100000" kx="0" ky="0" algn="b" rotWithShape="0" blurRad="76200" dist="38100" dir="5400000">
               <a:srgbClr val="000000">
-                <a:alpha val="38000"/>
+                <a:alpha val="35000"/>
               </a:srgbClr>
             </a:outerShdw>
           </a:effectLst>
@@ -6489,7 +7381,7 @@
         <a:solidFill>
           <a:srgbClr val="FFFFFF"/>
         </a:solidFill>
-        <a:ln w="50800" cap="flat">
+        <a:ln w="25400" cap="flat">
           <a:solidFill>
             <a:schemeClr val="accent1"/>
           </a:solidFill>
@@ -6505,7 +7397,7 @@
         </a:effectLst>
         <a:sp3d/>
       </a:spPr>
-      <a:bodyPr rot="0" spcFirstLastPara="1" vertOverflow="overflow" horzOverflow="overflow" vert="horz" wrap="square" lIns="91439" tIns="91439" rIns="91439" bIns="91439" numCol="1" spcCol="38100" rtlCol="0" anchor="ctr" upright="0">
+      <a:bodyPr rot="0" spcFirstLastPara="1" vertOverflow="overflow" horzOverflow="overflow" vert="horz" wrap="square" lIns="91438" tIns="91438" rIns="91438" bIns="91438" numCol="1" spcCol="38100" rtlCol="0" anchor="ctr" upright="0">
         <a:spAutoFit/>
       </a:bodyPr>
       <a:lstStyle>
@@ -6533,10 +7425,10 @@
             </a:solidFill>
             <a:effectLst/>
             <a:uFillTx/>
-            <a:latin typeface="+mj-lt"/>
-            <a:ea typeface="+mj-ea"/>
-            <a:cs typeface="+mj-cs"/>
-            <a:sym typeface="Calibri"/>
+            <a:latin typeface="+mn-lt"/>
+            <a:ea typeface="+mn-ea"/>
+            <a:cs typeface="+mn-cs"/>
+            <a:sym typeface="Helvetica"/>
           </a:defRPr>
         </a:defPPr>
         <a:lvl1pPr marL="0" marR="0" indent="0" algn="l" defTabSz="914400" rtl="0" fontAlgn="auto" latinLnBrk="1" hangingPunct="0">
@@ -6784,7 +7676,7 @@
     <a:lnDef>
       <a:spPr>
         <a:noFill/>
-        <a:ln w="50800" cap="flat">
+        <a:ln w="25400" cap="flat">
           <a:solidFill>
             <a:schemeClr val="accent1"/>
           </a:solidFill>
@@ -6794,7 +7686,7 @@
         <a:effectLst>
           <a:outerShdw sx="100000" sy="100000" kx="0" ky="0" algn="b" rotWithShape="0" blurRad="76200" dist="38100" dir="5400000">
             <a:srgbClr val="000000">
-              <a:alpha val="38000"/>
+              <a:alpha val="35000"/>
             </a:srgbClr>
           </a:outerShdw>
         </a:effectLst>
@@ -7075,14 +7967,14 @@
     <a:txDef>
       <a:spPr>
         <a:noFill/>
-        <a:ln w="25400" cap="flat">
+        <a:ln w="12700" cap="flat">
           <a:noFill/>
           <a:miter lim="400000"/>
         </a:ln>
         <a:effectLst/>
         <a:sp3d/>
       </a:spPr>
-      <a:bodyPr rot="0" spcFirstLastPara="1" vertOverflow="overflow" horzOverflow="overflow" vert="horz" wrap="square" lIns="91439" tIns="91439" rIns="91439" bIns="91439" numCol="1" spcCol="38100" rtlCol="0" anchor="t" upright="0">
+      <a:bodyPr rot="0" spcFirstLastPara="1" vertOverflow="overflow" horzOverflow="overflow" vert="horz" wrap="square" lIns="91438" tIns="91438" rIns="91438" bIns="91438" numCol="1" spcCol="38100" rtlCol="0" anchor="t" upright="0">
         <a:spAutoFit/>
       </a:bodyPr>
       <a:lstStyle>
@@ -7110,10 +8002,10 @@
             </a:solidFill>
             <a:effectLst/>
             <a:uFillTx/>
-            <a:latin typeface="+mj-lt"/>
-            <a:ea typeface="+mj-ea"/>
-            <a:cs typeface="+mj-cs"/>
-            <a:sym typeface="Calibri"/>
+            <a:latin typeface="+mn-lt"/>
+            <a:ea typeface="+mn-ea"/>
+            <a:cs typeface="+mn-cs"/>
+            <a:sym typeface="Helvetica"/>
           </a:defRPr>
         </a:defPPr>
         <a:lvl1pPr marL="0" marR="0" indent="0" algn="l" defTabSz="914400" rtl="0" fontAlgn="auto" latinLnBrk="1" hangingPunct="0">
